--- a/poster/Poster Thesis.pptx
+++ b/poster/Poster Thesis.pptx
@@ -6,30 +6,32 @@
     <p:sldMasterId id="2147483672" r:id="rId2"/>
   </p:sldMasterIdLst>
   <p:notesMasterIdLst>
-    <p:notesMasterId r:id="rId4"/>
+    <p:notesMasterId r:id="rId6"/>
   </p:notesMasterIdLst>
   <p:sldIdLst>
-    <p:sldId id="259" r:id="rId3"/>
+    <p:sldId id="261" r:id="rId3"/>
+    <p:sldId id="259" r:id="rId4"/>
+    <p:sldId id="260" r:id="rId5"/>
   </p:sldIdLst>
   <p:sldSz cx="30240288" cy="42479913"/>
   <p:notesSz cx="6858000" cy="9144000"/>
   <p:embeddedFontLst>
     <p:embeddedFont>
       <p:font typeface="Frutiger" panose="020B0500000000000000" pitchFamily="34" charset="0"/>
-      <p:regular r:id="rId5"/>
-      <p:bold r:id="rId6"/>
-    </p:embeddedFont>
-    <p:embeddedFont>
-      <p:font typeface="Lexend" pitchFamily="2" charset="77"/>
       <p:regular r:id="rId7"/>
       <p:bold r:id="rId8"/>
     </p:embeddedFont>
     <p:embeddedFont>
-      <p:font typeface="Roboto" panose="02000000000000000000" pitchFamily="2" charset="0"/>
+      <p:font typeface="Lexend" pitchFamily="2" charset="77"/>
       <p:regular r:id="rId9"/>
       <p:bold r:id="rId10"/>
-      <p:italic r:id="rId11"/>
-      <p:boldItalic r:id="rId12"/>
+    </p:embeddedFont>
+    <p:embeddedFont>
+      <p:font typeface="Roboto" panose="02000000000000000000" pitchFamily="2" charset="0"/>
+      <p:regular r:id="rId11"/>
+      <p:bold r:id="rId12"/>
+      <p:italic r:id="rId13"/>
+      <p:boldItalic r:id="rId14"/>
     </p:embeddedFont>
   </p:embeddedFontLst>
   <p:defaultTextStyle>
@@ -729,6 +731,133 @@
         <p:cNvPr id="1" name="Shape 132">
           <a:extLst>
             <a:ext uri="{FF2B5EF4-FFF2-40B4-BE49-F238E27FC236}">
+              <a16:creationId xmlns:a16="http://schemas.microsoft.com/office/drawing/2014/main" id="{857C1CB9-5069-1FB0-A818-AF3766E50C2C}"/>
+            </a:ext>
+          </a:extLst>
+        </p:cNvPr>
+        <p:cNvGrpSpPr/>
+        <p:nvPr/>
+      </p:nvGrpSpPr>
+      <p:grpSpPr>
+        <a:xfrm>
+          <a:off x="0" y="0"/>
+          <a:ext cx="0" cy="0"/>
+          <a:chOff x="0" y="0"/>
+          <a:chExt cx="0" cy="0"/>
+        </a:xfrm>
+      </p:grpSpPr>
+      <p:sp>
+        <p:nvSpPr>
+          <p:cNvPr id="133" name="Google Shape;133;g2e7206f996a_3_82:notes">
+            <a:extLst>
+              <a:ext uri="{FF2B5EF4-FFF2-40B4-BE49-F238E27FC236}">
+                <a16:creationId xmlns:a16="http://schemas.microsoft.com/office/drawing/2014/main" id="{A64BEF95-0F17-A55E-96EB-0EA52F6C562B}"/>
+              </a:ext>
+            </a:extLst>
+          </p:cNvPr>
+          <p:cNvSpPr txBox="1">
+            <a:spLocks noGrp="1"/>
+          </p:cNvSpPr>
+          <p:nvPr>
+            <p:ph type="body" idx="1"/>
+          </p:nvPr>
+        </p:nvSpPr>
+        <p:spPr>
+          <a:xfrm>
+            <a:off x="685800" y="4343400"/>
+            <a:ext cx="5486400" cy="4114800"/>
+          </a:xfrm>
+          <a:prstGeom prst="rect">
+            <a:avLst/>
+          </a:prstGeom>
+        </p:spPr>
+        <p:txBody>
+          <a:bodyPr spcFirstLastPara="1" wrap="square" lIns="91425" tIns="91425" rIns="91425" bIns="91425" anchor="t" anchorCtr="0">
+            <a:noAutofit/>
+          </a:bodyPr>
+          <a:lstStyle/>
+          <a:p>
+            <a:pPr marL="0" lvl="0" indent="0" algn="l" rtl="0">
+              <a:spcBef>
+                <a:spcPts val="0"/>
+              </a:spcBef>
+              <a:spcAft>
+                <a:spcPts val="0"/>
+              </a:spcAft>
+              <a:buNone/>
+            </a:pPr>
+            <a:endParaRPr/>
+          </a:p>
+        </p:txBody>
+      </p:sp>
+      <p:sp>
+        <p:nvSpPr>
+          <p:cNvPr id="134" name="Google Shape;134;g2e7206f996a_3_82:notes">
+            <a:extLst>
+              <a:ext uri="{FF2B5EF4-FFF2-40B4-BE49-F238E27FC236}">
+                <a16:creationId xmlns:a16="http://schemas.microsoft.com/office/drawing/2014/main" id="{A0B410E1-0DDF-3044-7C63-E3124398ABAF}"/>
+              </a:ext>
+            </a:extLst>
+          </p:cNvPr>
+          <p:cNvSpPr>
+            <a:spLocks noGrp="1" noRot="1" noChangeAspect="1"/>
+          </p:cNvSpPr>
+          <p:nvPr>
+            <p:ph type="sldImg" idx="2"/>
+          </p:nvPr>
+        </p:nvSpPr>
+        <p:spPr>
+          <a:xfrm>
+            <a:off x="2209800" y="685800"/>
+            <a:ext cx="2439988" cy="3429000"/>
+          </a:xfrm>
+          <a:custGeom>
+            <a:avLst/>
+            <a:gdLst/>
+            <a:ahLst/>
+            <a:cxnLst/>
+            <a:rect l="l" t="t" r="r" b="b"/>
+            <a:pathLst>
+              <a:path w="120000" h="120000" extrusionOk="0">
+                <a:moveTo>
+                  <a:pt x="0" y="0"/>
+                </a:moveTo>
+                <a:lnTo>
+                  <a:pt x="120000" y="0"/>
+                </a:lnTo>
+                <a:lnTo>
+                  <a:pt x="120000" y="120000"/>
+                </a:lnTo>
+                <a:lnTo>
+                  <a:pt x="0" y="120000"/>
+                </a:lnTo>
+                <a:close/>
+              </a:path>
+            </a:pathLst>
+          </a:custGeom>
+        </p:spPr>
+      </p:sp>
+    </p:spTree>
+    <p:extLst>
+      <p:ext uri="{BB962C8B-B14F-4D97-AF65-F5344CB8AC3E}">
+        <p14:creationId xmlns:p14="http://schemas.microsoft.com/office/powerpoint/2010/main" val="433753335"/>
+      </p:ext>
+    </p:extLst>
+  </p:cSld>
+  <p:clrMapOvr>
+    <a:masterClrMapping/>
+  </p:clrMapOvr>
+</p:notes>
+</file>
+
+<file path=ppt/notesSlides/notesSlide2.xml><?xml version="1.0" encoding="utf-8"?>
+<p:notes xmlns:a="http://schemas.openxmlformats.org/drawingml/2006/main" xmlns:r="http://schemas.openxmlformats.org/officeDocument/2006/relationships" xmlns:p="http://schemas.openxmlformats.org/presentationml/2006/main" showMasterSp="0" showMasterPhAnim="0">
+  <p:cSld>
+    <p:spTree>
+      <p:nvGrpSpPr>
+        <p:cNvPr id="1" name="Shape 132">
+          <a:extLst>
+            <a:ext uri="{FF2B5EF4-FFF2-40B4-BE49-F238E27FC236}">
               <a16:creationId xmlns:a16="http://schemas.microsoft.com/office/drawing/2014/main" id="{86936592-91EF-BF17-8147-DE5E0D3DB0A5}"/>
             </a:ext>
           </a:extLst>
@@ -839,6 +968,133 @@
     <p:extLst>
       <p:ext uri="{BB962C8B-B14F-4D97-AF65-F5344CB8AC3E}">
         <p14:creationId xmlns:p14="http://schemas.microsoft.com/office/powerpoint/2010/main" val="3503672185"/>
+      </p:ext>
+    </p:extLst>
+  </p:cSld>
+  <p:clrMapOvr>
+    <a:masterClrMapping/>
+  </p:clrMapOvr>
+</p:notes>
+</file>
+
+<file path=ppt/notesSlides/notesSlide3.xml><?xml version="1.0" encoding="utf-8"?>
+<p:notes xmlns:a="http://schemas.openxmlformats.org/drawingml/2006/main" xmlns:r="http://schemas.openxmlformats.org/officeDocument/2006/relationships" xmlns:p="http://schemas.openxmlformats.org/presentationml/2006/main" showMasterSp="0" showMasterPhAnim="0">
+  <p:cSld>
+    <p:spTree>
+      <p:nvGrpSpPr>
+        <p:cNvPr id="1" name="Shape 132">
+          <a:extLst>
+            <a:ext uri="{FF2B5EF4-FFF2-40B4-BE49-F238E27FC236}">
+              <a16:creationId xmlns:a16="http://schemas.microsoft.com/office/drawing/2014/main" id="{FEE67C9C-5AE1-2B5A-3192-0BA066D508D3}"/>
+            </a:ext>
+          </a:extLst>
+        </p:cNvPr>
+        <p:cNvGrpSpPr/>
+        <p:nvPr/>
+      </p:nvGrpSpPr>
+      <p:grpSpPr>
+        <a:xfrm>
+          <a:off x="0" y="0"/>
+          <a:ext cx="0" cy="0"/>
+          <a:chOff x="0" y="0"/>
+          <a:chExt cx="0" cy="0"/>
+        </a:xfrm>
+      </p:grpSpPr>
+      <p:sp>
+        <p:nvSpPr>
+          <p:cNvPr id="133" name="Google Shape;133;g2e7206f996a_3_82:notes">
+            <a:extLst>
+              <a:ext uri="{FF2B5EF4-FFF2-40B4-BE49-F238E27FC236}">
+                <a16:creationId xmlns:a16="http://schemas.microsoft.com/office/drawing/2014/main" id="{0DF64A43-40D8-AD4B-F264-99D7CAC93A9F}"/>
+              </a:ext>
+            </a:extLst>
+          </p:cNvPr>
+          <p:cNvSpPr txBox="1">
+            <a:spLocks noGrp="1"/>
+          </p:cNvSpPr>
+          <p:nvPr>
+            <p:ph type="body" idx="1"/>
+          </p:nvPr>
+        </p:nvSpPr>
+        <p:spPr>
+          <a:xfrm>
+            <a:off x="685800" y="4343400"/>
+            <a:ext cx="5486400" cy="4114800"/>
+          </a:xfrm>
+          <a:prstGeom prst="rect">
+            <a:avLst/>
+          </a:prstGeom>
+        </p:spPr>
+        <p:txBody>
+          <a:bodyPr spcFirstLastPara="1" wrap="square" lIns="91425" tIns="91425" rIns="91425" bIns="91425" anchor="t" anchorCtr="0">
+            <a:noAutofit/>
+          </a:bodyPr>
+          <a:lstStyle/>
+          <a:p>
+            <a:pPr marL="0" lvl="0" indent="0" algn="l" rtl="0">
+              <a:spcBef>
+                <a:spcPts val="0"/>
+              </a:spcBef>
+              <a:spcAft>
+                <a:spcPts val="0"/>
+              </a:spcAft>
+              <a:buNone/>
+            </a:pPr>
+            <a:endParaRPr/>
+          </a:p>
+        </p:txBody>
+      </p:sp>
+      <p:sp>
+        <p:nvSpPr>
+          <p:cNvPr id="134" name="Google Shape;134;g2e7206f996a_3_82:notes">
+            <a:extLst>
+              <a:ext uri="{FF2B5EF4-FFF2-40B4-BE49-F238E27FC236}">
+                <a16:creationId xmlns:a16="http://schemas.microsoft.com/office/drawing/2014/main" id="{BA9BFCD7-B7B2-629B-906E-A158D09E30F1}"/>
+              </a:ext>
+            </a:extLst>
+          </p:cNvPr>
+          <p:cNvSpPr>
+            <a:spLocks noGrp="1" noRot="1" noChangeAspect="1"/>
+          </p:cNvSpPr>
+          <p:nvPr>
+            <p:ph type="sldImg" idx="2"/>
+          </p:nvPr>
+        </p:nvSpPr>
+        <p:spPr>
+          <a:xfrm>
+            <a:off x="2209800" y="685800"/>
+            <a:ext cx="2439988" cy="3429000"/>
+          </a:xfrm>
+          <a:custGeom>
+            <a:avLst/>
+            <a:gdLst/>
+            <a:ahLst/>
+            <a:cxnLst/>
+            <a:rect l="l" t="t" r="r" b="b"/>
+            <a:pathLst>
+              <a:path w="120000" h="120000" extrusionOk="0">
+                <a:moveTo>
+                  <a:pt x="0" y="0"/>
+                </a:moveTo>
+                <a:lnTo>
+                  <a:pt x="120000" y="0"/>
+                </a:lnTo>
+                <a:lnTo>
+                  <a:pt x="120000" y="120000"/>
+                </a:lnTo>
+                <a:lnTo>
+                  <a:pt x="0" y="120000"/>
+                </a:lnTo>
+                <a:close/>
+              </a:path>
+            </a:pathLst>
+          </a:custGeom>
+        </p:spPr>
+      </p:sp>
+    </p:spTree>
+    <p:extLst>
+      <p:ext uri="{BB962C8B-B14F-4D97-AF65-F5344CB8AC3E}">
+        <p14:creationId xmlns:p14="http://schemas.microsoft.com/office/powerpoint/2010/main" val="910790496"/>
       </p:ext>
     </p:extLst>
   </p:cSld>
@@ -16321,6 +16577,3045 @@
         <p:cNvPr id="1" name="Shape 135">
           <a:extLst>
             <a:ext uri="{FF2B5EF4-FFF2-40B4-BE49-F238E27FC236}">
+              <a16:creationId xmlns:a16="http://schemas.microsoft.com/office/drawing/2014/main" id="{3EF929F1-7D3D-9E35-5B60-28B3FF19C67E}"/>
+            </a:ext>
+          </a:extLst>
+        </p:cNvPr>
+        <p:cNvGrpSpPr/>
+        <p:nvPr/>
+      </p:nvGrpSpPr>
+      <p:grpSpPr>
+        <a:xfrm>
+          <a:off x="0" y="0"/>
+          <a:ext cx="0" cy="0"/>
+          <a:chOff x="0" y="0"/>
+          <a:chExt cx="0" cy="0"/>
+        </a:xfrm>
+      </p:grpSpPr>
+      <p:sp>
+        <p:nvSpPr>
+          <p:cNvPr id="136" name="Google Shape;136;p26">
+            <a:extLst>
+              <a:ext uri="{FF2B5EF4-FFF2-40B4-BE49-F238E27FC236}">
+                <a16:creationId xmlns:a16="http://schemas.microsoft.com/office/drawing/2014/main" id="{A4A3782A-A419-C753-A91D-CA52517ADBA8}"/>
+              </a:ext>
+            </a:extLst>
+          </p:cNvPr>
+          <p:cNvSpPr txBox="1">
+            <a:spLocks noGrp="1"/>
+          </p:cNvSpPr>
+          <p:nvPr>
+            <p:ph type="subTitle" idx="1"/>
+          </p:nvPr>
+        </p:nvSpPr>
+        <p:spPr>
+          <a:xfrm>
+            <a:off x="10787450" y="3091732"/>
+            <a:ext cx="5573400" cy="597206"/>
+          </a:xfrm>
+          <a:prstGeom prst="rect">
+            <a:avLst/>
+          </a:prstGeom>
+          <a:noFill/>
+          <a:ln>
+            <a:noFill/>
+          </a:ln>
+        </p:spPr>
+        <p:txBody>
+          <a:bodyPr spcFirstLastPara="1" wrap="square" lIns="0" tIns="0" rIns="0" bIns="0" anchor="t" anchorCtr="0">
+            <a:normAutofit/>
+          </a:bodyPr>
+          <a:lstStyle/>
+          <a:p>
+            <a:pPr marL="0" lvl="0" indent="0" algn="l" rtl="0">
+              <a:lnSpc>
+                <a:spcPct val="100928"/>
+              </a:lnSpc>
+              <a:spcBef>
+                <a:spcPts val="0"/>
+              </a:spcBef>
+              <a:spcAft>
+                <a:spcPts val="0"/>
+              </a:spcAft>
+              <a:buClr>
+                <a:schemeClr val="dk1"/>
+              </a:buClr>
+              <a:buSzPts val="2800"/>
+              <a:buNone/>
+            </a:pPr>
+            <a:r>
+              <a:rPr lang="en-GB" sz="3000" b="1" dirty="0"/>
+              <a:t>Student</a:t>
+            </a:r>
+            <a:r>
+              <a:rPr lang="en-GB" sz="3000" dirty="0"/>
+              <a:t>: Davide Frova</a:t>
+            </a:r>
+            <a:endParaRPr sz="3000" dirty="0"/>
+          </a:p>
+        </p:txBody>
+      </p:sp>
+      <p:sp>
+        <p:nvSpPr>
+          <p:cNvPr id="137" name="Google Shape;137;p26">
+            <a:extLst>
+              <a:ext uri="{FF2B5EF4-FFF2-40B4-BE49-F238E27FC236}">
+                <a16:creationId xmlns:a16="http://schemas.microsoft.com/office/drawing/2014/main" id="{B9F7FD38-08F3-CFD7-395C-C1B95A6473A7}"/>
+              </a:ext>
+            </a:extLst>
+          </p:cNvPr>
+          <p:cNvSpPr txBox="1">
+            <a:spLocks noGrp="1"/>
+          </p:cNvSpPr>
+          <p:nvPr>
+            <p:ph type="body" idx="2"/>
+          </p:nvPr>
+        </p:nvSpPr>
+        <p:spPr>
+          <a:xfrm>
+            <a:off x="16951732" y="3091732"/>
+            <a:ext cx="5573400" cy="597206"/>
+          </a:xfrm>
+          <a:prstGeom prst="rect">
+            <a:avLst/>
+          </a:prstGeom>
+          <a:noFill/>
+          <a:ln>
+            <a:noFill/>
+          </a:ln>
+        </p:spPr>
+        <p:txBody>
+          <a:bodyPr spcFirstLastPara="1" wrap="square" lIns="0" tIns="0" rIns="0" bIns="0" anchor="t" anchorCtr="0">
+            <a:normAutofit/>
+          </a:bodyPr>
+          <a:lstStyle/>
+          <a:p>
+            <a:pPr marL="0" lvl="0" indent="0" algn="l" rtl="0">
+              <a:lnSpc>
+                <a:spcPct val="100928"/>
+              </a:lnSpc>
+              <a:spcBef>
+                <a:spcPts val="0"/>
+              </a:spcBef>
+              <a:spcAft>
+                <a:spcPts val="0"/>
+              </a:spcAft>
+              <a:buClr>
+                <a:schemeClr val="dk1"/>
+              </a:buClr>
+              <a:buSzPts val="2800"/>
+              <a:buNone/>
+            </a:pPr>
+            <a:r>
+              <a:rPr lang="en-GB" sz="3000" b="1" dirty="0"/>
+              <a:t>Advisor</a:t>
+            </a:r>
+            <a:r>
+              <a:rPr lang="en-GB" sz="3000" dirty="0"/>
+              <a:t>: Prof. Monica Landoni</a:t>
+            </a:r>
+            <a:endParaRPr sz="3000" dirty="0"/>
+          </a:p>
+        </p:txBody>
+      </p:sp>
+      <p:sp>
+        <p:nvSpPr>
+          <p:cNvPr id="138" name="Google Shape;138;p26">
+            <a:extLst>
+              <a:ext uri="{FF2B5EF4-FFF2-40B4-BE49-F238E27FC236}">
+                <a16:creationId xmlns:a16="http://schemas.microsoft.com/office/drawing/2014/main" id="{0AFAB2F3-BB7E-2CB9-51E7-AA5FF9374F15}"/>
+              </a:ext>
+            </a:extLst>
+          </p:cNvPr>
+          <p:cNvSpPr txBox="1">
+            <a:spLocks noGrp="1"/>
+          </p:cNvSpPr>
+          <p:nvPr>
+            <p:ph type="body" idx="3"/>
+          </p:nvPr>
+        </p:nvSpPr>
+        <p:spPr>
+          <a:xfrm>
+            <a:off x="23116014" y="3091732"/>
+            <a:ext cx="5573400" cy="597206"/>
+          </a:xfrm>
+          <a:prstGeom prst="rect">
+            <a:avLst/>
+          </a:prstGeom>
+          <a:noFill/>
+          <a:ln>
+            <a:noFill/>
+          </a:ln>
+        </p:spPr>
+        <p:txBody>
+          <a:bodyPr spcFirstLastPara="1" wrap="square" lIns="0" tIns="0" rIns="0" bIns="0" anchor="t" anchorCtr="0">
+            <a:normAutofit/>
+          </a:bodyPr>
+          <a:lstStyle/>
+          <a:p>
+            <a:pPr marL="0" lvl="0" indent="0" algn="l" rtl="0">
+              <a:lnSpc>
+                <a:spcPct val="100928"/>
+              </a:lnSpc>
+              <a:spcBef>
+                <a:spcPts val="0"/>
+              </a:spcBef>
+              <a:spcAft>
+                <a:spcPts val="0"/>
+              </a:spcAft>
+              <a:buClr>
+                <a:schemeClr val="dk1"/>
+              </a:buClr>
+              <a:buSzPts val="2800"/>
+              <a:buNone/>
+            </a:pPr>
+            <a:r>
+              <a:rPr lang="en-GB" sz="3000" b="1" dirty="0"/>
+              <a:t>Co-Advisor</a:t>
+            </a:r>
+            <a:r>
+              <a:rPr lang="en-GB" sz="3000" dirty="0"/>
+              <a:t>: Antonio Paolillo</a:t>
+            </a:r>
+            <a:endParaRPr sz="3000" dirty="0"/>
+          </a:p>
+        </p:txBody>
+      </p:sp>
+      <p:sp>
+        <p:nvSpPr>
+          <p:cNvPr id="139" name="Google Shape;139;p26">
+            <a:extLst>
+              <a:ext uri="{FF2B5EF4-FFF2-40B4-BE49-F238E27FC236}">
+                <a16:creationId xmlns:a16="http://schemas.microsoft.com/office/drawing/2014/main" id="{07E82288-C08E-B519-0306-732D08868464}"/>
+              </a:ext>
+            </a:extLst>
+          </p:cNvPr>
+          <p:cNvSpPr txBox="1">
+            <a:spLocks noGrp="1"/>
+          </p:cNvSpPr>
+          <p:nvPr>
+            <p:ph type="title"/>
+          </p:nvPr>
+        </p:nvSpPr>
+        <p:spPr>
+          <a:xfrm>
+            <a:off x="10787214" y="176543"/>
+            <a:ext cx="17902200" cy="2963051"/>
+          </a:xfrm>
+          <a:prstGeom prst="rect">
+            <a:avLst/>
+          </a:prstGeom>
+          <a:noFill/>
+          <a:ln>
+            <a:noFill/>
+          </a:ln>
+        </p:spPr>
+        <p:txBody>
+          <a:bodyPr spcFirstLastPara="1" wrap="square" lIns="0" tIns="0" rIns="0" bIns="0" anchor="t" anchorCtr="0">
+            <a:noAutofit/>
+          </a:bodyPr>
+          <a:lstStyle/>
+          <a:p>
+            <a:pPr marL="0" lvl="0" indent="0" algn="l" rtl="0">
+              <a:spcBef>
+                <a:spcPts val="0"/>
+              </a:spcBef>
+              <a:spcAft>
+                <a:spcPts val="0"/>
+              </a:spcAft>
+              <a:buClr>
+                <a:schemeClr val="dk1"/>
+              </a:buClr>
+              <a:buSzPts val="1100"/>
+              <a:buFont typeface="Arial"/>
+              <a:buNone/>
+            </a:pPr>
+            <a:r>
+              <a:rPr lang="en-GB" sz="7000" b="0" dirty="0">
+                <a:latin typeface="Lexend"/>
+                <a:ea typeface="Lexend"/>
+                <a:cs typeface="Lexend"/>
+                <a:sym typeface="Lexend"/>
+              </a:rPr>
+              <a:t>Exploring the Learning by Teaching Paradigm with Social Robots</a:t>
+            </a:r>
+            <a:endParaRPr sz="7000" b="0" i="1" dirty="0">
+              <a:latin typeface="Lexend"/>
+              <a:ea typeface="Lexend"/>
+              <a:cs typeface="Lexend"/>
+              <a:sym typeface="Lexend"/>
+            </a:endParaRPr>
+          </a:p>
+          <a:p>
+            <a:pPr marL="0" lvl="0" indent="0" algn="l" rtl="0">
+              <a:spcBef>
+                <a:spcPts val="0"/>
+              </a:spcBef>
+              <a:spcAft>
+                <a:spcPts val="0"/>
+              </a:spcAft>
+              <a:buClr>
+                <a:schemeClr val="dk1"/>
+              </a:buClr>
+              <a:buSzPts val="1100"/>
+              <a:buFont typeface="Arial"/>
+              <a:buNone/>
+            </a:pPr>
+            <a:endParaRPr sz="800" b="0" i="1" dirty="0">
+              <a:latin typeface="Lexend"/>
+              <a:ea typeface="Lexend"/>
+              <a:cs typeface="Lexend"/>
+              <a:sym typeface="Lexend"/>
+            </a:endParaRPr>
+          </a:p>
+          <a:p>
+            <a:pPr marL="0" lvl="0" indent="0" algn="l" rtl="0">
+              <a:spcBef>
+                <a:spcPts val="0"/>
+              </a:spcBef>
+              <a:spcAft>
+                <a:spcPts val="0"/>
+              </a:spcAft>
+              <a:buClr>
+                <a:schemeClr val="dk1"/>
+              </a:buClr>
+              <a:buSzPts val="1100"/>
+              <a:buFont typeface="Arial"/>
+              <a:buNone/>
+            </a:pPr>
+            <a:r>
+              <a:rPr lang="en-GB" sz="3000" b="0" dirty="0">
+                <a:latin typeface="Lexend"/>
+                <a:ea typeface="Lexend"/>
+                <a:cs typeface="Lexend"/>
+                <a:sym typeface="Lexend"/>
+              </a:rPr>
+              <a:t>Exploratory Studies on Learning by Teaching with Social Robots using Wizard-of-Oz Control</a:t>
+            </a:r>
+            <a:endParaRPr sz="3000" b="0" dirty="0">
+              <a:latin typeface="Lexend"/>
+              <a:ea typeface="Lexend"/>
+              <a:cs typeface="Lexend"/>
+              <a:sym typeface="Lexend"/>
+            </a:endParaRPr>
+          </a:p>
+          <a:p>
+            <a:pPr marL="0" lvl="0" indent="0" algn="l" rtl="0">
+              <a:lnSpc>
+                <a:spcPct val="90000"/>
+              </a:lnSpc>
+              <a:spcBef>
+                <a:spcPts val="0"/>
+              </a:spcBef>
+              <a:spcAft>
+                <a:spcPts val="0"/>
+              </a:spcAft>
+              <a:buClr>
+                <a:schemeClr val="dk1"/>
+              </a:buClr>
+              <a:buSzPts val="6000"/>
+              <a:buFont typeface="Arial"/>
+              <a:buNone/>
+            </a:pPr>
+            <a:endParaRPr sz="2100" b="0" dirty="0">
+              <a:latin typeface="Lexend"/>
+              <a:ea typeface="Lexend"/>
+              <a:cs typeface="Lexend"/>
+              <a:sym typeface="Lexend"/>
+            </a:endParaRPr>
+          </a:p>
+        </p:txBody>
+      </p:sp>
+      <p:sp>
+        <p:nvSpPr>
+          <p:cNvPr id="2" name="TextBox 1">
+            <a:extLst>
+              <a:ext uri="{FF2B5EF4-FFF2-40B4-BE49-F238E27FC236}">
+                <a16:creationId xmlns:a16="http://schemas.microsoft.com/office/drawing/2014/main" id="{2BC77291-C634-85DB-C888-15FEDDE98B71}"/>
+              </a:ext>
+            </a:extLst>
+          </p:cNvPr>
+          <p:cNvSpPr txBox="1"/>
+          <p:nvPr/>
+        </p:nvSpPr>
+        <p:spPr>
+          <a:xfrm>
+            <a:off x="16813161" y="1902542"/>
+            <a:ext cx="184731" cy="307777"/>
+          </a:xfrm>
+          <a:prstGeom prst="rect">
+            <a:avLst/>
+          </a:prstGeom>
+          <a:noFill/>
+        </p:spPr>
+        <p:txBody>
+          <a:bodyPr wrap="none" rtlCol="0">
+            <a:spAutoFit/>
+          </a:bodyPr>
+          <a:lstStyle/>
+          <a:p>
+            <a:endParaRPr lang="en-US" dirty="0"/>
+          </a:p>
+        </p:txBody>
+      </p:sp>
+      <p:pic>
+        <p:nvPicPr>
+          <p:cNvPr id="6" name="Picture 5" descr="A screenshot of a computer&#10;&#10;AI-generated content may be incorrect.">
+            <a:extLst>
+              <a:ext uri="{FF2B5EF4-FFF2-40B4-BE49-F238E27FC236}">
+                <a16:creationId xmlns:a16="http://schemas.microsoft.com/office/drawing/2014/main" id="{C0B50736-5048-4186-42EE-79EE63CCF764}"/>
+              </a:ext>
+            </a:extLst>
+          </p:cNvPr>
+          <p:cNvPicPr>
+            <a:picLocks noChangeAspect="1"/>
+          </p:cNvPicPr>
+          <p:nvPr/>
+        </p:nvPicPr>
+        <p:blipFill>
+          <a:blip r:embed="rId3"/>
+          <a:stretch>
+            <a:fillRect/>
+          </a:stretch>
+        </p:blipFill>
+        <p:spPr>
+          <a:xfrm>
+            <a:off x="2318624" y="12546512"/>
+            <a:ext cx="11424982" cy="7237880"/>
+          </a:xfrm>
+          <a:prstGeom prst="rect">
+            <a:avLst/>
+          </a:prstGeom>
+        </p:spPr>
+      </p:pic>
+      <p:pic>
+        <p:nvPicPr>
+          <p:cNvPr id="7" name="Picture 6" descr="A screenshot of a computer&#10;&#10;AI-generated content may be incorrect.">
+            <a:extLst>
+              <a:ext uri="{FF2B5EF4-FFF2-40B4-BE49-F238E27FC236}">
+                <a16:creationId xmlns:a16="http://schemas.microsoft.com/office/drawing/2014/main" id="{F77DCA4D-CE28-5BDD-D9AD-5FF360455F44}"/>
+              </a:ext>
+            </a:extLst>
+          </p:cNvPr>
+          <p:cNvPicPr>
+            <a:picLocks noChangeAspect="1"/>
+          </p:cNvPicPr>
+          <p:nvPr/>
+        </p:nvPicPr>
+        <p:blipFill>
+          <a:blip r:embed="rId4"/>
+          <a:stretch>
+            <a:fillRect/>
+          </a:stretch>
+        </p:blipFill>
+        <p:spPr>
+          <a:xfrm>
+            <a:off x="16578237" y="21130139"/>
+            <a:ext cx="11424982" cy="7237880"/>
+          </a:xfrm>
+          <a:prstGeom prst="rect">
+            <a:avLst/>
+          </a:prstGeom>
+        </p:spPr>
+      </p:pic>
+      <p:pic>
+        <p:nvPicPr>
+          <p:cNvPr id="8" name="Picture 7" descr="A screenshot of a computer&#10;&#10;AI-generated content may be incorrect.">
+            <a:extLst>
+              <a:ext uri="{FF2B5EF4-FFF2-40B4-BE49-F238E27FC236}">
+                <a16:creationId xmlns:a16="http://schemas.microsoft.com/office/drawing/2014/main" id="{3CE73E47-023E-460A-C226-28D3B3988589}"/>
+              </a:ext>
+            </a:extLst>
+          </p:cNvPr>
+          <p:cNvPicPr>
+            <a:picLocks noChangeAspect="1"/>
+          </p:cNvPicPr>
+          <p:nvPr/>
+        </p:nvPicPr>
+        <p:blipFill>
+          <a:blip r:embed="rId5"/>
+          <a:stretch>
+            <a:fillRect/>
+          </a:stretch>
+        </p:blipFill>
+        <p:spPr>
+          <a:xfrm>
+            <a:off x="2366750" y="30136285"/>
+            <a:ext cx="11424982" cy="7237880"/>
+          </a:xfrm>
+          <a:prstGeom prst="rect">
+            <a:avLst/>
+          </a:prstGeom>
+        </p:spPr>
+      </p:pic>
+      <p:grpSp>
+        <p:nvGrpSpPr>
+          <p:cNvPr id="29" name="Group 28">
+            <a:extLst>
+              <a:ext uri="{FF2B5EF4-FFF2-40B4-BE49-F238E27FC236}">
+                <a16:creationId xmlns:a16="http://schemas.microsoft.com/office/drawing/2014/main" id="{E8EFCB14-4B2A-987E-BF45-E716901EB7FE}"/>
+              </a:ext>
+            </a:extLst>
+          </p:cNvPr>
+          <p:cNvGrpSpPr/>
+          <p:nvPr/>
+        </p:nvGrpSpPr>
+        <p:grpSpPr>
+          <a:xfrm>
+            <a:off x="15893853" y="12619961"/>
+            <a:ext cx="12651183" cy="7201445"/>
+            <a:chOff x="16607033" y="13246775"/>
+            <a:chExt cx="12651183" cy="7201445"/>
+          </a:xfrm>
+        </p:grpSpPr>
+        <p:grpSp>
+          <p:nvGrpSpPr>
+            <p:cNvPr id="19" name="Group 18">
+              <a:extLst>
+                <a:ext uri="{FF2B5EF4-FFF2-40B4-BE49-F238E27FC236}">
+                  <a16:creationId xmlns:a16="http://schemas.microsoft.com/office/drawing/2014/main" id="{8FDF7B5E-DC9E-8D42-38F4-0E34AC7A4D19}"/>
+                </a:ext>
+              </a:extLst>
+            </p:cNvPr>
+            <p:cNvGrpSpPr/>
+            <p:nvPr/>
+          </p:nvGrpSpPr>
+          <p:grpSpPr>
+            <a:xfrm>
+              <a:off x="16607033" y="13246775"/>
+              <a:ext cx="12651183" cy="2349925"/>
+              <a:chOff x="16039438" y="13924272"/>
+              <a:chExt cx="12651183" cy="2349925"/>
+            </a:xfrm>
+          </p:grpSpPr>
+          <p:sp>
+            <p:nvSpPr>
+              <p:cNvPr id="11" name="Google Shape;155;p26">
+                <a:extLst>
+                  <a:ext uri="{FF2B5EF4-FFF2-40B4-BE49-F238E27FC236}">
+                    <a16:creationId xmlns:a16="http://schemas.microsoft.com/office/drawing/2014/main" id="{5131B4E1-B84D-17EE-CEB5-8B8DE74CF1F9}"/>
+                  </a:ext>
+                </a:extLst>
+              </p:cNvPr>
+              <p:cNvSpPr txBox="1"/>
+              <p:nvPr/>
+            </p:nvSpPr>
+            <p:spPr>
+              <a:xfrm>
+                <a:off x="16039438" y="13924272"/>
+                <a:ext cx="12405000" cy="1050389"/>
+              </a:xfrm>
+              <a:prstGeom prst="rect">
+                <a:avLst/>
+              </a:prstGeom>
+              <a:noFill/>
+              <a:ln>
+                <a:noFill/>
+              </a:ln>
+            </p:spPr>
+            <p:txBody>
+              <a:bodyPr spcFirstLastPara="1" wrap="square" lIns="91425" tIns="91425" rIns="91425" bIns="91425" anchor="t" anchorCtr="0">
+                <a:noAutofit/>
+              </a:bodyPr>
+              <a:lstStyle/>
+              <a:p>
+                <a:pPr lvl="0" algn="just" rtl="0">
+                  <a:spcBef>
+                    <a:spcPts val="0"/>
+                  </a:spcBef>
+                  <a:spcAft>
+                    <a:spcPts val="0"/>
+                  </a:spcAft>
+                </a:pPr>
+                <a:r>
+                  <a:rPr lang="en-GB" sz="4800" b="1" dirty="0">
+                    <a:solidFill>
+                      <a:schemeClr val="dk1"/>
+                    </a:solidFill>
+                    <a:latin typeface="Frutiger" panose="020B0500000000000000" pitchFamily="34" charset="0"/>
+                  </a:rPr>
+                  <a:t>Fixed positions didn’t work</a:t>
+                </a:r>
+              </a:p>
+              <a:p>
+                <a:pPr lvl="0" algn="just" rtl="0">
+                  <a:spcBef>
+                    <a:spcPts val="0"/>
+                  </a:spcBef>
+                  <a:spcAft>
+                    <a:spcPts val="0"/>
+                  </a:spcAft>
+                </a:pPr>
+                <a:endParaRPr lang="en-GB" sz="5400" dirty="0">
+                  <a:solidFill>
+                    <a:schemeClr val="dk1"/>
+                  </a:solidFill>
+                  <a:latin typeface="Frutiger" panose="020B0500000000000000" pitchFamily="34" charset="0"/>
+                </a:endParaRPr>
+              </a:p>
+            </p:txBody>
+          </p:sp>
+          <p:sp>
+            <p:nvSpPr>
+              <p:cNvPr id="18" name="Google Shape;155;p26">
+                <a:extLst>
+                  <a:ext uri="{FF2B5EF4-FFF2-40B4-BE49-F238E27FC236}">
+                    <a16:creationId xmlns:a16="http://schemas.microsoft.com/office/drawing/2014/main" id="{927D4BD8-1409-AB9E-58F3-173DCC725ED8}"/>
+                  </a:ext>
+                </a:extLst>
+              </p:cNvPr>
+              <p:cNvSpPr txBox="1"/>
+              <p:nvPr/>
+            </p:nvSpPr>
+            <p:spPr>
+              <a:xfrm>
+                <a:off x="16285621" y="14709711"/>
+                <a:ext cx="12405000" cy="1564486"/>
+              </a:xfrm>
+              <a:prstGeom prst="rect">
+                <a:avLst/>
+              </a:prstGeom>
+              <a:noFill/>
+              <a:ln>
+                <a:noFill/>
+              </a:ln>
+            </p:spPr>
+            <p:txBody>
+              <a:bodyPr spcFirstLastPara="1" wrap="square" lIns="91425" tIns="91425" rIns="91425" bIns="91425" anchor="t" anchorCtr="0">
+                <a:noAutofit/>
+              </a:bodyPr>
+              <a:lstStyle/>
+              <a:p>
+                <a:pPr lvl="0" algn="just"/>
+                <a:r>
+                  <a:rPr lang="en-GB" sz="4400" dirty="0">
+                    <a:solidFill>
+                      <a:schemeClr val="dk1"/>
+                    </a:solidFill>
+                    <a:latin typeface="Frutiger" panose="020B0500000000000000" pitchFamily="34" charset="0"/>
+                  </a:rPr>
+                  <a:t>Children moved unpredictably during play,</a:t>
+                </a:r>
+              </a:p>
+              <a:p>
+                <a:pPr lvl="0" algn="just"/>
+                <a:r>
+                  <a:rPr lang="en-GB" sz="4400" dirty="0">
+                    <a:solidFill>
+                      <a:schemeClr val="dk1"/>
+                    </a:solidFill>
+                    <a:latin typeface="Frutiger" panose="020B0500000000000000" pitchFamily="34" charset="0"/>
+                  </a:rPr>
+                  <a:t>making joystick control a must.</a:t>
+                </a:r>
+              </a:p>
+            </p:txBody>
+          </p:sp>
+        </p:grpSp>
+        <p:grpSp>
+          <p:nvGrpSpPr>
+            <p:cNvPr id="20" name="Group 19">
+              <a:extLst>
+                <a:ext uri="{FF2B5EF4-FFF2-40B4-BE49-F238E27FC236}">
+                  <a16:creationId xmlns:a16="http://schemas.microsoft.com/office/drawing/2014/main" id="{6A19E028-1431-1C29-CAB1-75207CE9CC28}"/>
+                </a:ext>
+              </a:extLst>
+            </p:cNvPr>
+            <p:cNvGrpSpPr/>
+            <p:nvPr/>
+          </p:nvGrpSpPr>
+          <p:grpSpPr>
+            <a:xfrm>
+              <a:off x="16607033" y="15637784"/>
+              <a:ext cx="12651183" cy="2349925"/>
+              <a:chOff x="16039438" y="13924272"/>
+              <a:chExt cx="12651183" cy="2349925"/>
+            </a:xfrm>
+          </p:grpSpPr>
+          <p:sp>
+            <p:nvSpPr>
+              <p:cNvPr id="21" name="Google Shape;155;p26">
+                <a:extLst>
+                  <a:ext uri="{FF2B5EF4-FFF2-40B4-BE49-F238E27FC236}">
+                    <a16:creationId xmlns:a16="http://schemas.microsoft.com/office/drawing/2014/main" id="{6935888F-97FB-49E3-88FC-5C477A32AA9E}"/>
+                  </a:ext>
+                </a:extLst>
+              </p:cNvPr>
+              <p:cNvSpPr txBox="1"/>
+              <p:nvPr/>
+            </p:nvSpPr>
+            <p:spPr>
+              <a:xfrm>
+                <a:off x="16039438" y="13924272"/>
+                <a:ext cx="12405000" cy="1050389"/>
+              </a:xfrm>
+              <a:prstGeom prst="rect">
+                <a:avLst/>
+              </a:prstGeom>
+              <a:noFill/>
+              <a:ln>
+                <a:noFill/>
+              </a:ln>
+            </p:spPr>
+            <p:txBody>
+              <a:bodyPr spcFirstLastPara="1" wrap="square" lIns="91425" tIns="91425" rIns="91425" bIns="91425" anchor="t" anchorCtr="0">
+                <a:noAutofit/>
+              </a:bodyPr>
+              <a:lstStyle/>
+              <a:p>
+                <a:pPr lvl="0" algn="just" rtl="0">
+                  <a:spcBef>
+                    <a:spcPts val="0"/>
+                  </a:spcBef>
+                  <a:spcAft>
+                    <a:spcPts val="0"/>
+                  </a:spcAft>
+                </a:pPr>
+                <a:r>
+                  <a:rPr lang="en-GB" sz="4800" b="1" dirty="0">
+                    <a:solidFill>
+                      <a:schemeClr val="dk1"/>
+                    </a:solidFill>
+                    <a:latin typeface="Frutiger" panose="020B0500000000000000" pitchFamily="34" charset="0"/>
+                  </a:rPr>
+                  <a:t>Negative Feedback Was Entertaining</a:t>
+                </a:r>
+              </a:p>
+              <a:p>
+                <a:pPr lvl="0" algn="just" rtl="0">
+                  <a:spcBef>
+                    <a:spcPts val="0"/>
+                  </a:spcBef>
+                  <a:spcAft>
+                    <a:spcPts val="0"/>
+                  </a:spcAft>
+                </a:pPr>
+                <a:endParaRPr lang="en-GB" sz="5400" dirty="0">
+                  <a:solidFill>
+                    <a:schemeClr val="dk1"/>
+                  </a:solidFill>
+                  <a:latin typeface="Frutiger" panose="020B0500000000000000" pitchFamily="34" charset="0"/>
+                </a:endParaRPr>
+              </a:p>
+            </p:txBody>
+          </p:sp>
+          <p:sp>
+            <p:nvSpPr>
+              <p:cNvPr id="22" name="Google Shape;155;p26">
+                <a:extLst>
+                  <a:ext uri="{FF2B5EF4-FFF2-40B4-BE49-F238E27FC236}">
+                    <a16:creationId xmlns:a16="http://schemas.microsoft.com/office/drawing/2014/main" id="{1BE36FAC-4100-0E22-3D9A-E6D16270FC6D}"/>
+                  </a:ext>
+                </a:extLst>
+              </p:cNvPr>
+              <p:cNvSpPr txBox="1"/>
+              <p:nvPr/>
+            </p:nvSpPr>
+            <p:spPr>
+              <a:xfrm>
+                <a:off x="16285621" y="14709711"/>
+                <a:ext cx="12405000" cy="1564486"/>
+              </a:xfrm>
+              <a:prstGeom prst="rect">
+                <a:avLst/>
+              </a:prstGeom>
+              <a:noFill/>
+              <a:ln>
+                <a:noFill/>
+              </a:ln>
+            </p:spPr>
+            <p:txBody>
+              <a:bodyPr spcFirstLastPara="1" wrap="square" lIns="91425" tIns="91425" rIns="91425" bIns="91425" anchor="t" anchorCtr="0">
+                <a:noAutofit/>
+              </a:bodyPr>
+              <a:lstStyle/>
+              <a:p>
+                <a:pPr lvl="0" algn="just"/>
+                <a:r>
+                  <a:rPr lang="en-GB" sz="4400" dirty="0">
+                    <a:solidFill>
+                      <a:schemeClr val="dk1"/>
+                    </a:solidFill>
+                    <a:latin typeface="Frutiger" panose="020B0500000000000000" pitchFamily="34" charset="0"/>
+                  </a:rPr>
+                  <a:t>Spinning or dramatic motions were perceived as fun, potentially reinforcing misbehaviour.</a:t>
+                </a:r>
+              </a:p>
+            </p:txBody>
+          </p:sp>
+        </p:grpSp>
+        <p:grpSp>
+          <p:nvGrpSpPr>
+            <p:cNvPr id="23" name="Group 22">
+              <a:extLst>
+                <a:ext uri="{FF2B5EF4-FFF2-40B4-BE49-F238E27FC236}">
+                  <a16:creationId xmlns:a16="http://schemas.microsoft.com/office/drawing/2014/main" id="{0335DF8F-C2F6-1BF6-A180-6BE4D6F74251}"/>
+                </a:ext>
+              </a:extLst>
+            </p:cNvPr>
+            <p:cNvGrpSpPr/>
+            <p:nvPr/>
+          </p:nvGrpSpPr>
+          <p:grpSpPr>
+            <a:xfrm>
+              <a:off x="16607033" y="18098295"/>
+              <a:ext cx="12651183" cy="2349925"/>
+              <a:chOff x="16039438" y="13924272"/>
+              <a:chExt cx="12651183" cy="2349925"/>
+            </a:xfrm>
+          </p:grpSpPr>
+          <p:sp>
+            <p:nvSpPr>
+              <p:cNvPr id="24" name="Google Shape;155;p26">
+                <a:extLst>
+                  <a:ext uri="{FF2B5EF4-FFF2-40B4-BE49-F238E27FC236}">
+                    <a16:creationId xmlns:a16="http://schemas.microsoft.com/office/drawing/2014/main" id="{0352BD28-F958-4113-D009-1AF1DBDD2406}"/>
+                  </a:ext>
+                </a:extLst>
+              </p:cNvPr>
+              <p:cNvSpPr txBox="1"/>
+              <p:nvPr/>
+            </p:nvSpPr>
+            <p:spPr>
+              <a:xfrm>
+                <a:off x="16039438" y="13924272"/>
+                <a:ext cx="12405000" cy="1050389"/>
+              </a:xfrm>
+              <a:prstGeom prst="rect">
+                <a:avLst/>
+              </a:prstGeom>
+              <a:noFill/>
+              <a:ln>
+                <a:noFill/>
+              </a:ln>
+            </p:spPr>
+            <p:txBody>
+              <a:bodyPr spcFirstLastPara="1" wrap="square" lIns="91425" tIns="91425" rIns="91425" bIns="91425" anchor="t" anchorCtr="0">
+                <a:noAutofit/>
+              </a:bodyPr>
+              <a:lstStyle/>
+              <a:p>
+                <a:pPr lvl="0" algn="just" rtl="0">
+                  <a:spcBef>
+                    <a:spcPts val="0"/>
+                  </a:spcBef>
+                  <a:spcAft>
+                    <a:spcPts val="0"/>
+                  </a:spcAft>
+                </a:pPr>
+                <a:r>
+                  <a:rPr lang="en-GB" sz="4800" b="1" dirty="0">
+                    <a:solidFill>
+                      <a:schemeClr val="dk1"/>
+                    </a:solidFill>
+                    <a:latin typeface="Frutiger" panose="020B0500000000000000" pitchFamily="34" charset="0"/>
+                  </a:rPr>
+                  <a:t>Robot Seen as a Peer</a:t>
+                </a:r>
+              </a:p>
+              <a:p>
+                <a:pPr lvl="0" algn="just" rtl="0">
+                  <a:spcBef>
+                    <a:spcPts val="0"/>
+                  </a:spcBef>
+                  <a:spcAft>
+                    <a:spcPts val="0"/>
+                  </a:spcAft>
+                </a:pPr>
+                <a:endParaRPr lang="en-GB" sz="5400" dirty="0">
+                  <a:solidFill>
+                    <a:schemeClr val="dk1"/>
+                  </a:solidFill>
+                  <a:latin typeface="Frutiger" panose="020B0500000000000000" pitchFamily="34" charset="0"/>
+                </a:endParaRPr>
+              </a:p>
+            </p:txBody>
+          </p:sp>
+          <p:sp>
+            <p:nvSpPr>
+              <p:cNvPr id="25" name="Google Shape;155;p26">
+                <a:extLst>
+                  <a:ext uri="{FF2B5EF4-FFF2-40B4-BE49-F238E27FC236}">
+                    <a16:creationId xmlns:a16="http://schemas.microsoft.com/office/drawing/2014/main" id="{AF9092DD-9182-681B-1B80-8099241E576E}"/>
+                  </a:ext>
+                </a:extLst>
+              </p:cNvPr>
+              <p:cNvSpPr txBox="1"/>
+              <p:nvPr/>
+            </p:nvSpPr>
+            <p:spPr>
+              <a:xfrm>
+                <a:off x="16285621" y="14709711"/>
+                <a:ext cx="12405000" cy="1564486"/>
+              </a:xfrm>
+              <a:prstGeom prst="rect">
+                <a:avLst/>
+              </a:prstGeom>
+              <a:noFill/>
+              <a:ln>
+                <a:noFill/>
+              </a:ln>
+            </p:spPr>
+            <p:txBody>
+              <a:bodyPr spcFirstLastPara="1" wrap="square" lIns="91425" tIns="91425" rIns="91425" bIns="91425" anchor="t" anchorCtr="0">
+                <a:noAutofit/>
+              </a:bodyPr>
+              <a:lstStyle/>
+              <a:p>
+                <a:pPr lvl="0" algn="just"/>
+                <a:r>
+                  <a:rPr lang="en-GB" sz="4400" dirty="0">
+                    <a:solidFill>
+                      <a:schemeClr val="dk1"/>
+                    </a:solidFill>
+                    <a:latin typeface="Frutiger" panose="020B0500000000000000" pitchFamily="34" charset="0"/>
+                  </a:rPr>
+                  <a:t>Participants related to the robot more like a peer or playful companion than an authority figure.</a:t>
+                </a:r>
+              </a:p>
+            </p:txBody>
+          </p:sp>
+        </p:grpSp>
+      </p:grpSp>
+      <p:grpSp>
+        <p:nvGrpSpPr>
+          <p:cNvPr id="30" name="Group 29">
+            <a:extLst>
+              <a:ext uri="{FF2B5EF4-FFF2-40B4-BE49-F238E27FC236}">
+                <a16:creationId xmlns:a16="http://schemas.microsoft.com/office/drawing/2014/main" id="{D33C1362-53F3-3827-A22C-D106A54DB4EB}"/>
+              </a:ext>
+            </a:extLst>
+          </p:cNvPr>
+          <p:cNvGrpSpPr/>
+          <p:nvPr/>
+        </p:nvGrpSpPr>
+        <p:grpSpPr>
+          <a:xfrm>
+            <a:off x="1570908" y="21229323"/>
+            <a:ext cx="12651183" cy="7201445"/>
+            <a:chOff x="16607033" y="13246775"/>
+            <a:chExt cx="12651183" cy="7201445"/>
+          </a:xfrm>
+        </p:grpSpPr>
+        <p:grpSp>
+          <p:nvGrpSpPr>
+            <p:cNvPr id="31" name="Group 30">
+              <a:extLst>
+                <a:ext uri="{FF2B5EF4-FFF2-40B4-BE49-F238E27FC236}">
+                  <a16:creationId xmlns:a16="http://schemas.microsoft.com/office/drawing/2014/main" id="{C3BF078C-29BC-4E69-316C-A38B134A0DB5}"/>
+                </a:ext>
+              </a:extLst>
+            </p:cNvPr>
+            <p:cNvGrpSpPr/>
+            <p:nvPr/>
+          </p:nvGrpSpPr>
+          <p:grpSpPr>
+            <a:xfrm>
+              <a:off x="16607033" y="13246775"/>
+              <a:ext cx="12651183" cy="2349925"/>
+              <a:chOff x="16039438" y="13924272"/>
+              <a:chExt cx="12651183" cy="2349925"/>
+            </a:xfrm>
+          </p:grpSpPr>
+          <p:sp>
+            <p:nvSpPr>
+              <p:cNvPr id="38" name="Google Shape;155;p26">
+                <a:extLst>
+                  <a:ext uri="{FF2B5EF4-FFF2-40B4-BE49-F238E27FC236}">
+                    <a16:creationId xmlns:a16="http://schemas.microsoft.com/office/drawing/2014/main" id="{6036F185-5240-D4BA-16F5-97CFA96A0B6C}"/>
+                  </a:ext>
+                </a:extLst>
+              </p:cNvPr>
+              <p:cNvSpPr txBox="1"/>
+              <p:nvPr/>
+            </p:nvSpPr>
+            <p:spPr>
+              <a:xfrm>
+                <a:off x="16039438" y="13924272"/>
+                <a:ext cx="12405000" cy="1050389"/>
+              </a:xfrm>
+              <a:prstGeom prst="rect">
+                <a:avLst/>
+              </a:prstGeom>
+              <a:noFill/>
+              <a:ln>
+                <a:noFill/>
+              </a:ln>
+            </p:spPr>
+            <p:txBody>
+              <a:bodyPr spcFirstLastPara="1" wrap="square" lIns="91425" tIns="91425" rIns="91425" bIns="91425" anchor="t" anchorCtr="0">
+                <a:noAutofit/>
+              </a:bodyPr>
+              <a:lstStyle/>
+              <a:p>
+                <a:pPr lvl="0" algn="just" rtl="0">
+                  <a:spcBef>
+                    <a:spcPts val="0"/>
+                  </a:spcBef>
+                  <a:spcAft>
+                    <a:spcPts val="0"/>
+                  </a:spcAft>
+                </a:pPr>
+                <a:r>
+                  <a:rPr lang="en-GB" sz="4800" b="1" dirty="0">
+                    <a:solidFill>
+                      <a:schemeClr val="dk1"/>
+                    </a:solidFill>
+                    <a:latin typeface="Frutiger" panose="020B0500000000000000" pitchFamily="34" charset="0"/>
+                  </a:rPr>
+                  <a:t>LEDs Were Ignored</a:t>
+                </a:r>
+              </a:p>
+              <a:p>
+                <a:pPr lvl="0" algn="just" rtl="0">
+                  <a:spcBef>
+                    <a:spcPts val="0"/>
+                  </a:spcBef>
+                  <a:spcAft>
+                    <a:spcPts val="0"/>
+                  </a:spcAft>
+                </a:pPr>
+                <a:endParaRPr lang="en-GB" sz="4800" dirty="0">
+                  <a:solidFill>
+                    <a:schemeClr val="dk1"/>
+                  </a:solidFill>
+                  <a:latin typeface="Frutiger" panose="020B0500000000000000" pitchFamily="34" charset="0"/>
+                </a:endParaRPr>
+              </a:p>
+            </p:txBody>
+          </p:sp>
+          <p:sp>
+            <p:nvSpPr>
+              <p:cNvPr id="39" name="Google Shape;155;p26">
+                <a:extLst>
+                  <a:ext uri="{FF2B5EF4-FFF2-40B4-BE49-F238E27FC236}">
+                    <a16:creationId xmlns:a16="http://schemas.microsoft.com/office/drawing/2014/main" id="{32B95085-C9E4-3E63-5AC1-06F7088A556C}"/>
+                  </a:ext>
+                </a:extLst>
+              </p:cNvPr>
+              <p:cNvSpPr txBox="1"/>
+              <p:nvPr/>
+            </p:nvSpPr>
+            <p:spPr>
+              <a:xfrm>
+                <a:off x="16285621" y="14709711"/>
+                <a:ext cx="12405000" cy="1564486"/>
+              </a:xfrm>
+              <a:prstGeom prst="rect">
+                <a:avLst/>
+              </a:prstGeom>
+              <a:noFill/>
+              <a:ln>
+                <a:noFill/>
+              </a:ln>
+            </p:spPr>
+            <p:txBody>
+              <a:bodyPr spcFirstLastPara="1" wrap="square" lIns="91425" tIns="91425" rIns="91425" bIns="91425" anchor="t" anchorCtr="0">
+                <a:noAutofit/>
+              </a:bodyPr>
+              <a:lstStyle/>
+              <a:p>
+                <a:pPr lvl="0" algn="just"/>
+                <a:r>
+                  <a:rPr lang="en-GB" sz="4400" dirty="0">
+                    <a:solidFill>
+                      <a:schemeClr val="dk1"/>
+                    </a:solidFill>
+                    <a:latin typeface="Frutiger" panose="020B0500000000000000" pitchFamily="34" charset="0"/>
+                  </a:rPr>
+                  <a:t>Red light alone wasn’t enough to attract attention during play, especially on the floor.</a:t>
+                </a:r>
+              </a:p>
+            </p:txBody>
+          </p:sp>
+        </p:grpSp>
+        <p:grpSp>
+          <p:nvGrpSpPr>
+            <p:cNvPr id="32" name="Group 31">
+              <a:extLst>
+                <a:ext uri="{FF2B5EF4-FFF2-40B4-BE49-F238E27FC236}">
+                  <a16:creationId xmlns:a16="http://schemas.microsoft.com/office/drawing/2014/main" id="{E4AD4CDD-A46B-A92B-883C-2116DE8FF476}"/>
+                </a:ext>
+              </a:extLst>
+            </p:cNvPr>
+            <p:cNvGrpSpPr/>
+            <p:nvPr/>
+          </p:nvGrpSpPr>
+          <p:grpSpPr>
+            <a:xfrm>
+              <a:off x="16607033" y="15637784"/>
+              <a:ext cx="12651183" cy="2349925"/>
+              <a:chOff x="16039438" y="13924272"/>
+              <a:chExt cx="12651183" cy="2349925"/>
+            </a:xfrm>
+          </p:grpSpPr>
+          <p:sp>
+            <p:nvSpPr>
+              <p:cNvPr id="36" name="Google Shape;155;p26">
+                <a:extLst>
+                  <a:ext uri="{FF2B5EF4-FFF2-40B4-BE49-F238E27FC236}">
+                    <a16:creationId xmlns:a16="http://schemas.microsoft.com/office/drawing/2014/main" id="{3ED273BE-7B53-5005-D42D-5F4ABBB70CB3}"/>
+                  </a:ext>
+                </a:extLst>
+              </p:cNvPr>
+              <p:cNvSpPr txBox="1"/>
+              <p:nvPr/>
+            </p:nvSpPr>
+            <p:spPr>
+              <a:xfrm>
+                <a:off x="16039438" y="13924272"/>
+                <a:ext cx="12405000" cy="1050389"/>
+              </a:xfrm>
+              <a:prstGeom prst="rect">
+                <a:avLst/>
+              </a:prstGeom>
+              <a:noFill/>
+              <a:ln>
+                <a:noFill/>
+              </a:ln>
+            </p:spPr>
+            <p:txBody>
+              <a:bodyPr spcFirstLastPara="1" wrap="square" lIns="91425" tIns="91425" rIns="91425" bIns="91425" anchor="t" anchorCtr="0">
+                <a:noAutofit/>
+              </a:bodyPr>
+              <a:lstStyle/>
+              <a:p>
+                <a:pPr lvl="0" algn="just" rtl="0">
+                  <a:spcBef>
+                    <a:spcPts val="0"/>
+                  </a:spcBef>
+                  <a:spcAft>
+                    <a:spcPts val="0"/>
+                  </a:spcAft>
+                </a:pPr>
+                <a:r>
+                  <a:rPr lang="en-GB" sz="4800" b="1" dirty="0">
+                    <a:solidFill>
+                      <a:schemeClr val="dk1"/>
+                    </a:solidFill>
+                    <a:latin typeface="Frutiger" panose="020B0500000000000000" pitchFamily="34" charset="0"/>
+                  </a:rPr>
+                  <a:t>Movement Was Attention-Grabbing</a:t>
+                </a:r>
+              </a:p>
+              <a:p>
+                <a:pPr lvl="0" algn="just" rtl="0">
+                  <a:spcBef>
+                    <a:spcPts val="0"/>
+                  </a:spcBef>
+                  <a:spcAft>
+                    <a:spcPts val="0"/>
+                  </a:spcAft>
+                </a:pPr>
+                <a:endParaRPr lang="en-GB" sz="4800" dirty="0">
+                  <a:solidFill>
+                    <a:schemeClr val="dk1"/>
+                  </a:solidFill>
+                  <a:latin typeface="Frutiger" panose="020B0500000000000000" pitchFamily="34" charset="0"/>
+                </a:endParaRPr>
+              </a:p>
+            </p:txBody>
+          </p:sp>
+          <p:sp>
+            <p:nvSpPr>
+              <p:cNvPr id="37" name="Google Shape;155;p26">
+                <a:extLst>
+                  <a:ext uri="{FF2B5EF4-FFF2-40B4-BE49-F238E27FC236}">
+                    <a16:creationId xmlns:a16="http://schemas.microsoft.com/office/drawing/2014/main" id="{A61DDDBC-AC71-8CF1-B10A-7C446303AA2C}"/>
+                  </a:ext>
+                </a:extLst>
+              </p:cNvPr>
+              <p:cNvSpPr txBox="1"/>
+              <p:nvPr/>
+            </p:nvSpPr>
+            <p:spPr>
+              <a:xfrm>
+                <a:off x="16285621" y="14709711"/>
+                <a:ext cx="12405000" cy="1564486"/>
+              </a:xfrm>
+              <a:prstGeom prst="rect">
+                <a:avLst/>
+              </a:prstGeom>
+              <a:noFill/>
+              <a:ln>
+                <a:noFill/>
+              </a:ln>
+            </p:spPr>
+            <p:txBody>
+              <a:bodyPr spcFirstLastPara="1" wrap="square" lIns="91425" tIns="91425" rIns="91425" bIns="91425" anchor="t" anchorCtr="0">
+                <a:noAutofit/>
+              </a:bodyPr>
+              <a:lstStyle/>
+              <a:p>
+                <a:pPr lvl="0" algn="just"/>
+                <a:r>
+                  <a:rPr lang="en-GB" sz="4400" dirty="0">
+                    <a:solidFill>
+                      <a:schemeClr val="dk1"/>
+                    </a:solidFill>
+                    <a:latin typeface="Frutiger" panose="020B0500000000000000" pitchFamily="34" charset="0"/>
+                  </a:rPr>
+                  <a:t>Quick approaches or changes in position effectively caught children’s focus.</a:t>
+                </a:r>
+              </a:p>
+            </p:txBody>
+          </p:sp>
+        </p:grpSp>
+        <p:grpSp>
+          <p:nvGrpSpPr>
+            <p:cNvPr id="33" name="Group 32">
+              <a:extLst>
+                <a:ext uri="{FF2B5EF4-FFF2-40B4-BE49-F238E27FC236}">
+                  <a16:creationId xmlns:a16="http://schemas.microsoft.com/office/drawing/2014/main" id="{D02D9A22-6C0A-0B25-346C-F281364347CC}"/>
+                </a:ext>
+              </a:extLst>
+            </p:cNvPr>
+            <p:cNvGrpSpPr/>
+            <p:nvPr/>
+          </p:nvGrpSpPr>
+          <p:grpSpPr>
+            <a:xfrm>
+              <a:off x="16607033" y="18098295"/>
+              <a:ext cx="12651183" cy="2349925"/>
+              <a:chOff x="16039438" y="13924272"/>
+              <a:chExt cx="12651183" cy="2349925"/>
+            </a:xfrm>
+          </p:grpSpPr>
+          <p:sp>
+            <p:nvSpPr>
+              <p:cNvPr id="34" name="Google Shape;155;p26">
+                <a:extLst>
+                  <a:ext uri="{FF2B5EF4-FFF2-40B4-BE49-F238E27FC236}">
+                    <a16:creationId xmlns:a16="http://schemas.microsoft.com/office/drawing/2014/main" id="{CE15EE45-DFB7-28F8-4D2F-C7C83AA2071B}"/>
+                  </a:ext>
+                </a:extLst>
+              </p:cNvPr>
+              <p:cNvSpPr txBox="1"/>
+              <p:nvPr/>
+            </p:nvSpPr>
+            <p:spPr>
+              <a:xfrm>
+                <a:off x="16039438" y="13924272"/>
+                <a:ext cx="12405000" cy="1050389"/>
+              </a:xfrm>
+              <a:prstGeom prst="rect">
+                <a:avLst/>
+              </a:prstGeom>
+              <a:noFill/>
+              <a:ln>
+                <a:noFill/>
+              </a:ln>
+            </p:spPr>
+            <p:txBody>
+              <a:bodyPr spcFirstLastPara="1" wrap="square" lIns="91425" tIns="91425" rIns="91425" bIns="91425" anchor="t" anchorCtr="0">
+                <a:noAutofit/>
+              </a:bodyPr>
+              <a:lstStyle/>
+              <a:p>
+                <a:pPr lvl="0" algn="just" rtl="0">
+                  <a:spcBef>
+                    <a:spcPts val="0"/>
+                  </a:spcBef>
+                  <a:spcAft>
+                    <a:spcPts val="0"/>
+                  </a:spcAft>
+                </a:pPr>
+                <a:r>
+                  <a:rPr lang="en-GB" sz="4800" b="1" dirty="0">
+                    <a:solidFill>
+                      <a:schemeClr val="dk1"/>
+                    </a:solidFill>
+                    <a:latin typeface="Frutiger" panose="020B0500000000000000" pitchFamily="34" charset="0"/>
+                  </a:rPr>
+                  <a:t>Naming Boosted the Engagement</a:t>
+                </a:r>
+              </a:p>
+              <a:p>
+                <a:pPr lvl="0" algn="just" rtl="0">
+                  <a:spcBef>
+                    <a:spcPts val="0"/>
+                  </a:spcBef>
+                  <a:spcAft>
+                    <a:spcPts val="0"/>
+                  </a:spcAft>
+                </a:pPr>
+                <a:endParaRPr lang="en-GB" sz="4800" dirty="0">
+                  <a:solidFill>
+                    <a:schemeClr val="dk1"/>
+                  </a:solidFill>
+                  <a:latin typeface="Frutiger" panose="020B0500000000000000" pitchFamily="34" charset="0"/>
+                </a:endParaRPr>
+              </a:p>
+            </p:txBody>
+          </p:sp>
+          <p:sp>
+            <p:nvSpPr>
+              <p:cNvPr id="35" name="Google Shape;155;p26">
+                <a:extLst>
+                  <a:ext uri="{FF2B5EF4-FFF2-40B4-BE49-F238E27FC236}">
+                    <a16:creationId xmlns:a16="http://schemas.microsoft.com/office/drawing/2014/main" id="{9D253270-00DD-E7C6-E3B6-298EDE4AF8E8}"/>
+                  </a:ext>
+                </a:extLst>
+              </p:cNvPr>
+              <p:cNvSpPr txBox="1"/>
+              <p:nvPr/>
+            </p:nvSpPr>
+            <p:spPr>
+              <a:xfrm>
+                <a:off x="16285621" y="14709711"/>
+                <a:ext cx="12405000" cy="1564486"/>
+              </a:xfrm>
+              <a:prstGeom prst="rect">
+                <a:avLst/>
+              </a:prstGeom>
+              <a:noFill/>
+              <a:ln>
+                <a:noFill/>
+              </a:ln>
+            </p:spPr>
+            <p:txBody>
+              <a:bodyPr spcFirstLastPara="1" wrap="square" lIns="91425" tIns="91425" rIns="91425" bIns="91425" anchor="t" anchorCtr="0">
+                <a:noAutofit/>
+              </a:bodyPr>
+              <a:lstStyle/>
+              <a:p>
+                <a:pPr lvl="0" algn="just"/>
+                <a:r>
+                  <a:rPr lang="en-GB" sz="4400" dirty="0">
+                    <a:solidFill>
+                      <a:schemeClr val="dk1"/>
+                    </a:solidFill>
+                    <a:latin typeface="Frutiger" panose="020B0500000000000000" pitchFamily="34" charset="0"/>
+                  </a:rPr>
+                  <a:t>Letting children name the robot increased their sense of connection and interaction quality.</a:t>
+                </a:r>
+              </a:p>
+            </p:txBody>
+          </p:sp>
+        </p:grpSp>
+      </p:grpSp>
+      <p:grpSp>
+        <p:nvGrpSpPr>
+          <p:cNvPr id="40" name="Group 39">
+            <a:extLst>
+              <a:ext uri="{FF2B5EF4-FFF2-40B4-BE49-F238E27FC236}">
+                <a16:creationId xmlns:a16="http://schemas.microsoft.com/office/drawing/2014/main" id="{31ACB6A7-9136-96F5-602F-B2D7E80222F1}"/>
+              </a:ext>
+            </a:extLst>
+          </p:cNvPr>
+          <p:cNvGrpSpPr/>
+          <p:nvPr/>
+        </p:nvGrpSpPr>
+        <p:grpSpPr>
+          <a:xfrm>
+            <a:off x="15893853" y="29880882"/>
+            <a:ext cx="12651183" cy="8129225"/>
+            <a:chOff x="16607033" y="12831135"/>
+            <a:chExt cx="12651183" cy="8129225"/>
+          </a:xfrm>
+        </p:grpSpPr>
+        <p:grpSp>
+          <p:nvGrpSpPr>
+            <p:cNvPr id="41" name="Group 40">
+              <a:extLst>
+                <a:ext uri="{FF2B5EF4-FFF2-40B4-BE49-F238E27FC236}">
+                  <a16:creationId xmlns:a16="http://schemas.microsoft.com/office/drawing/2014/main" id="{3F0CDA94-BD51-5DA3-9A34-2257EE3ABA0E}"/>
+                </a:ext>
+              </a:extLst>
+            </p:cNvPr>
+            <p:cNvGrpSpPr/>
+            <p:nvPr/>
+          </p:nvGrpSpPr>
+          <p:grpSpPr>
+            <a:xfrm>
+              <a:off x="16607033" y="12831135"/>
+              <a:ext cx="12651183" cy="2797133"/>
+              <a:chOff x="16039438" y="13508632"/>
+              <a:chExt cx="12651183" cy="2797133"/>
+            </a:xfrm>
+          </p:grpSpPr>
+          <p:sp>
+            <p:nvSpPr>
+              <p:cNvPr id="48" name="Google Shape;155;p26">
+                <a:extLst>
+                  <a:ext uri="{FF2B5EF4-FFF2-40B4-BE49-F238E27FC236}">
+                    <a16:creationId xmlns:a16="http://schemas.microsoft.com/office/drawing/2014/main" id="{724B89A7-E28F-DC63-6809-7066A2128F18}"/>
+                  </a:ext>
+                </a:extLst>
+              </p:cNvPr>
+              <p:cNvSpPr txBox="1"/>
+              <p:nvPr/>
+            </p:nvSpPr>
+            <p:spPr>
+              <a:xfrm>
+                <a:off x="16039438" y="13508632"/>
+                <a:ext cx="12405000" cy="1050389"/>
+              </a:xfrm>
+              <a:prstGeom prst="rect">
+                <a:avLst/>
+              </a:prstGeom>
+              <a:noFill/>
+              <a:ln>
+                <a:noFill/>
+              </a:ln>
+            </p:spPr>
+            <p:txBody>
+              <a:bodyPr spcFirstLastPara="1" wrap="square" lIns="91425" tIns="91425" rIns="91425" bIns="91425" anchor="t" anchorCtr="0">
+                <a:noAutofit/>
+              </a:bodyPr>
+              <a:lstStyle/>
+              <a:p>
+                <a:pPr lvl="0" algn="just" rtl="0">
+                  <a:spcBef>
+                    <a:spcPts val="0"/>
+                  </a:spcBef>
+                  <a:spcAft>
+                    <a:spcPts val="0"/>
+                  </a:spcAft>
+                </a:pPr>
+                <a:r>
+                  <a:rPr lang="en-GB" sz="4800" b="1" dirty="0">
+                    <a:solidFill>
+                      <a:schemeClr val="dk1"/>
+                    </a:solidFill>
+                    <a:latin typeface="Frutiger" panose="020B0500000000000000" pitchFamily="34" charset="0"/>
+                  </a:rPr>
+                  <a:t>Robot Seen as a Pet</a:t>
+                </a:r>
+              </a:p>
+              <a:p>
+                <a:pPr lvl="0" algn="just" rtl="0">
+                  <a:spcBef>
+                    <a:spcPts val="0"/>
+                  </a:spcBef>
+                  <a:spcAft>
+                    <a:spcPts val="0"/>
+                  </a:spcAft>
+                </a:pPr>
+                <a:endParaRPr lang="en-GB" sz="4800" dirty="0">
+                  <a:solidFill>
+                    <a:schemeClr val="dk1"/>
+                  </a:solidFill>
+                  <a:latin typeface="Frutiger" panose="020B0500000000000000" pitchFamily="34" charset="0"/>
+                </a:endParaRPr>
+              </a:p>
+            </p:txBody>
+          </p:sp>
+          <p:sp>
+            <p:nvSpPr>
+              <p:cNvPr id="49" name="Google Shape;155;p26">
+                <a:extLst>
+                  <a:ext uri="{FF2B5EF4-FFF2-40B4-BE49-F238E27FC236}">
+                    <a16:creationId xmlns:a16="http://schemas.microsoft.com/office/drawing/2014/main" id="{5499BC4F-B9D8-89EE-96BA-0C0056BF4130}"/>
+                  </a:ext>
+                </a:extLst>
+              </p:cNvPr>
+              <p:cNvSpPr txBox="1"/>
+              <p:nvPr/>
+            </p:nvSpPr>
+            <p:spPr>
+              <a:xfrm>
+                <a:off x="16285621" y="14294070"/>
+                <a:ext cx="12405000" cy="2011695"/>
+              </a:xfrm>
+              <a:prstGeom prst="rect">
+                <a:avLst/>
+              </a:prstGeom>
+              <a:noFill/>
+              <a:ln>
+                <a:noFill/>
+              </a:ln>
+            </p:spPr>
+            <p:txBody>
+              <a:bodyPr spcFirstLastPara="1" wrap="square" lIns="91425" tIns="91425" rIns="91425" bIns="91425" anchor="t" anchorCtr="0">
+                <a:noAutofit/>
+              </a:bodyPr>
+              <a:lstStyle/>
+              <a:p>
+                <a:pPr lvl="0" algn="just"/>
+                <a:r>
+                  <a:rPr lang="en-GB" sz="4400" dirty="0">
+                    <a:solidFill>
+                      <a:schemeClr val="dk1"/>
+                    </a:solidFill>
+                    <a:latin typeface="Frutiger" panose="020B0500000000000000" pitchFamily="34" charset="0"/>
+                  </a:rPr>
+                  <a:t>Children treated the robot like a pet (e.g., decorating or petting it), reinforcing its peer-like framing.</a:t>
+                </a:r>
+              </a:p>
+            </p:txBody>
+          </p:sp>
+        </p:grpSp>
+        <p:grpSp>
+          <p:nvGrpSpPr>
+            <p:cNvPr id="42" name="Group 41">
+              <a:extLst>
+                <a:ext uri="{FF2B5EF4-FFF2-40B4-BE49-F238E27FC236}">
+                  <a16:creationId xmlns:a16="http://schemas.microsoft.com/office/drawing/2014/main" id="{C47396E1-97E2-CF0B-9266-6105E73AC447}"/>
+                </a:ext>
+              </a:extLst>
+            </p:cNvPr>
+            <p:cNvGrpSpPr/>
+            <p:nvPr/>
+          </p:nvGrpSpPr>
+          <p:grpSpPr>
+            <a:xfrm>
+              <a:off x="16607033" y="15887168"/>
+              <a:ext cx="12651183" cy="2349925"/>
+              <a:chOff x="16039438" y="14173656"/>
+              <a:chExt cx="12651183" cy="2349925"/>
+            </a:xfrm>
+          </p:grpSpPr>
+          <p:sp>
+            <p:nvSpPr>
+              <p:cNvPr id="46" name="Google Shape;155;p26">
+                <a:extLst>
+                  <a:ext uri="{FF2B5EF4-FFF2-40B4-BE49-F238E27FC236}">
+                    <a16:creationId xmlns:a16="http://schemas.microsoft.com/office/drawing/2014/main" id="{38426808-83C2-6D20-5346-A56DD4AC1113}"/>
+                  </a:ext>
+                </a:extLst>
+              </p:cNvPr>
+              <p:cNvSpPr txBox="1"/>
+              <p:nvPr/>
+            </p:nvSpPr>
+            <p:spPr>
+              <a:xfrm>
+                <a:off x="16039438" y="14173656"/>
+                <a:ext cx="12405000" cy="1050389"/>
+              </a:xfrm>
+              <a:prstGeom prst="rect">
+                <a:avLst/>
+              </a:prstGeom>
+              <a:noFill/>
+              <a:ln>
+                <a:noFill/>
+              </a:ln>
+            </p:spPr>
+            <p:txBody>
+              <a:bodyPr spcFirstLastPara="1" wrap="square" lIns="91425" tIns="91425" rIns="91425" bIns="91425" anchor="t" anchorCtr="0">
+                <a:noAutofit/>
+              </a:bodyPr>
+              <a:lstStyle/>
+              <a:p>
+                <a:pPr lvl="0" algn="just" rtl="0">
+                  <a:spcBef>
+                    <a:spcPts val="0"/>
+                  </a:spcBef>
+                  <a:spcAft>
+                    <a:spcPts val="0"/>
+                  </a:spcAft>
+                </a:pPr>
+                <a:r>
+                  <a:rPr lang="en-GB" sz="4800" b="1" dirty="0">
+                    <a:solidFill>
+                      <a:schemeClr val="dk1"/>
+                    </a:solidFill>
+                    <a:latin typeface="Frutiger" panose="020B0500000000000000" pitchFamily="34" charset="0"/>
+                  </a:rPr>
+                  <a:t>Multimodal “Dances” Were Popular</a:t>
+                </a:r>
+              </a:p>
+              <a:p>
+                <a:pPr lvl="0" algn="just" rtl="0">
+                  <a:spcBef>
+                    <a:spcPts val="0"/>
+                  </a:spcBef>
+                  <a:spcAft>
+                    <a:spcPts val="0"/>
+                  </a:spcAft>
+                </a:pPr>
+                <a:endParaRPr lang="en-GB" sz="4800" dirty="0">
+                  <a:solidFill>
+                    <a:schemeClr val="dk1"/>
+                  </a:solidFill>
+                  <a:latin typeface="Frutiger" panose="020B0500000000000000" pitchFamily="34" charset="0"/>
+                </a:endParaRPr>
+              </a:p>
+            </p:txBody>
+          </p:sp>
+          <p:sp>
+            <p:nvSpPr>
+              <p:cNvPr id="47" name="Google Shape;155;p26">
+                <a:extLst>
+                  <a:ext uri="{FF2B5EF4-FFF2-40B4-BE49-F238E27FC236}">
+                    <a16:creationId xmlns:a16="http://schemas.microsoft.com/office/drawing/2014/main" id="{532AC7D7-AF05-D69A-6C7E-B14668B9597F}"/>
+                  </a:ext>
+                </a:extLst>
+              </p:cNvPr>
+              <p:cNvSpPr txBox="1"/>
+              <p:nvPr/>
+            </p:nvSpPr>
+            <p:spPr>
+              <a:xfrm>
+                <a:off x="16285621" y="14959095"/>
+                <a:ext cx="12405000" cy="1564486"/>
+              </a:xfrm>
+              <a:prstGeom prst="rect">
+                <a:avLst/>
+              </a:prstGeom>
+              <a:noFill/>
+              <a:ln>
+                <a:noFill/>
+              </a:ln>
+            </p:spPr>
+            <p:txBody>
+              <a:bodyPr spcFirstLastPara="1" wrap="square" lIns="91425" tIns="91425" rIns="91425" bIns="91425" anchor="t" anchorCtr="0">
+                <a:noAutofit/>
+              </a:bodyPr>
+              <a:lstStyle/>
+              <a:p>
+                <a:pPr lvl="0" algn="just"/>
+                <a:r>
+                  <a:rPr lang="en-GB" sz="4400" dirty="0">
+                    <a:solidFill>
+                      <a:schemeClr val="dk1"/>
+                    </a:solidFill>
+                    <a:latin typeface="Frutiger" panose="020B0500000000000000" pitchFamily="34" charset="0"/>
+                  </a:rPr>
+                  <a:t>Children loved expressive combination of lights, sound, and movement for positive feedback.</a:t>
+                </a:r>
+              </a:p>
+            </p:txBody>
+          </p:sp>
+        </p:grpSp>
+        <p:grpSp>
+          <p:nvGrpSpPr>
+            <p:cNvPr id="43" name="Group 42">
+              <a:extLst>
+                <a:ext uri="{FF2B5EF4-FFF2-40B4-BE49-F238E27FC236}">
+                  <a16:creationId xmlns:a16="http://schemas.microsoft.com/office/drawing/2014/main" id="{7D0479AE-E015-9F12-CB72-542058F678A8}"/>
+                </a:ext>
+              </a:extLst>
+            </p:cNvPr>
+            <p:cNvGrpSpPr/>
+            <p:nvPr/>
+          </p:nvGrpSpPr>
+          <p:grpSpPr>
+            <a:xfrm>
+              <a:off x="16607033" y="18222987"/>
+              <a:ext cx="12651183" cy="2737373"/>
+              <a:chOff x="16039438" y="14048964"/>
+              <a:chExt cx="12651183" cy="2737373"/>
+            </a:xfrm>
+          </p:grpSpPr>
+          <p:sp>
+            <p:nvSpPr>
+              <p:cNvPr id="44" name="Google Shape;155;p26">
+                <a:extLst>
+                  <a:ext uri="{FF2B5EF4-FFF2-40B4-BE49-F238E27FC236}">
+                    <a16:creationId xmlns:a16="http://schemas.microsoft.com/office/drawing/2014/main" id="{9F6C9DEF-B2FD-60F6-3DAF-A3F8494D301C}"/>
+                  </a:ext>
+                </a:extLst>
+              </p:cNvPr>
+              <p:cNvSpPr txBox="1"/>
+              <p:nvPr/>
+            </p:nvSpPr>
+            <p:spPr>
+              <a:xfrm>
+                <a:off x="16039438" y="14048964"/>
+                <a:ext cx="12405000" cy="1050389"/>
+              </a:xfrm>
+              <a:prstGeom prst="rect">
+                <a:avLst/>
+              </a:prstGeom>
+              <a:noFill/>
+              <a:ln>
+                <a:noFill/>
+              </a:ln>
+            </p:spPr>
+            <p:txBody>
+              <a:bodyPr spcFirstLastPara="1" wrap="square" lIns="91425" tIns="91425" rIns="91425" bIns="91425" anchor="t" anchorCtr="0">
+                <a:noAutofit/>
+              </a:bodyPr>
+              <a:lstStyle/>
+              <a:p>
+                <a:pPr lvl="0" algn="just" rtl="0">
+                  <a:spcBef>
+                    <a:spcPts val="0"/>
+                  </a:spcBef>
+                  <a:spcAft>
+                    <a:spcPts val="0"/>
+                  </a:spcAft>
+                </a:pPr>
+                <a:r>
+                  <a:rPr lang="en-GB" sz="4800" b="1" dirty="0">
+                    <a:solidFill>
+                      <a:schemeClr val="dk1"/>
+                    </a:solidFill>
+                    <a:latin typeface="Frutiger" panose="020B0500000000000000" pitchFamily="34" charset="0"/>
+                  </a:rPr>
+                  <a:t>Emotion and Politeness Teaching Emerged</a:t>
+                </a:r>
+              </a:p>
+              <a:p>
+                <a:pPr lvl="0" algn="just" rtl="0">
+                  <a:spcBef>
+                    <a:spcPts val="0"/>
+                  </a:spcBef>
+                  <a:spcAft>
+                    <a:spcPts val="0"/>
+                  </a:spcAft>
+                </a:pPr>
+                <a:endParaRPr lang="en-GB" sz="4800" dirty="0">
+                  <a:solidFill>
+                    <a:schemeClr val="dk1"/>
+                  </a:solidFill>
+                  <a:latin typeface="Frutiger" panose="020B0500000000000000" pitchFamily="34" charset="0"/>
+                </a:endParaRPr>
+              </a:p>
+            </p:txBody>
+          </p:sp>
+          <p:sp>
+            <p:nvSpPr>
+              <p:cNvPr id="45" name="Google Shape;155;p26">
+                <a:extLst>
+                  <a:ext uri="{FF2B5EF4-FFF2-40B4-BE49-F238E27FC236}">
+                    <a16:creationId xmlns:a16="http://schemas.microsoft.com/office/drawing/2014/main" id="{DA40782D-7502-2132-9D8C-88077BDF6DB3}"/>
+                  </a:ext>
+                </a:extLst>
+              </p:cNvPr>
+              <p:cNvSpPr txBox="1"/>
+              <p:nvPr/>
+            </p:nvSpPr>
+            <p:spPr>
+              <a:xfrm>
+                <a:off x="16285621" y="14834402"/>
+                <a:ext cx="12405000" cy="1951935"/>
+              </a:xfrm>
+              <a:prstGeom prst="rect">
+                <a:avLst/>
+              </a:prstGeom>
+              <a:noFill/>
+              <a:ln>
+                <a:noFill/>
+              </a:ln>
+            </p:spPr>
+            <p:txBody>
+              <a:bodyPr spcFirstLastPara="1" wrap="square" lIns="91425" tIns="91425" rIns="91425" bIns="91425" anchor="t" anchorCtr="0">
+                <a:noAutofit/>
+              </a:bodyPr>
+              <a:lstStyle/>
+              <a:p>
+                <a:pPr lvl="0" algn="just"/>
+                <a:r>
+                  <a:rPr lang="en-GB" sz="4400" dirty="0">
+                    <a:solidFill>
+                      <a:schemeClr val="dk1"/>
+                    </a:solidFill>
+                    <a:latin typeface="Frutiger" panose="020B0500000000000000" pitchFamily="34" charset="0"/>
+                  </a:rPr>
+                  <a:t>Kids naturally started to teach the robot social behaviours like keeping distance or expressing emotion.</a:t>
+                </a:r>
+              </a:p>
+            </p:txBody>
+          </p:sp>
+        </p:grpSp>
+      </p:grpSp>
+      <p:cxnSp>
+        <p:nvCxnSpPr>
+          <p:cNvPr id="51" name="Straight Connector 50">
+            <a:extLst>
+              <a:ext uri="{FF2B5EF4-FFF2-40B4-BE49-F238E27FC236}">
+                <a16:creationId xmlns:a16="http://schemas.microsoft.com/office/drawing/2014/main" id="{4CA94A11-4C4F-C2B0-5C36-3BB801D074A6}"/>
+              </a:ext>
+            </a:extLst>
+          </p:cNvPr>
+          <p:cNvCxnSpPr>
+            <a:cxnSpLocks/>
+          </p:cNvCxnSpPr>
+          <p:nvPr/>
+        </p:nvCxnSpPr>
+        <p:spPr>
+          <a:xfrm>
+            <a:off x="5729960" y="38497093"/>
+            <a:ext cx="18780369" cy="0"/>
+          </a:xfrm>
+          <a:prstGeom prst="line">
+            <a:avLst/>
+          </a:prstGeom>
+          <a:ln w="38100">
+            <a:solidFill>
+              <a:schemeClr val="tx2"/>
+            </a:solidFill>
+          </a:ln>
+        </p:spPr>
+        <p:style>
+          <a:lnRef idx="1">
+            <a:schemeClr val="dk1"/>
+          </a:lnRef>
+          <a:fillRef idx="0">
+            <a:schemeClr val="dk1"/>
+          </a:fillRef>
+          <a:effectRef idx="0">
+            <a:schemeClr val="dk1"/>
+          </a:effectRef>
+          <a:fontRef idx="minor">
+            <a:schemeClr val="tx1"/>
+          </a:fontRef>
+        </p:style>
+      </p:cxnSp>
+      <p:grpSp>
+        <p:nvGrpSpPr>
+          <p:cNvPr id="59" name="Group 58">
+            <a:extLst>
+              <a:ext uri="{FF2B5EF4-FFF2-40B4-BE49-F238E27FC236}">
+                <a16:creationId xmlns:a16="http://schemas.microsoft.com/office/drawing/2014/main" id="{BFB6AA18-F336-207B-0DB3-15CB75C2D9E8}"/>
+              </a:ext>
+            </a:extLst>
+          </p:cNvPr>
+          <p:cNvGrpSpPr/>
+          <p:nvPr/>
+        </p:nvGrpSpPr>
+        <p:grpSpPr>
+          <a:xfrm>
+            <a:off x="-4158452" y="13866549"/>
+            <a:ext cx="5729960" cy="4636008"/>
+            <a:chOff x="-3760469" y="13590986"/>
+            <a:chExt cx="5729960" cy="6207018"/>
+          </a:xfrm>
+        </p:grpSpPr>
+        <p:sp>
+          <p:nvSpPr>
+            <p:cNvPr id="54" name="Oval 53">
+              <a:extLst>
+                <a:ext uri="{FF2B5EF4-FFF2-40B4-BE49-F238E27FC236}">
+                  <a16:creationId xmlns:a16="http://schemas.microsoft.com/office/drawing/2014/main" id="{C398AFE3-B64B-550B-449D-B7E734001C66}"/>
+                </a:ext>
+              </a:extLst>
+            </p:cNvPr>
+            <p:cNvSpPr/>
+            <p:nvPr/>
+          </p:nvSpPr>
+          <p:spPr>
+            <a:xfrm>
+              <a:off x="-3760469" y="13590986"/>
+              <a:ext cx="5729960" cy="6207018"/>
+            </a:xfrm>
+            <a:prstGeom prst="ellipse">
+              <a:avLst/>
+            </a:prstGeom>
+            <a:solidFill>
+              <a:srgbClr val="007C91">
+                <a:alpha val="7000"/>
+              </a:srgbClr>
+            </a:solidFill>
+            <a:ln>
+              <a:solidFill>
+                <a:schemeClr val="tx2"/>
+              </a:solidFill>
+            </a:ln>
+          </p:spPr>
+          <p:style>
+            <a:lnRef idx="2">
+              <a:schemeClr val="accent1">
+                <a:shade val="15000"/>
+              </a:schemeClr>
+            </a:lnRef>
+            <a:fillRef idx="1">
+              <a:schemeClr val="accent1"/>
+            </a:fillRef>
+            <a:effectRef idx="0">
+              <a:schemeClr val="accent1"/>
+            </a:effectRef>
+            <a:fontRef idx="minor">
+              <a:schemeClr val="lt1"/>
+            </a:fontRef>
+          </p:style>
+          <p:txBody>
+            <a:bodyPr rtlCol="0" anchor="ctr"/>
+            <a:lstStyle/>
+            <a:p>
+              <a:pPr algn="ctr"/>
+              <a:endParaRPr lang="en-US" dirty="0"/>
+            </a:p>
+          </p:txBody>
+        </p:sp>
+        <p:sp>
+          <p:nvSpPr>
+            <p:cNvPr id="55" name="TextBox 54">
+              <a:extLst>
+                <a:ext uri="{FF2B5EF4-FFF2-40B4-BE49-F238E27FC236}">
+                  <a16:creationId xmlns:a16="http://schemas.microsoft.com/office/drawing/2014/main" id="{8B7ABC40-0D6A-BA6F-2DF8-78459622B51C}"/>
+                </a:ext>
+              </a:extLst>
+            </p:cNvPr>
+            <p:cNvSpPr txBox="1"/>
+            <p:nvPr/>
+          </p:nvSpPr>
+          <p:spPr>
+            <a:xfrm>
+              <a:off x="332508" y="14524924"/>
+              <a:ext cx="1438250" cy="4223751"/>
+            </a:xfrm>
+            <a:prstGeom prst="rect">
+              <a:avLst/>
+            </a:prstGeom>
+            <a:noFill/>
+          </p:spPr>
+          <p:txBody>
+            <a:bodyPr wrap="square" rtlCol="0">
+              <a:spAutoFit/>
+            </a:bodyPr>
+            <a:lstStyle/>
+            <a:p>
+              <a:r>
+                <a:rPr lang="en-US" sz="19900" b="1" dirty="0">
+                  <a:solidFill>
+                    <a:srgbClr val="000000">
+                      <a:alpha val="82000"/>
+                    </a:srgbClr>
+                  </a:solidFill>
+                  <a:latin typeface="Frutiger" panose="020B0500000000000000" pitchFamily="34" charset="0"/>
+                </a:rPr>
+                <a:t>1</a:t>
+              </a:r>
+            </a:p>
+          </p:txBody>
+        </p:sp>
+      </p:grpSp>
+      <p:grpSp>
+        <p:nvGrpSpPr>
+          <p:cNvPr id="58" name="Group 57">
+            <a:extLst>
+              <a:ext uri="{FF2B5EF4-FFF2-40B4-BE49-F238E27FC236}">
+                <a16:creationId xmlns:a16="http://schemas.microsoft.com/office/drawing/2014/main" id="{AFB884FA-296B-1717-B2FA-62025A7D8F64}"/>
+              </a:ext>
+            </a:extLst>
+          </p:cNvPr>
+          <p:cNvGrpSpPr/>
+          <p:nvPr/>
+        </p:nvGrpSpPr>
+        <p:grpSpPr>
+          <a:xfrm>
+            <a:off x="28599426" y="22674920"/>
+            <a:ext cx="5729960" cy="4636008"/>
+            <a:chOff x="28317831" y="22410895"/>
+            <a:chExt cx="5729960" cy="4636008"/>
+          </a:xfrm>
+        </p:grpSpPr>
+        <p:sp>
+          <p:nvSpPr>
+            <p:cNvPr id="56" name="Oval 55">
+              <a:extLst>
+                <a:ext uri="{FF2B5EF4-FFF2-40B4-BE49-F238E27FC236}">
+                  <a16:creationId xmlns:a16="http://schemas.microsoft.com/office/drawing/2014/main" id="{2770F633-E134-FD8A-D3DF-A949FB057C6F}"/>
+                </a:ext>
+              </a:extLst>
+            </p:cNvPr>
+            <p:cNvSpPr/>
+            <p:nvPr/>
+          </p:nvSpPr>
+          <p:spPr>
+            <a:xfrm>
+              <a:off x="28317831" y="22410895"/>
+              <a:ext cx="5729960" cy="4636008"/>
+            </a:xfrm>
+            <a:prstGeom prst="ellipse">
+              <a:avLst/>
+            </a:prstGeom>
+            <a:solidFill>
+              <a:srgbClr val="007C91">
+                <a:alpha val="7000"/>
+              </a:srgbClr>
+            </a:solidFill>
+            <a:ln>
+              <a:solidFill>
+                <a:schemeClr val="tx2"/>
+              </a:solidFill>
+            </a:ln>
+          </p:spPr>
+          <p:style>
+            <a:lnRef idx="2">
+              <a:schemeClr val="accent1">
+                <a:shade val="15000"/>
+              </a:schemeClr>
+            </a:lnRef>
+            <a:fillRef idx="1">
+              <a:schemeClr val="accent1"/>
+            </a:fillRef>
+            <a:effectRef idx="0">
+              <a:schemeClr val="accent1"/>
+            </a:effectRef>
+            <a:fontRef idx="minor">
+              <a:schemeClr val="lt1"/>
+            </a:fontRef>
+          </p:style>
+          <p:txBody>
+            <a:bodyPr rtlCol="0" anchor="ctr"/>
+            <a:lstStyle/>
+            <a:p>
+              <a:pPr algn="ctr"/>
+              <a:endParaRPr lang="en-US" dirty="0"/>
+            </a:p>
+          </p:txBody>
+        </p:sp>
+        <p:sp>
+          <p:nvSpPr>
+            <p:cNvPr id="57" name="TextBox 56">
+              <a:extLst>
+                <a:ext uri="{FF2B5EF4-FFF2-40B4-BE49-F238E27FC236}">
+                  <a16:creationId xmlns:a16="http://schemas.microsoft.com/office/drawing/2014/main" id="{B9152639-A352-9BE6-BFAA-23752AC440F0}"/>
+                </a:ext>
+              </a:extLst>
+            </p:cNvPr>
+            <p:cNvSpPr txBox="1"/>
+            <p:nvPr/>
+          </p:nvSpPr>
+          <p:spPr>
+            <a:xfrm>
+              <a:off x="28523071" y="23054655"/>
+              <a:ext cx="1438250" cy="3154710"/>
+            </a:xfrm>
+            <a:prstGeom prst="rect">
+              <a:avLst/>
+            </a:prstGeom>
+            <a:noFill/>
+          </p:spPr>
+          <p:txBody>
+            <a:bodyPr wrap="square" rtlCol="0">
+              <a:spAutoFit/>
+            </a:bodyPr>
+            <a:lstStyle/>
+            <a:p>
+              <a:r>
+                <a:rPr lang="en-US" sz="19900" b="1" dirty="0">
+                  <a:solidFill>
+                    <a:srgbClr val="000000">
+                      <a:alpha val="82000"/>
+                    </a:srgbClr>
+                  </a:solidFill>
+                  <a:latin typeface="Frutiger" panose="020B0500000000000000" pitchFamily="34" charset="0"/>
+                </a:rPr>
+                <a:t>2</a:t>
+              </a:r>
+            </a:p>
+          </p:txBody>
+        </p:sp>
+      </p:grpSp>
+      <p:grpSp>
+        <p:nvGrpSpPr>
+          <p:cNvPr id="60" name="Group 59">
+            <a:extLst>
+              <a:ext uri="{FF2B5EF4-FFF2-40B4-BE49-F238E27FC236}">
+                <a16:creationId xmlns:a16="http://schemas.microsoft.com/office/drawing/2014/main" id="{B1089A42-18E3-66F9-F84C-E83F339564DE}"/>
+              </a:ext>
+            </a:extLst>
+          </p:cNvPr>
+          <p:cNvGrpSpPr/>
+          <p:nvPr/>
+        </p:nvGrpSpPr>
+        <p:grpSpPr>
+          <a:xfrm>
+            <a:off x="-4121876" y="31163840"/>
+            <a:ext cx="5729960" cy="4636008"/>
+            <a:chOff x="-3912869" y="13590986"/>
+            <a:chExt cx="5729960" cy="4636008"/>
+          </a:xfrm>
+        </p:grpSpPr>
+        <p:sp>
+          <p:nvSpPr>
+            <p:cNvPr id="61" name="Oval 60">
+              <a:extLst>
+                <a:ext uri="{FF2B5EF4-FFF2-40B4-BE49-F238E27FC236}">
+                  <a16:creationId xmlns:a16="http://schemas.microsoft.com/office/drawing/2014/main" id="{6EE1DF65-9534-C393-497E-7C4291C788B7}"/>
+                </a:ext>
+              </a:extLst>
+            </p:cNvPr>
+            <p:cNvSpPr/>
+            <p:nvPr/>
+          </p:nvSpPr>
+          <p:spPr>
+            <a:xfrm>
+              <a:off x="-3912869" y="13590986"/>
+              <a:ext cx="5729960" cy="4636008"/>
+            </a:xfrm>
+            <a:prstGeom prst="ellipse">
+              <a:avLst/>
+            </a:prstGeom>
+            <a:solidFill>
+              <a:srgbClr val="007C91">
+                <a:alpha val="7000"/>
+              </a:srgbClr>
+            </a:solidFill>
+            <a:ln>
+              <a:solidFill>
+                <a:schemeClr val="tx2"/>
+              </a:solidFill>
+            </a:ln>
+          </p:spPr>
+          <p:style>
+            <a:lnRef idx="2">
+              <a:schemeClr val="accent1">
+                <a:shade val="15000"/>
+              </a:schemeClr>
+            </a:lnRef>
+            <a:fillRef idx="1">
+              <a:schemeClr val="accent1"/>
+            </a:fillRef>
+            <a:effectRef idx="0">
+              <a:schemeClr val="accent1"/>
+            </a:effectRef>
+            <a:fontRef idx="minor">
+              <a:schemeClr val="lt1"/>
+            </a:fontRef>
+          </p:style>
+          <p:txBody>
+            <a:bodyPr rtlCol="0" anchor="ctr"/>
+            <a:lstStyle/>
+            <a:p>
+              <a:pPr algn="ctr"/>
+              <a:endParaRPr lang="en-US" dirty="0"/>
+            </a:p>
+          </p:txBody>
+        </p:sp>
+        <p:sp>
+          <p:nvSpPr>
+            <p:cNvPr id="62" name="TextBox 61">
+              <a:extLst>
+                <a:ext uri="{FF2B5EF4-FFF2-40B4-BE49-F238E27FC236}">
+                  <a16:creationId xmlns:a16="http://schemas.microsoft.com/office/drawing/2014/main" id="{10A34EF8-EC9C-68AA-F69E-B9F0AA24E6C1}"/>
+                </a:ext>
+              </a:extLst>
+            </p:cNvPr>
+            <p:cNvSpPr txBox="1"/>
+            <p:nvPr/>
+          </p:nvSpPr>
+          <p:spPr>
+            <a:xfrm>
+              <a:off x="185096" y="14344474"/>
+              <a:ext cx="1438250" cy="3154710"/>
+            </a:xfrm>
+            <a:prstGeom prst="rect">
+              <a:avLst/>
+            </a:prstGeom>
+            <a:noFill/>
+          </p:spPr>
+          <p:txBody>
+            <a:bodyPr wrap="square" rtlCol="0">
+              <a:spAutoFit/>
+            </a:bodyPr>
+            <a:lstStyle/>
+            <a:p>
+              <a:r>
+                <a:rPr lang="en-US" sz="19900" b="1" dirty="0">
+                  <a:solidFill>
+                    <a:srgbClr val="000000">
+                      <a:alpha val="82000"/>
+                    </a:srgbClr>
+                  </a:solidFill>
+                  <a:latin typeface="Frutiger" panose="020B0500000000000000" pitchFamily="34" charset="0"/>
+                </a:rPr>
+                <a:t>3</a:t>
+              </a:r>
+            </a:p>
+          </p:txBody>
+        </p:sp>
+      </p:grpSp>
+      <p:grpSp>
+        <p:nvGrpSpPr>
+          <p:cNvPr id="130" name="Group 129">
+            <a:extLst>
+              <a:ext uri="{FF2B5EF4-FFF2-40B4-BE49-F238E27FC236}">
+                <a16:creationId xmlns:a16="http://schemas.microsoft.com/office/drawing/2014/main" id="{AC05A050-7DB1-1B0E-CF02-228ED83A187D}"/>
+              </a:ext>
+            </a:extLst>
+          </p:cNvPr>
+          <p:cNvGrpSpPr/>
+          <p:nvPr/>
+        </p:nvGrpSpPr>
+        <p:grpSpPr>
+          <a:xfrm>
+            <a:off x="3928450" y="38843813"/>
+            <a:ext cx="22383388" cy="3585945"/>
+            <a:chOff x="1596728" y="38456167"/>
+            <a:chExt cx="12405000" cy="3585945"/>
+          </a:xfrm>
+        </p:grpSpPr>
+        <p:sp>
+          <p:nvSpPr>
+            <p:cNvPr id="128" name="Google Shape;155;p26">
+              <a:extLst>
+                <a:ext uri="{FF2B5EF4-FFF2-40B4-BE49-F238E27FC236}">
+                  <a16:creationId xmlns:a16="http://schemas.microsoft.com/office/drawing/2014/main" id="{62DCF3F5-CDBF-53AE-4769-160F512E6D81}"/>
+                </a:ext>
+              </a:extLst>
+            </p:cNvPr>
+            <p:cNvSpPr txBox="1"/>
+            <p:nvPr/>
+          </p:nvSpPr>
+          <p:spPr>
+            <a:xfrm>
+              <a:off x="1596728" y="38456167"/>
+              <a:ext cx="12405000" cy="1050389"/>
+            </a:xfrm>
+            <a:prstGeom prst="rect">
+              <a:avLst/>
+            </a:prstGeom>
+            <a:noFill/>
+            <a:ln>
+              <a:noFill/>
+            </a:ln>
+          </p:spPr>
+          <p:txBody>
+            <a:bodyPr spcFirstLastPara="1" wrap="square" lIns="91425" tIns="91425" rIns="91425" bIns="91425" anchor="t" anchorCtr="0">
+              <a:noAutofit/>
+            </a:bodyPr>
+            <a:lstStyle/>
+            <a:p>
+              <a:pPr lvl="0" algn="ctr" rtl="0">
+                <a:spcBef>
+                  <a:spcPts val="0"/>
+                </a:spcBef>
+                <a:spcAft>
+                  <a:spcPts val="0"/>
+                </a:spcAft>
+              </a:pPr>
+              <a:r>
+                <a:rPr lang="en-GB" sz="4800" b="1" dirty="0">
+                  <a:solidFill>
+                    <a:schemeClr val="dk1"/>
+                  </a:solidFill>
+                  <a:latin typeface="Frutiger" panose="020B0500000000000000" pitchFamily="34" charset="0"/>
+                </a:rPr>
+                <a:t>Key Takeaways &amp; Next Steps</a:t>
+              </a:r>
+              <a:endParaRPr lang="en-GB" sz="4800" dirty="0">
+                <a:solidFill>
+                  <a:schemeClr val="dk1"/>
+                </a:solidFill>
+                <a:latin typeface="Frutiger" panose="020B0500000000000000" pitchFamily="34" charset="0"/>
+              </a:endParaRPr>
+            </a:p>
+          </p:txBody>
+        </p:sp>
+        <p:sp>
+          <p:nvSpPr>
+            <p:cNvPr id="129" name="Google Shape;155;p26">
+              <a:extLst>
+                <a:ext uri="{FF2B5EF4-FFF2-40B4-BE49-F238E27FC236}">
+                  <a16:creationId xmlns:a16="http://schemas.microsoft.com/office/drawing/2014/main" id="{E42444A3-FE48-B4A1-3310-B8788FDD04A9}"/>
+                </a:ext>
+              </a:extLst>
+            </p:cNvPr>
+            <p:cNvSpPr txBox="1"/>
+            <p:nvPr/>
+          </p:nvSpPr>
+          <p:spPr>
+            <a:xfrm>
+              <a:off x="1596728" y="39241605"/>
+              <a:ext cx="12405000" cy="2800507"/>
+            </a:xfrm>
+            <a:prstGeom prst="rect">
+              <a:avLst/>
+            </a:prstGeom>
+            <a:noFill/>
+            <a:ln>
+              <a:noFill/>
+            </a:ln>
+          </p:spPr>
+          <p:txBody>
+            <a:bodyPr spcFirstLastPara="1" wrap="square" lIns="91425" tIns="91425" rIns="91425" bIns="91425" anchor="t" anchorCtr="0">
+              <a:noAutofit/>
+            </a:bodyPr>
+            <a:lstStyle/>
+            <a:p>
+              <a:pPr lvl="0" algn="ctr"/>
+              <a:r>
+                <a:rPr lang="en-GB" sz="4400" dirty="0">
+                  <a:solidFill>
+                    <a:schemeClr val="dk1"/>
+                  </a:solidFill>
+                  <a:latin typeface="Frutiger" panose="020B0500000000000000" pitchFamily="34" charset="0"/>
+                </a:rPr>
+                <a:t>Kids engage more when the robot is framed as a peer, not authority.</a:t>
+              </a:r>
+            </a:p>
+            <a:p>
+              <a:pPr lvl="0" algn="ctr"/>
+              <a:r>
+                <a:rPr lang="en-GB" sz="4400" dirty="0">
+                  <a:solidFill>
+                    <a:schemeClr val="dk1"/>
+                  </a:solidFill>
+                  <a:latin typeface="Frutiger" panose="020B0500000000000000" pitchFamily="34" charset="0"/>
+                </a:rPr>
+                <a:t>Multimodal feedback sustains attention better than LEDs alone.</a:t>
+              </a:r>
+            </a:p>
+            <a:p>
+              <a:pPr lvl="0" algn="ctr"/>
+              <a:r>
+                <a:rPr lang="en-GB" sz="4400" dirty="0">
+                  <a:solidFill>
+                    <a:schemeClr val="dk1"/>
+                  </a:solidFill>
+                  <a:latin typeface="Frutiger" panose="020B0500000000000000" pitchFamily="34" charset="0"/>
+                </a:rPr>
+                <a:t>Next: enable emotion-aware autonomy and support teachable, adaptive behaviour.</a:t>
+              </a:r>
+            </a:p>
+          </p:txBody>
+        </p:sp>
+      </p:grpSp>
+      <p:grpSp>
+        <p:nvGrpSpPr>
+          <p:cNvPr id="10" name="Group 9">
+            <a:extLst>
+              <a:ext uri="{FF2B5EF4-FFF2-40B4-BE49-F238E27FC236}">
+                <a16:creationId xmlns:a16="http://schemas.microsoft.com/office/drawing/2014/main" id="{7AC4BE7B-0B93-CB37-1E6A-46DD4B253F9C}"/>
+              </a:ext>
+            </a:extLst>
+          </p:cNvPr>
+          <p:cNvGrpSpPr/>
+          <p:nvPr/>
+        </p:nvGrpSpPr>
+        <p:grpSpPr>
+          <a:xfrm>
+            <a:off x="1570908" y="5010012"/>
+            <a:ext cx="13182276" cy="5749056"/>
+            <a:chOff x="1451536" y="5328481"/>
+            <a:chExt cx="13182276" cy="5749056"/>
+          </a:xfrm>
+        </p:grpSpPr>
+        <p:sp>
+          <p:nvSpPr>
+            <p:cNvPr id="142" name="Google Shape;149;p26">
+              <a:extLst>
+                <a:ext uri="{FF2B5EF4-FFF2-40B4-BE49-F238E27FC236}">
+                  <a16:creationId xmlns:a16="http://schemas.microsoft.com/office/drawing/2014/main" id="{73BD7E22-A659-151B-493F-B97E9D46F671}"/>
+                </a:ext>
+              </a:extLst>
+            </p:cNvPr>
+            <p:cNvSpPr txBox="1"/>
+            <p:nvPr/>
+          </p:nvSpPr>
+          <p:spPr>
+            <a:xfrm>
+              <a:off x="1717312" y="6141614"/>
+              <a:ext cx="12916500" cy="2178448"/>
+            </a:xfrm>
+            <a:prstGeom prst="rect">
+              <a:avLst/>
+            </a:prstGeom>
+            <a:noFill/>
+            <a:ln>
+              <a:noFill/>
+            </a:ln>
+          </p:spPr>
+          <p:txBody>
+            <a:bodyPr spcFirstLastPara="1" wrap="square" lIns="91425" tIns="91425" rIns="91425" bIns="91425" anchor="t" anchorCtr="0">
+              <a:noAutofit/>
+            </a:bodyPr>
+            <a:lstStyle/>
+            <a:p>
+              <a:pPr lvl="0" algn="just"/>
+              <a:r>
+                <a:rPr lang="en-GB" sz="4400" b="1" dirty="0">
+                  <a:solidFill>
+                    <a:schemeClr val="dk1"/>
+                  </a:solidFill>
+                  <a:latin typeface="Frutiger" panose="020B0500000000000000" pitchFamily="34" charset="0"/>
+                </a:rPr>
+                <a:t>Develop a socially expressive Wizard-of-Oz dashboard</a:t>
+              </a:r>
+              <a:r>
+                <a:rPr lang="en-GB" sz="4400" dirty="0">
+                  <a:solidFill>
+                    <a:schemeClr val="dk1"/>
+                  </a:solidFill>
+                  <a:latin typeface="Frutiger" panose="020B0500000000000000" pitchFamily="34" charset="0"/>
+                </a:rPr>
+                <a:t> for intuitive robot control in child-robot interaction.</a:t>
+              </a:r>
+            </a:p>
+          </p:txBody>
+        </p:sp>
+        <p:sp>
+          <p:nvSpPr>
+            <p:cNvPr id="143" name="Google Shape;149;p26">
+              <a:extLst>
+                <a:ext uri="{FF2B5EF4-FFF2-40B4-BE49-F238E27FC236}">
+                  <a16:creationId xmlns:a16="http://schemas.microsoft.com/office/drawing/2014/main" id="{575C4EFC-47B9-4112-E3B9-69DFA85EA208}"/>
+                </a:ext>
+              </a:extLst>
+            </p:cNvPr>
+            <p:cNvSpPr txBox="1"/>
+            <p:nvPr/>
+          </p:nvSpPr>
+          <p:spPr>
+            <a:xfrm>
+              <a:off x="1451536" y="5328481"/>
+              <a:ext cx="12916500" cy="920051"/>
+            </a:xfrm>
+            <a:prstGeom prst="rect">
+              <a:avLst/>
+            </a:prstGeom>
+            <a:noFill/>
+            <a:ln>
+              <a:noFill/>
+            </a:ln>
+          </p:spPr>
+          <p:txBody>
+            <a:bodyPr spcFirstLastPara="1" wrap="square" lIns="91425" tIns="91425" rIns="91425" bIns="91425" anchor="t" anchorCtr="0">
+              <a:noAutofit/>
+            </a:bodyPr>
+            <a:lstStyle/>
+            <a:p>
+              <a:pPr lvl="0" algn="just"/>
+              <a:r>
+                <a:rPr lang="en-US" sz="4800" b="1" dirty="0">
+                  <a:solidFill>
+                    <a:schemeClr val="dk1"/>
+                  </a:solidFill>
+                  <a:latin typeface="Frutiger" panose="020B0500000000000000" pitchFamily="34" charset="0"/>
+                  <a:ea typeface="Roboto"/>
+                  <a:cs typeface="Roboto"/>
+                  <a:sym typeface="Roboto"/>
+                </a:rPr>
+                <a:t>Project Objectives</a:t>
+              </a:r>
+            </a:p>
+            <a:p>
+              <a:pPr lvl="0" algn="just"/>
+              <a:endParaRPr lang="en-US" sz="4800" b="1" dirty="0">
+                <a:solidFill>
+                  <a:schemeClr val="dk1"/>
+                </a:solidFill>
+                <a:latin typeface="Roboto"/>
+                <a:ea typeface="Roboto"/>
+                <a:cs typeface="Roboto"/>
+                <a:sym typeface="Roboto"/>
+              </a:endParaRPr>
+            </a:p>
+          </p:txBody>
+        </p:sp>
+        <p:sp>
+          <p:nvSpPr>
+            <p:cNvPr id="144" name="Google Shape;149;p26">
+              <a:extLst>
+                <a:ext uri="{FF2B5EF4-FFF2-40B4-BE49-F238E27FC236}">
+                  <a16:creationId xmlns:a16="http://schemas.microsoft.com/office/drawing/2014/main" id="{628E39E7-CA82-0C40-B778-3DA63BD26297}"/>
+                </a:ext>
+              </a:extLst>
+            </p:cNvPr>
+            <p:cNvSpPr txBox="1"/>
+            <p:nvPr/>
+          </p:nvSpPr>
+          <p:spPr>
+            <a:xfrm>
+              <a:off x="1717312" y="8624861"/>
+              <a:ext cx="12916500" cy="2452676"/>
+            </a:xfrm>
+            <a:prstGeom prst="rect">
+              <a:avLst/>
+            </a:prstGeom>
+            <a:noFill/>
+            <a:ln>
+              <a:noFill/>
+            </a:ln>
+          </p:spPr>
+          <p:txBody>
+            <a:bodyPr spcFirstLastPara="1" wrap="square" lIns="91425" tIns="91425" rIns="91425" bIns="91425" anchor="t" anchorCtr="0">
+              <a:noAutofit/>
+            </a:bodyPr>
+            <a:lstStyle/>
+            <a:p>
+              <a:pPr lvl="0" algn="just"/>
+              <a:r>
+                <a:rPr lang="en-GB" sz="4400" b="1" dirty="0">
+                  <a:solidFill>
+                    <a:schemeClr val="dk1"/>
+                  </a:solidFill>
+                  <a:latin typeface="Frutiger" panose="020B0500000000000000" pitchFamily="34" charset="0"/>
+                </a:rPr>
+                <a:t>Explore how children teach and shape robot behaviour </a:t>
+              </a:r>
+              <a:r>
+                <a:rPr lang="en-GB" sz="4400" dirty="0">
+                  <a:solidFill>
+                    <a:schemeClr val="dk1"/>
+                  </a:solidFill>
+                  <a:latin typeface="Frutiger" panose="020B0500000000000000" pitchFamily="34" charset="0"/>
+                </a:rPr>
+                <a:t>in collaborative scenarios, to inform future autonomous systems.</a:t>
+              </a:r>
+            </a:p>
+          </p:txBody>
+        </p:sp>
+      </p:grpSp>
+      <p:grpSp>
+        <p:nvGrpSpPr>
+          <p:cNvPr id="28" name="Group 27">
+            <a:extLst>
+              <a:ext uri="{FF2B5EF4-FFF2-40B4-BE49-F238E27FC236}">
+                <a16:creationId xmlns:a16="http://schemas.microsoft.com/office/drawing/2014/main" id="{1E1CD197-1453-B985-5275-658BDE57C28E}"/>
+              </a:ext>
+            </a:extLst>
+          </p:cNvPr>
+          <p:cNvGrpSpPr/>
+          <p:nvPr/>
+        </p:nvGrpSpPr>
+        <p:grpSpPr>
+          <a:xfrm>
+            <a:off x="3513233" y="11302323"/>
+            <a:ext cx="23207524" cy="920051"/>
+            <a:chOff x="3513233" y="11385450"/>
+            <a:chExt cx="23207524" cy="920051"/>
+          </a:xfrm>
+        </p:grpSpPr>
+        <p:cxnSp>
+          <p:nvCxnSpPr>
+            <p:cNvPr id="52" name="Straight Connector 51">
+              <a:extLst>
+                <a:ext uri="{FF2B5EF4-FFF2-40B4-BE49-F238E27FC236}">
+                  <a16:creationId xmlns:a16="http://schemas.microsoft.com/office/drawing/2014/main" id="{E1F620C1-5C5B-0FC4-CCD8-E805D6C639BB}"/>
+                </a:ext>
+              </a:extLst>
+            </p:cNvPr>
+            <p:cNvCxnSpPr>
+              <a:cxnSpLocks/>
+            </p:cNvCxnSpPr>
+            <p:nvPr/>
+          </p:nvCxnSpPr>
+          <p:spPr>
+            <a:xfrm>
+              <a:off x="3513233" y="11845475"/>
+              <a:ext cx="5630767" cy="0"/>
+            </a:xfrm>
+            <a:prstGeom prst="line">
+              <a:avLst/>
+            </a:prstGeom>
+            <a:ln w="38100">
+              <a:solidFill>
+                <a:schemeClr val="tx2"/>
+              </a:solidFill>
+            </a:ln>
+          </p:spPr>
+          <p:style>
+            <a:lnRef idx="1">
+              <a:schemeClr val="dk1"/>
+            </a:lnRef>
+            <a:fillRef idx="0">
+              <a:schemeClr val="dk1"/>
+            </a:fillRef>
+            <a:effectRef idx="0">
+              <a:schemeClr val="dk1"/>
+            </a:effectRef>
+            <a:fontRef idx="minor">
+              <a:schemeClr val="tx1"/>
+            </a:fontRef>
+          </p:style>
+        </p:cxnSp>
+        <p:sp>
+          <p:nvSpPr>
+            <p:cNvPr id="3" name="Google Shape;149;p26">
+              <a:extLst>
+                <a:ext uri="{FF2B5EF4-FFF2-40B4-BE49-F238E27FC236}">
+                  <a16:creationId xmlns:a16="http://schemas.microsoft.com/office/drawing/2014/main" id="{0C55B10A-C5C1-6577-DDFF-2156433E41B9}"/>
+                </a:ext>
+              </a:extLst>
+            </p:cNvPr>
+            <p:cNvSpPr txBox="1"/>
+            <p:nvPr/>
+          </p:nvSpPr>
+          <p:spPr>
+            <a:xfrm>
+              <a:off x="8314090" y="11385450"/>
+              <a:ext cx="13605811" cy="920051"/>
+            </a:xfrm>
+            <a:prstGeom prst="rect">
+              <a:avLst/>
+            </a:prstGeom>
+            <a:noFill/>
+            <a:ln>
+              <a:noFill/>
+            </a:ln>
+          </p:spPr>
+          <p:txBody>
+            <a:bodyPr spcFirstLastPara="1" wrap="square" lIns="91425" tIns="91425" rIns="91425" bIns="91425" anchor="t" anchorCtr="0">
+              <a:noAutofit/>
+            </a:bodyPr>
+            <a:lstStyle/>
+            <a:p>
+              <a:pPr lvl="0" algn="ctr"/>
+              <a:r>
+                <a:rPr lang="en-US" sz="4800" b="1" dirty="0">
+                  <a:solidFill>
+                    <a:srgbClr val="007C91"/>
+                  </a:solidFill>
+                  <a:latin typeface="Frutiger" panose="020B0500000000000000" pitchFamily="34" charset="0"/>
+                  <a:ea typeface="Roboto"/>
+                  <a:cs typeface="Roboto"/>
+                  <a:sym typeface="Roboto"/>
+                </a:rPr>
+                <a:t>Walkthrough 1: Expert Feedback</a:t>
+              </a:r>
+            </a:p>
+            <a:p>
+              <a:pPr lvl="0" algn="ctr"/>
+              <a:endParaRPr lang="en-US" sz="4800" b="1" dirty="0">
+                <a:solidFill>
+                  <a:srgbClr val="007C91"/>
+                </a:solidFill>
+                <a:latin typeface="Roboto"/>
+                <a:ea typeface="Roboto"/>
+                <a:cs typeface="Roboto"/>
+                <a:sym typeface="Roboto"/>
+              </a:endParaRPr>
+            </a:p>
+          </p:txBody>
+        </p:sp>
+        <p:cxnSp>
+          <p:nvCxnSpPr>
+            <p:cNvPr id="12" name="Straight Connector 11">
+              <a:extLst>
+                <a:ext uri="{FF2B5EF4-FFF2-40B4-BE49-F238E27FC236}">
+                  <a16:creationId xmlns:a16="http://schemas.microsoft.com/office/drawing/2014/main" id="{103AAD6B-91A7-C071-8E83-6FF1D4BB0379}"/>
+                </a:ext>
+              </a:extLst>
+            </p:cNvPr>
+            <p:cNvCxnSpPr>
+              <a:cxnSpLocks/>
+            </p:cNvCxnSpPr>
+            <p:nvPr/>
+          </p:nvCxnSpPr>
+          <p:spPr>
+            <a:xfrm>
+              <a:off x="21089990" y="11845475"/>
+              <a:ext cx="5630767" cy="0"/>
+            </a:xfrm>
+            <a:prstGeom prst="line">
+              <a:avLst/>
+            </a:prstGeom>
+            <a:ln w="38100">
+              <a:solidFill>
+                <a:schemeClr val="tx2"/>
+              </a:solidFill>
+            </a:ln>
+          </p:spPr>
+          <p:style>
+            <a:lnRef idx="1">
+              <a:schemeClr val="dk1"/>
+            </a:lnRef>
+            <a:fillRef idx="0">
+              <a:schemeClr val="dk1"/>
+            </a:fillRef>
+            <a:effectRef idx="0">
+              <a:schemeClr val="dk1"/>
+            </a:effectRef>
+            <a:fontRef idx="minor">
+              <a:schemeClr val="tx1"/>
+            </a:fontRef>
+          </p:style>
+        </p:cxnSp>
+      </p:grpSp>
+      <p:grpSp>
+        <p:nvGrpSpPr>
+          <p:cNvPr id="27" name="Group 26">
+            <a:extLst>
+              <a:ext uri="{FF2B5EF4-FFF2-40B4-BE49-F238E27FC236}">
+                <a16:creationId xmlns:a16="http://schemas.microsoft.com/office/drawing/2014/main" id="{26D3F4A6-BEE2-E153-D9E2-D87375B28509}"/>
+              </a:ext>
+            </a:extLst>
+          </p:cNvPr>
+          <p:cNvGrpSpPr/>
+          <p:nvPr/>
+        </p:nvGrpSpPr>
+        <p:grpSpPr>
+          <a:xfrm>
+            <a:off x="3457814" y="20015747"/>
+            <a:ext cx="23373778" cy="920051"/>
+            <a:chOff x="3457814" y="20015747"/>
+            <a:chExt cx="23373778" cy="920051"/>
+          </a:xfrm>
+        </p:grpSpPr>
+        <p:sp>
+          <p:nvSpPr>
+            <p:cNvPr id="4" name="Google Shape;149;p26">
+              <a:extLst>
+                <a:ext uri="{FF2B5EF4-FFF2-40B4-BE49-F238E27FC236}">
+                  <a16:creationId xmlns:a16="http://schemas.microsoft.com/office/drawing/2014/main" id="{3CD60ACB-9E5E-0D21-231B-5D84EE7C51D6}"/>
+                </a:ext>
+              </a:extLst>
+            </p:cNvPr>
+            <p:cNvSpPr txBox="1"/>
+            <p:nvPr/>
+          </p:nvSpPr>
+          <p:spPr>
+            <a:xfrm>
+              <a:off x="8341798" y="20015747"/>
+              <a:ext cx="13605811" cy="920051"/>
+            </a:xfrm>
+            <a:prstGeom prst="rect">
+              <a:avLst/>
+            </a:prstGeom>
+            <a:noFill/>
+            <a:ln>
+              <a:noFill/>
+            </a:ln>
+          </p:spPr>
+          <p:txBody>
+            <a:bodyPr spcFirstLastPara="1" wrap="square" lIns="91425" tIns="91425" rIns="91425" bIns="91425" anchor="t" anchorCtr="0">
+              <a:noAutofit/>
+            </a:bodyPr>
+            <a:lstStyle/>
+            <a:p>
+              <a:pPr lvl="0" algn="ctr"/>
+              <a:r>
+                <a:rPr lang="en-US" sz="4800" b="1" dirty="0">
+                  <a:solidFill>
+                    <a:srgbClr val="007C91"/>
+                  </a:solidFill>
+                  <a:latin typeface="Frutiger" panose="020B0500000000000000" pitchFamily="34" charset="0"/>
+                  <a:ea typeface="Roboto"/>
+                  <a:cs typeface="Roboto"/>
+                  <a:sym typeface="Roboto"/>
+                </a:rPr>
+                <a:t>Walkthrough 2: High School Students</a:t>
+              </a:r>
+              <a:endParaRPr lang="en-US" sz="4800" b="1" dirty="0">
+                <a:solidFill>
+                  <a:srgbClr val="007C91"/>
+                </a:solidFill>
+                <a:latin typeface="Roboto"/>
+                <a:ea typeface="Roboto"/>
+                <a:cs typeface="Roboto"/>
+                <a:sym typeface="Roboto"/>
+              </a:endParaRPr>
+            </a:p>
+          </p:txBody>
+        </p:sp>
+        <p:cxnSp>
+          <p:nvCxnSpPr>
+            <p:cNvPr id="13" name="Straight Connector 12">
+              <a:extLst>
+                <a:ext uri="{FF2B5EF4-FFF2-40B4-BE49-F238E27FC236}">
+                  <a16:creationId xmlns:a16="http://schemas.microsoft.com/office/drawing/2014/main" id="{6FB66520-A39E-5A17-A50B-E5AABEF517CA}"/>
+                </a:ext>
+              </a:extLst>
+            </p:cNvPr>
+            <p:cNvCxnSpPr>
+              <a:cxnSpLocks/>
+            </p:cNvCxnSpPr>
+            <p:nvPr/>
+          </p:nvCxnSpPr>
+          <p:spPr>
+            <a:xfrm>
+              <a:off x="3457814" y="20475772"/>
+              <a:ext cx="5630767" cy="0"/>
+            </a:xfrm>
+            <a:prstGeom prst="line">
+              <a:avLst/>
+            </a:prstGeom>
+            <a:ln w="38100">
+              <a:solidFill>
+                <a:schemeClr val="tx2"/>
+              </a:solidFill>
+            </a:ln>
+          </p:spPr>
+          <p:style>
+            <a:lnRef idx="1">
+              <a:schemeClr val="dk1"/>
+            </a:lnRef>
+            <a:fillRef idx="0">
+              <a:schemeClr val="dk1"/>
+            </a:fillRef>
+            <a:effectRef idx="0">
+              <a:schemeClr val="dk1"/>
+            </a:effectRef>
+            <a:fontRef idx="minor">
+              <a:schemeClr val="tx1"/>
+            </a:fontRef>
+          </p:style>
+        </p:cxnSp>
+        <p:cxnSp>
+          <p:nvCxnSpPr>
+            <p:cNvPr id="15" name="Straight Connector 14">
+              <a:extLst>
+                <a:ext uri="{FF2B5EF4-FFF2-40B4-BE49-F238E27FC236}">
+                  <a16:creationId xmlns:a16="http://schemas.microsoft.com/office/drawing/2014/main" id="{CCEDB817-0881-A55B-0799-BCC34D7C874B}"/>
+                </a:ext>
+              </a:extLst>
+            </p:cNvPr>
+            <p:cNvCxnSpPr>
+              <a:cxnSpLocks/>
+            </p:cNvCxnSpPr>
+            <p:nvPr/>
+          </p:nvCxnSpPr>
+          <p:spPr>
+            <a:xfrm>
+              <a:off x="21200825" y="20475772"/>
+              <a:ext cx="5630767" cy="0"/>
+            </a:xfrm>
+            <a:prstGeom prst="line">
+              <a:avLst/>
+            </a:prstGeom>
+            <a:ln w="38100">
+              <a:solidFill>
+                <a:schemeClr val="tx2"/>
+              </a:solidFill>
+            </a:ln>
+          </p:spPr>
+          <p:style>
+            <a:lnRef idx="1">
+              <a:schemeClr val="dk1"/>
+            </a:lnRef>
+            <a:fillRef idx="0">
+              <a:schemeClr val="dk1"/>
+            </a:fillRef>
+            <a:effectRef idx="0">
+              <a:schemeClr val="dk1"/>
+            </a:effectRef>
+            <a:fontRef idx="minor">
+              <a:schemeClr val="tx1"/>
+            </a:fontRef>
+          </p:style>
+        </p:cxnSp>
+      </p:grpSp>
+      <p:grpSp>
+        <p:nvGrpSpPr>
+          <p:cNvPr id="26" name="Group 25">
+            <a:extLst>
+              <a:ext uri="{FF2B5EF4-FFF2-40B4-BE49-F238E27FC236}">
+                <a16:creationId xmlns:a16="http://schemas.microsoft.com/office/drawing/2014/main" id="{33EDFE93-B8F8-F450-E7D5-935DC03E82BB}"/>
+              </a:ext>
+            </a:extLst>
+          </p:cNvPr>
+          <p:cNvGrpSpPr/>
+          <p:nvPr/>
+        </p:nvGrpSpPr>
+        <p:grpSpPr>
+          <a:xfrm>
+            <a:off x="3483332" y="28729262"/>
+            <a:ext cx="23318360" cy="920051"/>
+            <a:chOff x="3483332" y="28590717"/>
+            <a:chExt cx="23318360" cy="920051"/>
+          </a:xfrm>
+        </p:grpSpPr>
+        <p:sp>
+          <p:nvSpPr>
+            <p:cNvPr id="5" name="Google Shape;149;p26">
+              <a:extLst>
+                <a:ext uri="{FF2B5EF4-FFF2-40B4-BE49-F238E27FC236}">
+                  <a16:creationId xmlns:a16="http://schemas.microsoft.com/office/drawing/2014/main" id="{E10488B7-ACDA-91E4-77FF-825CE6D6854A}"/>
+                </a:ext>
+              </a:extLst>
+            </p:cNvPr>
+            <p:cNvSpPr txBox="1"/>
+            <p:nvPr/>
+          </p:nvSpPr>
+          <p:spPr>
+            <a:xfrm>
+              <a:off x="9430021" y="28590717"/>
+              <a:ext cx="11424982" cy="920051"/>
+            </a:xfrm>
+            <a:prstGeom prst="rect">
+              <a:avLst/>
+            </a:prstGeom>
+            <a:noFill/>
+            <a:ln>
+              <a:noFill/>
+            </a:ln>
+          </p:spPr>
+          <p:txBody>
+            <a:bodyPr spcFirstLastPara="1" wrap="square" lIns="91425" tIns="91425" rIns="91425" bIns="91425" anchor="t" anchorCtr="0">
+              <a:noAutofit/>
+            </a:bodyPr>
+            <a:lstStyle/>
+            <a:p>
+              <a:pPr lvl="0" algn="ctr"/>
+              <a:r>
+                <a:rPr lang="en-US" sz="4800" b="1" dirty="0">
+                  <a:solidFill>
+                    <a:srgbClr val="007C91"/>
+                  </a:solidFill>
+                  <a:latin typeface="Frutiger" panose="020B0500000000000000" pitchFamily="34" charset="0"/>
+                  <a:ea typeface="Roboto"/>
+                  <a:cs typeface="Roboto"/>
+                  <a:sym typeface="Roboto"/>
+                </a:rPr>
+                <a:t>Walkthrough 3: Middle School Students</a:t>
+              </a:r>
+              <a:endParaRPr lang="en-US" sz="4800" b="1" dirty="0">
+                <a:solidFill>
+                  <a:srgbClr val="007C91"/>
+                </a:solidFill>
+                <a:latin typeface="Roboto"/>
+                <a:ea typeface="Roboto"/>
+                <a:cs typeface="Roboto"/>
+                <a:sym typeface="Roboto"/>
+              </a:endParaRPr>
+            </a:p>
+          </p:txBody>
+        </p:sp>
+        <p:cxnSp>
+          <p:nvCxnSpPr>
+            <p:cNvPr id="16" name="Straight Connector 15">
+              <a:extLst>
+                <a:ext uri="{FF2B5EF4-FFF2-40B4-BE49-F238E27FC236}">
+                  <a16:creationId xmlns:a16="http://schemas.microsoft.com/office/drawing/2014/main" id="{20F094A9-D3C8-A536-34B5-519AA2B5ABF4}"/>
+                </a:ext>
+              </a:extLst>
+            </p:cNvPr>
+            <p:cNvCxnSpPr>
+              <a:cxnSpLocks/>
+            </p:cNvCxnSpPr>
+            <p:nvPr/>
+          </p:nvCxnSpPr>
+          <p:spPr>
+            <a:xfrm>
+              <a:off x="3483332" y="29050742"/>
+              <a:ext cx="5630767" cy="0"/>
+            </a:xfrm>
+            <a:prstGeom prst="line">
+              <a:avLst/>
+            </a:prstGeom>
+            <a:ln w="38100">
+              <a:solidFill>
+                <a:schemeClr val="tx2"/>
+              </a:solidFill>
+            </a:ln>
+          </p:spPr>
+          <p:style>
+            <a:lnRef idx="1">
+              <a:schemeClr val="dk1"/>
+            </a:lnRef>
+            <a:fillRef idx="0">
+              <a:schemeClr val="dk1"/>
+            </a:fillRef>
+            <a:effectRef idx="0">
+              <a:schemeClr val="dk1"/>
+            </a:effectRef>
+            <a:fontRef idx="minor">
+              <a:schemeClr val="tx1"/>
+            </a:fontRef>
+          </p:style>
+        </p:cxnSp>
+        <p:cxnSp>
+          <p:nvCxnSpPr>
+            <p:cNvPr id="17" name="Straight Connector 16">
+              <a:extLst>
+                <a:ext uri="{FF2B5EF4-FFF2-40B4-BE49-F238E27FC236}">
+                  <a16:creationId xmlns:a16="http://schemas.microsoft.com/office/drawing/2014/main" id="{4A10232F-8B5B-D954-7ADC-428D9584A038}"/>
+                </a:ext>
+              </a:extLst>
+            </p:cNvPr>
+            <p:cNvCxnSpPr>
+              <a:cxnSpLocks/>
+            </p:cNvCxnSpPr>
+            <p:nvPr/>
+          </p:nvCxnSpPr>
+          <p:spPr>
+            <a:xfrm>
+              <a:off x="21170925" y="29050742"/>
+              <a:ext cx="5630767" cy="0"/>
+            </a:xfrm>
+            <a:prstGeom prst="line">
+              <a:avLst/>
+            </a:prstGeom>
+            <a:ln w="38100">
+              <a:solidFill>
+                <a:schemeClr val="tx2"/>
+              </a:solidFill>
+            </a:ln>
+          </p:spPr>
+          <p:style>
+            <a:lnRef idx="1">
+              <a:schemeClr val="dk1"/>
+            </a:lnRef>
+            <a:fillRef idx="0">
+              <a:schemeClr val="dk1"/>
+            </a:fillRef>
+            <a:effectRef idx="0">
+              <a:schemeClr val="dk1"/>
+            </a:effectRef>
+            <a:fontRef idx="minor">
+              <a:schemeClr val="tx1"/>
+            </a:fontRef>
+          </p:style>
+        </p:cxnSp>
+      </p:grpSp>
+      <p:pic>
+        <p:nvPicPr>
+          <p:cNvPr id="53" name="Picture 52" descr="A group of people playing with toys&#10;&#10;AI-generated content may be incorrect.">
+            <a:extLst>
+              <a:ext uri="{FF2B5EF4-FFF2-40B4-BE49-F238E27FC236}">
+                <a16:creationId xmlns:a16="http://schemas.microsoft.com/office/drawing/2014/main" id="{AAA2859F-B054-3E4F-CE9B-A1E91B9FE6EC}"/>
+              </a:ext>
+            </a:extLst>
+          </p:cNvPr>
+          <p:cNvPicPr>
+            <a:picLocks noChangeAspect="1"/>
+          </p:cNvPicPr>
+          <p:nvPr/>
+        </p:nvPicPr>
+        <p:blipFill>
+          <a:blip r:embed="rId6"/>
+          <a:stretch>
+            <a:fillRect/>
+          </a:stretch>
+        </p:blipFill>
+        <p:spPr>
+          <a:xfrm>
+            <a:off x="16348367" y="4728698"/>
+            <a:ext cx="8460212" cy="6345159"/>
+          </a:xfrm>
+          <a:prstGeom prst="rect">
+            <a:avLst/>
+          </a:prstGeom>
+        </p:spPr>
+      </p:pic>
+      <p:pic>
+        <p:nvPicPr>
+          <p:cNvPr id="63" name="Picture 62" descr="A qr code with black squares&#10;&#10;AI-generated content may be incorrect.">
+            <a:extLst>
+              <a:ext uri="{FF2B5EF4-FFF2-40B4-BE49-F238E27FC236}">
+                <a16:creationId xmlns:a16="http://schemas.microsoft.com/office/drawing/2014/main" id="{09082662-1773-C13E-77DF-3DB51515F751}"/>
+              </a:ext>
+            </a:extLst>
+          </p:cNvPr>
+          <p:cNvPicPr>
+            <a:picLocks noChangeAspect="1"/>
+          </p:cNvPicPr>
+          <p:nvPr/>
+        </p:nvPicPr>
+        <p:blipFill>
+          <a:blip r:embed="rId7"/>
+          <a:stretch>
+            <a:fillRect/>
+          </a:stretch>
+        </p:blipFill>
+        <p:spPr>
+          <a:xfrm>
+            <a:off x="26400556" y="38783186"/>
+            <a:ext cx="3328240" cy="3328240"/>
+          </a:xfrm>
+          <a:prstGeom prst="rect">
+            <a:avLst/>
+          </a:prstGeom>
+        </p:spPr>
+      </p:pic>
+    </p:spTree>
+    <p:extLst>
+      <p:ext uri="{BB962C8B-B14F-4D97-AF65-F5344CB8AC3E}">
+        <p14:creationId xmlns:p14="http://schemas.microsoft.com/office/powerpoint/2010/main" val="4045511699"/>
+      </p:ext>
+    </p:extLst>
+  </p:cSld>
+  <p:clrMapOvr>
+    <a:masterClrMapping/>
+  </p:clrMapOvr>
+</p:sld>
+</file>
+
+<file path=ppt/slides/slide2.xml><?xml version="1.0" encoding="utf-8"?>
+<p:sld xmlns:a="http://schemas.openxmlformats.org/drawingml/2006/main" xmlns:r="http://schemas.openxmlformats.org/officeDocument/2006/relationships" xmlns:p="http://schemas.openxmlformats.org/presentationml/2006/main" show="0">
+  <p:cSld>
+    <p:spTree>
+      <p:nvGrpSpPr>
+        <p:cNvPr id="1" name="Shape 135">
+          <a:extLst>
+            <a:ext uri="{FF2B5EF4-FFF2-40B4-BE49-F238E27FC236}">
               <a16:creationId xmlns:a16="http://schemas.microsoft.com/office/drawing/2014/main" id="{1AF1B55E-0FED-25CC-9598-5A4D84DA8A27}"/>
             </a:ext>
           </a:extLst>
@@ -16628,7 +19923,7 @@
               <a:buNone/>
             </a:pPr>
             <a:r>
-              <a:rPr lang="en-GB" sz="2800" b="0" dirty="0">
+              <a:rPr lang="en-GB" sz="3000" b="0" dirty="0">
                 <a:latin typeface="Lexend"/>
                 <a:ea typeface="Lexend"/>
                 <a:cs typeface="Lexend"/>
@@ -16636,7 +19931,7 @@
               </a:rPr>
               <a:t>Exploratory Studies on Learning by Teaching with Social Robots using Wizard-of-Oz Control</a:t>
             </a:r>
-            <a:endParaRPr sz="2800" b="0" dirty="0">
+            <a:endParaRPr sz="3000" b="0" dirty="0">
               <a:latin typeface="Lexend"/>
               <a:ea typeface="Lexend"/>
               <a:cs typeface="Lexend"/>
@@ -16754,7 +20049,7 @@
         </p:blipFill>
         <p:spPr>
           <a:xfrm>
-            <a:off x="16578237" y="20880758"/>
+            <a:off x="16578237" y="21130139"/>
             <a:ext cx="11424982" cy="7237880"/>
           </a:xfrm>
           <a:prstGeom prst="rect">
@@ -16784,7 +20079,7 @@
         </p:blipFill>
         <p:spPr>
           <a:xfrm>
-            <a:off x="2366750" y="29277306"/>
+            <a:off x="2366750" y="30136285"/>
             <a:ext cx="11424982" cy="7237880"/>
           </a:xfrm>
           <a:prstGeom prst="rect">
@@ -17885,7 +21180,7 @@
         </p:nvGrpSpPr>
         <p:grpSpPr>
           <a:xfrm>
-            <a:off x="15893853" y="29021903"/>
+            <a:off x="15893853" y="29880882"/>
             <a:ext cx="12651183" cy="8129225"/>
             <a:chOff x="16607033" y="12831135"/>
             <a:chExt cx="12651183" cy="8129225"/>
@@ -18304,50 +21599,7 @@
         </p:nvCxnSpPr>
         <p:spPr>
           <a:xfrm>
-            <a:off x="5729960" y="37887495"/>
-            <a:ext cx="18780369" cy="0"/>
-          </a:xfrm>
-          <a:prstGeom prst="line">
-            <a:avLst/>
-          </a:prstGeom>
-          <a:ln w="38100">
-            <a:solidFill>
-              <a:schemeClr val="tx2"/>
-            </a:solidFill>
-          </a:ln>
-        </p:spPr>
-        <p:style>
-          <a:lnRef idx="1">
-            <a:schemeClr val="dk1"/>
-          </a:lnRef>
-          <a:fillRef idx="0">
-            <a:schemeClr val="dk1"/>
-          </a:fillRef>
-          <a:effectRef idx="0">
-            <a:schemeClr val="dk1"/>
-          </a:effectRef>
-          <a:fontRef idx="minor">
-            <a:schemeClr val="tx1"/>
-          </a:fontRef>
-        </p:style>
-      </p:cxnSp>
-      <p:cxnSp>
-        <p:nvCxnSpPr>
-          <p:cNvPr id="52" name="Straight Connector 51">
-            <a:extLst>
-              <a:ext uri="{FF2B5EF4-FFF2-40B4-BE49-F238E27FC236}">
-                <a16:creationId xmlns:a16="http://schemas.microsoft.com/office/drawing/2014/main" id="{221C2E07-4190-5786-5DAB-52B1851FF547}"/>
-              </a:ext>
-            </a:extLst>
-          </p:cNvPr>
-          <p:cNvCxnSpPr>
-            <a:cxnSpLocks/>
-          </p:cNvCxnSpPr>
-          <p:nvPr/>
-        </p:nvCxnSpPr>
-        <p:spPr>
-          <a:xfrm>
-            <a:off x="5729960" y="11835821"/>
+            <a:off x="5729960" y="38497093"/>
             <a:ext cx="18780369" cy="0"/>
           </a:xfrm>
           <a:prstGeom prst="line">
@@ -18620,7 +21872,7 @@
         </p:nvGrpSpPr>
         <p:grpSpPr>
           <a:xfrm>
-            <a:off x="-3725083" y="29758437"/>
+            <a:off x="-3725083" y="30395744"/>
             <a:ext cx="5729960" cy="6209875"/>
             <a:chOff x="-3912869" y="13590986"/>
             <a:chExt cx="5729960" cy="6209875"/>
@@ -18736,7 +21988,7 @@
         </p:nvGrpSpPr>
         <p:grpSpPr>
           <a:xfrm>
-            <a:off x="1473636" y="38227564"/>
+            <a:off x="1473636" y="38587781"/>
             <a:ext cx="12651183" cy="3585945"/>
             <a:chOff x="1473636" y="38456167"/>
             <a:chExt cx="12651183" cy="3585945"/>
@@ -18868,7 +22120,7 @@
         </p:nvGrpSpPr>
         <p:grpSpPr>
           <a:xfrm>
-            <a:off x="15770761" y="38259038"/>
+            <a:off x="15770761" y="38619255"/>
             <a:ext cx="12651183" cy="3585945"/>
             <a:chOff x="1473636" y="38456167"/>
             <a:chExt cx="12651183" cy="3585945"/>
@@ -19000,6 +22252,3379 @@
         </p:nvSpPr>
         <p:spPr>
           <a:xfrm>
+            <a:off x="30960248" y="5858701"/>
+            <a:ext cx="12916500" cy="2178448"/>
+          </a:xfrm>
+          <a:prstGeom prst="rect">
+            <a:avLst/>
+          </a:prstGeom>
+          <a:noFill/>
+          <a:ln>
+            <a:noFill/>
+          </a:ln>
+        </p:spPr>
+        <p:txBody>
+          <a:bodyPr spcFirstLastPara="1" wrap="square" lIns="91425" tIns="91425" rIns="91425" bIns="91425" anchor="t" anchorCtr="0">
+            <a:noAutofit/>
+          </a:bodyPr>
+          <a:lstStyle/>
+          <a:p>
+            <a:pPr lvl="0" algn="just"/>
+            <a:r>
+              <a:rPr lang="en-GB" sz="4400" b="1" dirty="0">
+                <a:solidFill>
+                  <a:schemeClr val="dk1"/>
+                </a:solidFill>
+                <a:latin typeface="Frutiger" panose="020B0500000000000000" pitchFamily="34" charset="0"/>
+              </a:rPr>
+              <a:t>Develop a socially expressive Wizard-of-Oz dashboard</a:t>
+            </a:r>
+            <a:r>
+              <a:rPr lang="en-GB" sz="4400" dirty="0">
+                <a:solidFill>
+                  <a:schemeClr val="dk1"/>
+                </a:solidFill>
+                <a:latin typeface="Frutiger" panose="020B0500000000000000" pitchFamily="34" charset="0"/>
+              </a:rPr>
+              <a:t> for intuitive robot control in child-robot interaction.</a:t>
+            </a:r>
+          </a:p>
+        </p:txBody>
+      </p:sp>
+      <p:sp>
+        <p:nvSpPr>
+          <p:cNvPr id="143" name="Google Shape;149;p26">
+            <a:extLst>
+              <a:ext uri="{FF2B5EF4-FFF2-40B4-BE49-F238E27FC236}">
+                <a16:creationId xmlns:a16="http://schemas.microsoft.com/office/drawing/2014/main" id="{7D882D05-0435-69EB-6B75-FB6EB4BEC624}"/>
+              </a:ext>
+            </a:extLst>
+          </p:cNvPr>
+          <p:cNvSpPr txBox="1"/>
+          <p:nvPr/>
+        </p:nvSpPr>
+        <p:spPr>
+          <a:xfrm>
+            <a:off x="30731648" y="4932478"/>
+            <a:ext cx="12916500" cy="920051"/>
+          </a:xfrm>
+          <a:prstGeom prst="rect">
+            <a:avLst/>
+          </a:prstGeom>
+          <a:noFill/>
+          <a:ln>
+            <a:noFill/>
+          </a:ln>
+        </p:spPr>
+        <p:txBody>
+          <a:bodyPr spcFirstLastPara="1" wrap="square" lIns="91425" tIns="91425" rIns="91425" bIns="91425" anchor="t" anchorCtr="0">
+            <a:noAutofit/>
+          </a:bodyPr>
+          <a:lstStyle/>
+          <a:p>
+            <a:pPr lvl="0" algn="just"/>
+            <a:r>
+              <a:rPr lang="en-US" sz="4800" b="1" dirty="0">
+                <a:solidFill>
+                  <a:schemeClr val="dk1"/>
+                </a:solidFill>
+                <a:latin typeface="Frutiger" panose="020B0500000000000000" pitchFamily="34" charset="0"/>
+                <a:ea typeface="Roboto"/>
+                <a:cs typeface="Roboto"/>
+                <a:sym typeface="Roboto"/>
+              </a:rPr>
+              <a:t>Goals</a:t>
+            </a:r>
+          </a:p>
+          <a:p>
+            <a:pPr lvl="0" algn="just"/>
+            <a:endParaRPr lang="en-US" sz="4800" b="1" dirty="0">
+              <a:solidFill>
+                <a:schemeClr val="dk1"/>
+              </a:solidFill>
+              <a:latin typeface="Roboto"/>
+              <a:ea typeface="Roboto"/>
+              <a:cs typeface="Roboto"/>
+              <a:sym typeface="Roboto"/>
+            </a:endParaRPr>
+          </a:p>
+        </p:txBody>
+      </p:sp>
+      <p:sp>
+        <p:nvSpPr>
+          <p:cNvPr id="144" name="Google Shape;149;p26">
+            <a:extLst>
+              <a:ext uri="{FF2B5EF4-FFF2-40B4-BE49-F238E27FC236}">
+                <a16:creationId xmlns:a16="http://schemas.microsoft.com/office/drawing/2014/main" id="{3105C95D-4041-996F-5E8D-4F5F26C9D87D}"/>
+              </a:ext>
+            </a:extLst>
+          </p:cNvPr>
+          <p:cNvSpPr txBox="1"/>
+          <p:nvPr/>
+        </p:nvSpPr>
+        <p:spPr>
+          <a:xfrm>
+            <a:off x="30960248" y="8037148"/>
+            <a:ext cx="12916500" cy="2880065"/>
+          </a:xfrm>
+          <a:prstGeom prst="rect">
+            <a:avLst/>
+          </a:prstGeom>
+          <a:noFill/>
+          <a:ln>
+            <a:noFill/>
+          </a:ln>
+        </p:spPr>
+        <p:txBody>
+          <a:bodyPr spcFirstLastPara="1" wrap="square" lIns="91425" tIns="91425" rIns="91425" bIns="91425" anchor="t" anchorCtr="0">
+            <a:noAutofit/>
+          </a:bodyPr>
+          <a:lstStyle/>
+          <a:p>
+            <a:pPr lvl="0" algn="just"/>
+            <a:r>
+              <a:rPr lang="en-GB" sz="4400" b="1" dirty="0">
+                <a:solidFill>
+                  <a:schemeClr val="dk1"/>
+                </a:solidFill>
+                <a:latin typeface="Frutiger" panose="020B0500000000000000" pitchFamily="34" charset="0"/>
+              </a:rPr>
+              <a:t>Explore how children teach and shape robot behaviour </a:t>
+            </a:r>
+            <a:r>
+              <a:rPr lang="en-GB" sz="4400" dirty="0">
+                <a:solidFill>
+                  <a:schemeClr val="dk1"/>
+                </a:solidFill>
+                <a:latin typeface="Frutiger" panose="020B0500000000000000" pitchFamily="34" charset="0"/>
+              </a:rPr>
+              <a:t>in collaborative scenarios, to inform future autonomous systems.</a:t>
+            </a:r>
+          </a:p>
+        </p:txBody>
+      </p:sp>
+      <p:grpSp>
+        <p:nvGrpSpPr>
+          <p:cNvPr id="28" name="Group 27">
+            <a:extLst>
+              <a:ext uri="{FF2B5EF4-FFF2-40B4-BE49-F238E27FC236}">
+                <a16:creationId xmlns:a16="http://schemas.microsoft.com/office/drawing/2014/main" id="{308E2E04-0E66-84D4-36CB-81B2ECE1F0AA}"/>
+              </a:ext>
+            </a:extLst>
+          </p:cNvPr>
+          <p:cNvGrpSpPr/>
+          <p:nvPr/>
+        </p:nvGrpSpPr>
+        <p:grpSpPr>
+          <a:xfrm>
+            <a:off x="3513233" y="11385450"/>
+            <a:ext cx="23207524" cy="920051"/>
+            <a:chOff x="3513233" y="11385450"/>
+            <a:chExt cx="23207524" cy="920051"/>
+          </a:xfrm>
+        </p:grpSpPr>
+        <p:cxnSp>
+          <p:nvCxnSpPr>
+            <p:cNvPr id="52" name="Straight Connector 51">
+              <a:extLst>
+                <a:ext uri="{FF2B5EF4-FFF2-40B4-BE49-F238E27FC236}">
+                  <a16:creationId xmlns:a16="http://schemas.microsoft.com/office/drawing/2014/main" id="{221C2E07-4190-5786-5DAB-52B1851FF547}"/>
+                </a:ext>
+              </a:extLst>
+            </p:cNvPr>
+            <p:cNvCxnSpPr>
+              <a:cxnSpLocks/>
+            </p:cNvCxnSpPr>
+            <p:nvPr/>
+          </p:nvCxnSpPr>
+          <p:spPr>
+            <a:xfrm>
+              <a:off x="3513233" y="11845475"/>
+              <a:ext cx="5630767" cy="0"/>
+            </a:xfrm>
+            <a:prstGeom prst="line">
+              <a:avLst/>
+            </a:prstGeom>
+            <a:ln w="38100">
+              <a:solidFill>
+                <a:schemeClr val="tx2"/>
+              </a:solidFill>
+            </a:ln>
+          </p:spPr>
+          <p:style>
+            <a:lnRef idx="1">
+              <a:schemeClr val="dk1"/>
+            </a:lnRef>
+            <a:fillRef idx="0">
+              <a:schemeClr val="dk1"/>
+            </a:fillRef>
+            <a:effectRef idx="0">
+              <a:schemeClr val="dk1"/>
+            </a:effectRef>
+            <a:fontRef idx="minor">
+              <a:schemeClr val="tx1"/>
+            </a:fontRef>
+          </p:style>
+        </p:cxnSp>
+        <p:sp>
+          <p:nvSpPr>
+            <p:cNvPr id="3" name="Google Shape;149;p26">
+              <a:extLst>
+                <a:ext uri="{FF2B5EF4-FFF2-40B4-BE49-F238E27FC236}">
+                  <a16:creationId xmlns:a16="http://schemas.microsoft.com/office/drawing/2014/main" id="{AAFE0116-BA5B-B265-0213-4DCA9ACF356E}"/>
+                </a:ext>
+              </a:extLst>
+            </p:cNvPr>
+            <p:cNvSpPr txBox="1"/>
+            <p:nvPr/>
+          </p:nvSpPr>
+          <p:spPr>
+            <a:xfrm>
+              <a:off x="8314090" y="11385450"/>
+              <a:ext cx="13605811" cy="920051"/>
+            </a:xfrm>
+            <a:prstGeom prst="rect">
+              <a:avLst/>
+            </a:prstGeom>
+            <a:noFill/>
+            <a:ln>
+              <a:noFill/>
+            </a:ln>
+          </p:spPr>
+          <p:txBody>
+            <a:bodyPr spcFirstLastPara="1" wrap="square" lIns="91425" tIns="91425" rIns="91425" bIns="91425" anchor="t" anchorCtr="0">
+              <a:noAutofit/>
+            </a:bodyPr>
+            <a:lstStyle/>
+            <a:p>
+              <a:pPr lvl="0" algn="ctr"/>
+              <a:r>
+                <a:rPr lang="en-US" sz="4800" b="1" dirty="0">
+                  <a:solidFill>
+                    <a:srgbClr val="007C91"/>
+                  </a:solidFill>
+                  <a:latin typeface="Frutiger" panose="020B0500000000000000" pitchFamily="34" charset="0"/>
+                  <a:ea typeface="Roboto"/>
+                  <a:cs typeface="Roboto"/>
+                  <a:sym typeface="Roboto"/>
+                </a:rPr>
+                <a:t>Walkthrough 1: Expert Feedback</a:t>
+              </a:r>
+            </a:p>
+            <a:p>
+              <a:pPr lvl="0" algn="ctr"/>
+              <a:endParaRPr lang="en-US" sz="4800" b="1" dirty="0">
+                <a:solidFill>
+                  <a:srgbClr val="007C91"/>
+                </a:solidFill>
+                <a:latin typeface="Roboto"/>
+                <a:ea typeface="Roboto"/>
+                <a:cs typeface="Roboto"/>
+                <a:sym typeface="Roboto"/>
+              </a:endParaRPr>
+            </a:p>
+          </p:txBody>
+        </p:sp>
+        <p:cxnSp>
+          <p:nvCxnSpPr>
+            <p:cNvPr id="12" name="Straight Connector 11">
+              <a:extLst>
+                <a:ext uri="{FF2B5EF4-FFF2-40B4-BE49-F238E27FC236}">
+                  <a16:creationId xmlns:a16="http://schemas.microsoft.com/office/drawing/2014/main" id="{2069A8D7-2630-89A2-AAC6-9B0A6EA416E4}"/>
+                </a:ext>
+              </a:extLst>
+            </p:cNvPr>
+            <p:cNvCxnSpPr>
+              <a:cxnSpLocks/>
+            </p:cNvCxnSpPr>
+            <p:nvPr/>
+          </p:nvCxnSpPr>
+          <p:spPr>
+            <a:xfrm>
+              <a:off x="21089990" y="11845475"/>
+              <a:ext cx="5630767" cy="0"/>
+            </a:xfrm>
+            <a:prstGeom prst="line">
+              <a:avLst/>
+            </a:prstGeom>
+            <a:ln w="38100">
+              <a:solidFill>
+                <a:schemeClr val="tx2"/>
+              </a:solidFill>
+            </a:ln>
+          </p:spPr>
+          <p:style>
+            <a:lnRef idx="1">
+              <a:schemeClr val="dk1"/>
+            </a:lnRef>
+            <a:fillRef idx="0">
+              <a:schemeClr val="dk1"/>
+            </a:fillRef>
+            <a:effectRef idx="0">
+              <a:schemeClr val="dk1"/>
+            </a:effectRef>
+            <a:fontRef idx="minor">
+              <a:schemeClr val="tx1"/>
+            </a:fontRef>
+          </p:style>
+        </p:cxnSp>
+      </p:grpSp>
+      <p:grpSp>
+        <p:nvGrpSpPr>
+          <p:cNvPr id="27" name="Group 26">
+            <a:extLst>
+              <a:ext uri="{FF2B5EF4-FFF2-40B4-BE49-F238E27FC236}">
+                <a16:creationId xmlns:a16="http://schemas.microsoft.com/office/drawing/2014/main" id="{AF603717-B6D5-5A99-013F-306DF0784917}"/>
+              </a:ext>
+            </a:extLst>
+          </p:cNvPr>
+          <p:cNvGrpSpPr/>
+          <p:nvPr/>
+        </p:nvGrpSpPr>
+        <p:grpSpPr>
+          <a:xfrm>
+            <a:off x="3457814" y="20015747"/>
+            <a:ext cx="23373778" cy="920051"/>
+            <a:chOff x="3457814" y="20015747"/>
+            <a:chExt cx="23373778" cy="920051"/>
+          </a:xfrm>
+        </p:grpSpPr>
+        <p:sp>
+          <p:nvSpPr>
+            <p:cNvPr id="4" name="Google Shape;149;p26">
+              <a:extLst>
+                <a:ext uri="{FF2B5EF4-FFF2-40B4-BE49-F238E27FC236}">
+                  <a16:creationId xmlns:a16="http://schemas.microsoft.com/office/drawing/2014/main" id="{DAF964BC-E265-E144-78C3-C0ADDDE63A39}"/>
+                </a:ext>
+              </a:extLst>
+            </p:cNvPr>
+            <p:cNvSpPr txBox="1"/>
+            <p:nvPr/>
+          </p:nvSpPr>
+          <p:spPr>
+            <a:xfrm>
+              <a:off x="8341798" y="20015747"/>
+              <a:ext cx="13605811" cy="920051"/>
+            </a:xfrm>
+            <a:prstGeom prst="rect">
+              <a:avLst/>
+            </a:prstGeom>
+            <a:noFill/>
+            <a:ln>
+              <a:noFill/>
+            </a:ln>
+          </p:spPr>
+          <p:txBody>
+            <a:bodyPr spcFirstLastPara="1" wrap="square" lIns="91425" tIns="91425" rIns="91425" bIns="91425" anchor="t" anchorCtr="0">
+              <a:noAutofit/>
+            </a:bodyPr>
+            <a:lstStyle/>
+            <a:p>
+              <a:pPr lvl="0" algn="ctr"/>
+              <a:r>
+                <a:rPr lang="en-US" sz="4800" b="1" dirty="0">
+                  <a:solidFill>
+                    <a:srgbClr val="007C91"/>
+                  </a:solidFill>
+                  <a:latin typeface="Frutiger" panose="020B0500000000000000" pitchFamily="34" charset="0"/>
+                  <a:ea typeface="Roboto"/>
+                  <a:cs typeface="Roboto"/>
+                  <a:sym typeface="Roboto"/>
+                </a:rPr>
+                <a:t>Walkthrough 2: High School Students</a:t>
+              </a:r>
+              <a:endParaRPr lang="en-US" sz="4800" b="1" dirty="0">
+                <a:solidFill>
+                  <a:srgbClr val="007C91"/>
+                </a:solidFill>
+                <a:latin typeface="Roboto"/>
+                <a:ea typeface="Roboto"/>
+                <a:cs typeface="Roboto"/>
+                <a:sym typeface="Roboto"/>
+              </a:endParaRPr>
+            </a:p>
+          </p:txBody>
+        </p:sp>
+        <p:cxnSp>
+          <p:nvCxnSpPr>
+            <p:cNvPr id="13" name="Straight Connector 12">
+              <a:extLst>
+                <a:ext uri="{FF2B5EF4-FFF2-40B4-BE49-F238E27FC236}">
+                  <a16:creationId xmlns:a16="http://schemas.microsoft.com/office/drawing/2014/main" id="{4ADB0F52-CBBD-0786-D5D7-54FDCA99DDA3}"/>
+                </a:ext>
+              </a:extLst>
+            </p:cNvPr>
+            <p:cNvCxnSpPr>
+              <a:cxnSpLocks/>
+            </p:cNvCxnSpPr>
+            <p:nvPr/>
+          </p:nvCxnSpPr>
+          <p:spPr>
+            <a:xfrm>
+              <a:off x="3457814" y="20475772"/>
+              <a:ext cx="5630767" cy="0"/>
+            </a:xfrm>
+            <a:prstGeom prst="line">
+              <a:avLst/>
+            </a:prstGeom>
+            <a:ln w="38100">
+              <a:solidFill>
+                <a:schemeClr val="tx2"/>
+              </a:solidFill>
+            </a:ln>
+          </p:spPr>
+          <p:style>
+            <a:lnRef idx="1">
+              <a:schemeClr val="dk1"/>
+            </a:lnRef>
+            <a:fillRef idx="0">
+              <a:schemeClr val="dk1"/>
+            </a:fillRef>
+            <a:effectRef idx="0">
+              <a:schemeClr val="dk1"/>
+            </a:effectRef>
+            <a:fontRef idx="minor">
+              <a:schemeClr val="tx1"/>
+            </a:fontRef>
+          </p:style>
+        </p:cxnSp>
+        <p:cxnSp>
+          <p:nvCxnSpPr>
+            <p:cNvPr id="15" name="Straight Connector 14">
+              <a:extLst>
+                <a:ext uri="{FF2B5EF4-FFF2-40B4-BE49-F238E27FC236}">
+                  <a16:creationId xmlns:a16="http://schemas.microsoft.com/office/drawing/2014/main" id="{E78A299D-70C8-2694-D0E7-86F3AF7AFEDC}"/>
+                </a:ext>
+              </a:extLst>
+            </p:cNvPr>
+            <p:cNvCxnSpPr>
+              <a:cxnSpLocks/>
+            </p:cNvCxnSpPr>
+            <p:nvPr/>
+          </p:nvCxnSpPr>
+          <p:spPr>
+            <a:xfrm>
+              <a:off x="21200825" y="20475772"/>
+              <a:ext cx="5630767" cy="0"/>
+            </a:xfrm>
+            <a:prstGeom prst="line">
+              <a:avLst/>
+            </a:prstGeom>
+            <a:ln w="38100">
+              <a:solidFill>
+                <a:schemeClr val="tx2"/>
+              </a:solidFill>
+            </a:ln>
+          </p:spPr>
+          <p:style>
+            <a:lnRef idx="1">
+              <a:schemeClr val="dk1"/>
+            </a:lnRef>
+            <a:fillRef idx="0">
+              <a:schemeClr val="dk1"/>
+            </a:fillRef>
+            <a:effectRef idx="0">
+              <a:schemeClr val="dk1"/>
+            </a:effectRef>
+            <a:fontRef idx="minor">
+              <a:schemeClr val="tx1"/>
+            </a:fontRef>
+          </p:style>
+        </p:cxnSp>
+      </p:grpSp>
+      <p:grpSp>
+        <p:nvGrpSpPr>
+          <p:cNvPr id="26" name="Group 25">
+            <a:extLst>
+              <a:ext uri="{FF2B5EF4-FFF2-40B4-BE49-F238E27FC236}">
+                <a16:creationId xmlns:a16="http://schemas.microsoft.com/office/drawing/2014/main" id="{A7771BBE-2A56-712D-D980-1472C3BE6B2E}"/>
+              </a:ext>
+            </a:extLst>
+          </p:cNvPr>
+          <p:cNvGrpSpPr/>
+          <p:nvPr/>
+        </p:nvGrpSpPr>
+        <p:grpSpPr>
+          <a:xfrm>
+            <a:off x="3483332" y="28729262"/>
+            <a:ext cx="23318360" cy="920051"/>
+            <a:chOff x="3483332" y="28590717"/>
+            <a:chExt cx="23318360" cy="920051"/>
+          </a:xfrm>
+        </p:grpSpPr>
+        <p:sp>
+          <p:nvSpPr>
+            <p:cNvPr id="5" name="Google Shape;149;p26">
+              <a:extLst>
+                <a:ext uri="{FF2B5EF4-FFF2-40B4-BE49-F238E27FC236}">
+                  <a16:creationId xmlns:a16="http://schemas.microsoft.com/office/drawing/2014/main" id="{CB155280-8667-CAD2-7618-440D15FAFD2E}"/>
+                </a:ext>
+              </a:extLst>
+            </p:cNvPr>
+            <p:cNvSpPr txBox="1"/>
+            <p:nvPr/>
+          </p:nvSpPr>
+          <p:spPr>
+            <a:xfrm>
+              <a:off x="9430021" y="28590717"/>
+              <a:ext cx="11424982" cy="920051"/>
+            </a:xfrm>
+            <a:prstGeom prst="rect">
+              <a:avLst/>
+            </a:prstGeom>
+            <a:noFill/>
+            <a:ln>
+              <a:noFill/>
+            </a:ln>
+          </p:spPr>
+          <p:txBody>
+            <a:bodyPr spcFirstLastPara="1" wrap="square" lIns="91425" tIns="91425" rIns="91425" bIns="91425" anchor="t" anchorCtr="0">
+              <a:noAutofit/>
+            </a:bodyPr>
+            <a:lstStyle/>
+            <a:p>
+              <a:pPr lvl="0" algn="ctr"/>
+              <a:r>
+                <a:rPr lang="en-US" sz="4800" b="1" dirty="0">
+                  <a:solidFill>
+                    <a:srgbClr val="007C91"/>
+                  </a:solidFill>
+                  <a:latin typeface="Frutiger" panose="020B0500000000000000" pitchFamily="34" charset="0"/>
+                  <a:ea typeface="Roboto"/>
+                  <a:cs typeface="Roboto"/>
+                  <a:sym typeface="Roboto"/>
+                </a:rPr>
+                <a:t>Walkthrough 3: Middle School Students</a:t>
+              </a:r>
+              <a:endParaRPr lang="en-US" sz="4800" b="1" dirty="0">
+                <a:solidFill>
+                  <a:srgbClr val="007C91"/>
+                </a:solidFill>
+                <a:latin typeface="Roboto"/>
+                <a:ea typeface="Roboto"/>
+                <a:cs typeface="Roboto"/>
+                <a:sym typeface="Roboto"/>
+              </a:endParaRPr>
+            </a:p>
+          </p:txBody>
+        </p:sp>
+        <p:cxnSp>
+          <p:nvCxnSpPr>
+            <p:cNvPr id="16" name="Straight Connector 15">
+              <a:extLst>
+                <a:ext uri="{FF2B5EF4-FFF2-40B4-BE49-F238E27FC236}">
+                  <a16:creationId xmlns:a16="http://schemas.microsoft.com/office/drawing/2014/main" id="{F05BC04E-C6F3-525E-045D-19AAC9A2CD94}"/>
+                </a:ext>
+              </a:extLst>
+            </p:cNvPr>
+            <p:cNvCxnSpPr>
+              <a:cxnSpLocks/>
+            </p:cNvCxnSpPr>
+            <p:nvPr/>
+          </p:nvCxnSpPr>
+          <p:spPr>
+            <a:xfrm>
+              <a:off x="3483332" y="29050742"/>
+              <a:ext cx="5630767" cy="0"/>
+            </a:xfrm>
+            <a:prstGeom prst="line">
+              <a:avLst/>
+            </a:prstGeom>
+            <a:ln w="38100">
+              <a:solidFill>
+                <a:schemeClr val="tx2"/>
+              </a:solidFill>
+            </a:ln>
+          </p:spPr>
+          <p:style>
+            <a:lnRef idx="1">
+              <a:schemeClr val="dk1"/>
+            </a:lnRef>
+            <a:fillRef idx="0">
+              <a:schemeClr val="dk1"/>
+            </a:fillRef>
+            <a:effectRef idx="0">
+              <a:schemeClr val="dk1"/>
+            </a:effectRef>
+            <a:fontRef idx="minor">
+              <a:schemeClr val="tx1"/>
+            </a:fontRef>
+          </p:style>
+        </p:cxnSp>
+        <p:cxnSp>
+          <p:nvCxnSpPr>
+            <p:cNvPr id="17" name="Straight Connector 16">
+              <a:extLst>
+                <a:ext uri="{FF2B5EF4-FFF2-40B4-BE49-F238E27FC236}">
+                  <a16:creationId xmlns:a16="http://schemas.microsoft.com/office/drawing/2014/main" id="{99670393-2424-2EC1-B7AD-0DADCB4DBA79}"/>
+                </a:ext>
+              </a:extLst>
+            </p:cNvPr>
+            <p:cNvCxnSpPr>
+              <a:cxnSpLocks/>
+            </p:cNvCxnSpPr>
+            <p:nvPr/>
+          </p:nvCxnSpPr>
+          <p:spPr>
+            <a:xfrm>
+              <a:off x="21170925" y="29050742"/>
+              <a:ext cx="5630767" cy="0"/>
+            </a:xfrm>
+            <a:prstGeom prst="line">
+              <a:avLst/>
+            </a:prstGeom>
+            <a:ln w="38100">
+              <a:solidFill>
+                <a:schemeClr val="tx2"/>
+              </a:solidFill>
+            </a:ln>
+          </p:spPr>
+          <p:style>
+            <a:lnRef idx="1">
+              <a:schemeClr val="dk1"/>
+            </a:lnRef>
+            <a:fillRef idx="0">
+              <a:schemeClr val="dk1"/>
+            </a:fillRef>
+            <a:effectRef idx="0">
+              <a:schemeClr val="dk1"/>
+            </a:effectRef>
+            <a:fontRef idx="minor">
+              <a:schemeClr val="tx1"/>
+            </a:fontRef>
+          </p:style>
+        </p:cxnSp>
+      </p:grpSp>
+      <p:pic>
+        <p:nvPicPr>
+          <p:cNvPr id="53" name="Picture 52" descr="A group of people playing with toys&#10;&#10;AI-generated content may be incorrect.">
+            <a:extLst>
+              <a:ext uri="{FF2B5EF4-FFF2-40B4-BE49-F238E27FC236}">
+                <a16:creationId xmlns:a16="http://schemas.microsoft.com/office/drawing/2014/main" id="{5659F844-C711-AB55-D4B3-1DB16194CD4C}"/>
+              </a:ext>
+            </a:extLst>
+          </p:cNvPr>
+          <p:cNvPicPr>
+            <a:picLocks noChangeAspect="1"/>
+          </p:cNvPicPr>
+          <p:nvPr/>
+        </p:nvPicPr>
+        <p:blipFill>
+          <a:blip r:embed="rId6"/>
+          <a:stretch>
+            <a:fillRect/>
+          </a:stretch>
+        </p:blipFill>
+        <p:spPr>
+          <a:xfrm>
+            <a:off x="18310794" y="5112945"/>
+            <a:ext cx="7772400" cy="5829300"/>
+          </a:xfrm>
+          <a:prstGeom prst="rect">
+            <a:avLst/>
+          </a:prstGeom>
+        </p:spPr>
+      </p:pic>
+    </p:spTree>
+    <p:extLst>
+      <p:ext uri="{BB962C8B-B14F-4D97-AF65-F5344CB8AC3E}">
+        <p14:creationId xmlns:p14="http://schemas.microsoft.com/office/powerpoint/2010/main" val="1731874526"/>
+      </p:ext>
+    </p:extLst>
+  </p:cSld>
+  <p:clrMapOvr>
+    <a:masterClrMapping/>
+  </p:clrMapOvr>
+</p:sld>
+</file>
+
+<file path=ppt/slides/slide3.xml><?xml version="1.0" encoding="utf-8"?>
+<p:sld xmlns:a="http://schemas.openxmlformats.org/drawingml/2006/main" xmlns:r="http://schemas.openxmlformats.org/officeDocument/2006/relationships" xmlns:p="http://schemas.openxmlformats.org/presentationml/2006/main" show="0">
+  <p:cSld>
+    <p:spTree>
+      <p:nvGrpSpPr>
+        <p:cNvPr id="1" name="Shape 135">
+          <a:extLst>
+            <a:ext uri="{FF2B5EF4-FFF2-40B4-BE49-F238E27FC236}">
+              <a16:creationId xmlns:a16="http://schemas.microsoft.com/office/drawing/2014/main" id="{40D10610-ECBE-37D1-0D65-D05C0DD777F4}"/>
+            </a:ext>
+          </a:extLst>
+        </p:cNvPr>
+        <p:cNvGrpSpPr/>
+        <p:nvPr/>
+      </p:nvGrpSpPr>
+      <p:grpSpPr>
+        <a:xfrm>
+          <a:off x="0" y="0"/>
+          <a:ext cx="0" cy="0"/>
+          <a:chOff x="0" y="0"/>
+          <a:chExt cx="0" cy="0"/>
+        </a:xfrm>
+      </p:grpSpPr>
+      <p:sp>
+        <p:nvSpPr>
+          <p:cNvPr id="136" name="Google Shape;136;p26">
+            <a:extLst>
+              <a:ext uri="{FF2B5EF4-FFF2-40B4-BE49-F238E27FC236}">
+                <a16:creationId xmlns:a16="http://schemas.microsoft.com/office/drawing/2014/main" id="{C03F19F9-9D3F-6BB7-FA8D-57C6E89EF2B4}"/>
+              </a:ext>
+            </a:extLst>
+          </p:cNvPr>
+          <p:cNvSpPr txBox="1">
+            <a:spLocks noGrp="1"/>
+          </p:cNvSpPr>
+          <p:nvPr>
+            <p:ph type="subTitle" idx="1"/>
+          </p:nvPr>
+        </p:nvSpPr>
+        <p:spPr>
+          <a:xfrm>
+            <a:off x="10787450" y="3091732"/>
+            <a:ext cx="5573400" cy="597206"/>
+          </a:xfrm>
+          <a:prstGeom prst="rect">
+            <a:avLst/>
+          </a:prstGeom>
+          <a:noFill/>
+          <a:ln>
+            <a:noFill/>
+          </a:ln>
+        </p:spPr>
+        <p:txBody>
+          <a:bodyPr spcFirstLastPara="1" wrap="square" lIns="0" tIns="0" rIns="0" bIns="0" anchor="t" anchorCtr="0">
+            <a:normAutofit/>
+          </a:bodyPr>
+          <a:lstStyle/>
+          <a:p>
+            <a:pPr marL="0" lvl="0" indent="0" algn="l" rtl="0">
+              <a:lnSpc>
+                <a:spcPct val="100928"/>
+              </a:lnSpc>
+              <a:spcBef>
+                <a:spcPts val="0"/>
+              </a:spcBef>
+              <a:spcAft>
+                <a:spcPts val="0"/>
+              </a:spcAft>
+              <a:buClr>
+                <a:schemeClr val="dk1"/>
+              </a:buClr>
+              <a:buSzPts val="2800"/>
+              <a:buNone/>
+            </a:pPr>
+            <a:r>
+              <a:rPr lang="en-GB" sz="3000" b="1" dirty="0"/>
+              <a:t>Student</a:t>
+            </a:r>
+            <a:r>
+              <a:rPr lang="en-GB" sz="3000" dirty="0"/>
+              <a:t>: Davide Frova</a:t>
+            </a:r>
+            <a:endParaRPr sz="3000" dirty="0"/>
+          </a:p>
+        </p:txBody>
+      </p:sp>
+      <p:sp>
+        <p:nvSpPr>
+          <p:cNvPr id="137" name="Google Shape;137;p26">
+            <a:extLst>
+              <a:ext uri="{FF2B5EF4-FFF2-40B4-BE49-F238E27FC236}">
+                <a16:creationId xmlns:a16="http://schemas.microsoft.com/office/drawing/2014/main" id="{3D84A020-E64C-2862-4021-4AB19805B6FC}"/>
+              </a:ext>
+            </a:extLst>
+          </p:cNvPr>
+          <p:cNvSpPr txBox="1">
+            <a:spLocks noGrp="1"/>
+          </p:cNvSpPr>
+          <p:nvPr>
+            <p:ph type="body" idx="2"/>
+          </p:nvPr>
+        </p:nvSpPr>
+        <p:spPr>
+          <a:xfrm>
+            <a:off x="16951732" y="3091732"/>
+            <a:ext cx="5573400" cy="597206"/>
+          </a:xfrm>
+          <a:prstGeom prst="rect">
+            <a:avLst/>
+          </a:prstGeom>
+          <a:noFill/>
+          <a:ln>
+            <a:noFill/>
+          </a:ln>
+        </p:spPr>
+        <p:txBody>
+          <a:bodyPr spcFirstLastPara="1" wrap="square" lIns="0" tIns="0" rIns="0" bIns="0" anchor="t" anchorCtr="0">
+            <a:normAutofit/>
+          </a:bodyPr>
+          <a:lstStyle/>
+          <a:p>
+            <a:pPr marL="0" lvl="0" indent="0" algn="l" rtl="0">
+              <a:lnSpc>
+                <a:spcPct val="100928"/>
+              </a:lnSpc>
+              <a:spcBef>
+                <a:spcPts val="0"/>
+              </a:spcBef>
+              <a:spcAft>
+                <a:spcPts val="0"/>
+              </a:spcAft>
+              <a:buClr>
+                <a:schemeClr val="dk1"/>
+              </a:buClr>
+              <a:buSzPts val="2800"/>
+              <a:buNone/>
+            </a:pPr>
+            <a:r>
+              <a:rPr lang="en-GB" sz="3000" b="1" dirty="0"/>
+              <a:t>Advisor</a:t>
+            </a:r>
+            <a:r>
+              <a:rPr lang="en-GB" sz="3000" dirty="0"/>
+              <a:t>: Monica Landoni</a:t>
+            </a:r>
+            <a:endParaRPr sz="3000" dirty="0"/>
+          </a:p>
+        </p:txBody>
+      </p:sp>
+      <p:sp>
+        <p:nvSpPr>
+          <p:cNvPr id="138" name="Google Shape;138;p26">
+            <a:extLst>
+              <a:ext uri="{FF2B5EF4-FFF2-40B4-BE49-F238E27FC236}">
+                <a16:creationId xmlns:a16="http://schemas.microsoft.com/office/drawing/2014/main" id="{D82F57D0-5B9A-F9B3-C720-1B79676CC0E2}"/>
+              </a:ext>
+            </a:extLst>
+          </p:cNvPr>
+          <p:cNvSpPr txBox="1">
+            <a:spLocks noGrp="1"/>
+          </p:cNvSpPr>
+          <p:nvPr>
+            <p:ph type="body" idx="3"/>
+          </p:nvPr>
+        </p:nvSpPr>
+        <p:spPr>
+          <a:xfrm>
+            <a:off x="23116014" y="3091732"/>
+            <a:ext cx="5573400" cy="597206"/>
+          </a:xfrm>
+          <a:prstGeom prst="rect">
+            <a:avLst/>
+          </a:prstGeom>
+          <a:noFill/>
+          <a:ln>
+            <a:noFill/>
+          </a:ln>
+        </p:spPr>
+        <p:txBody>
+          <a:bodyPr spcFirstLastPara="1" wrap="square" lIns="0" tIns="0" rIns="0" bIns="0" anchor="t" anchorCtr="0">
+            <a:normAutofit/>
+          </a:bodyPr>
+          <a:lstStyle/>
+          <a:p>
+            <a:pPr marL="0" lvl="0" indent="0" algn="l" rtl="0">
+              <a:lnSpc>
+                <a:spcPct val="100928"/>
+              </a:lnSpc>
+              <a:spcBef>
+                <a:spcPts val="0"/>
+              </a:spcBef>
+              <a:spcAft>
+                <a:spcPts val="0"/>
+              </a:spcAft>
+              <a:buClr>
+                <a:schemeClr val="dk1"/>
+              </a:buClr>
+              <a:buSzPts val="2800"/>
+              <a:buNone/>
+            </a:pPr>
+            <a:r>
+              <a:rPr lang="en-GB" sz="3000" b="1" dirty="0"/>
+              <a:t>Co-Advisor</a:t>
+            </a:r>
+            <a:r>
+              <a:rPr lang="en-GB" sz="3000" dirty="0"/>
+              <a:t>: Antonio Paolillo</a:t>
+            </a:r>
+            <a:endParaRPr sz="3000" dirty="0"/>
+          </a:p>
+        </p:txBody>
+      </p:sp>
+      <p:sp>
+        <p:nvSpPr>
+          <p:cNvPr id="139" name="Google Shape;139;p26">
+            <a:extLst>
+              <a:ext uri="{FF2B5EF4-FFF2-40B4-BE49-F238E27FC236}">
+                <a16:creationId xmlns:a16="http://schemas.microsoft.com/office/drawing/2014/main" id="{D08F759A-E50A-DEC9-2389-5FB9AF9499A1}"/>
+              </a:ext>
+            </a:extLst>
+          </p:cNvPr>
+          <p:cNvSpPr txBox="1">
+            <a:spLocks noGrp="1"/>
+          </p:cNvSpPr>
+          <p:nvPr>
+            <p:ph type="title"/>
+          </p:nvPr>
+        </p:nvSpPr>
+        <p:spPr>
+          <a:xfrm>
+            <a:off x="10787214" y="176543"/>
+            <a:ext cx="17902200" cy="2963051"/>
+          </a:xfrm>
+          <a:prstGeom prst="rect">
+            <a:avLst/>
+          </a:prstGeom>
+          <a:noFill/>
+          <a:ln>
+            <a:noFill/>
+          </a:ln>
+        </p:spPr>
+        <p:txBody>
+          <a:bodyPr spcFirstLastPara="1" wrap="square" lIns="0" tIns="0" rIns="0" bIns="0" anchor="t" anchorCtr="0">
+            <a:noAutofit/>
+          </a:bodyPr>
+          <a:lstStyle/>
+          <a:p>
+            <a:pPr marL="0" lvl="0" indent="0" algn="l" rtl="0">
+              <a:spcBef>
+                <a:spcPts val="0"/>
+              </a:spcBef>
+              <a:spcAft>
+                <a:spcPts val="0"/>
+              </a:spcAft>
+              <a:buClr>
+                <a:schemeClr val="dk1"/>
+              </a:buClr>
+              <a:buSzPts val="1100"/>
+              <a:buFont typeface="Arial"/>
+              <a:buNone/>
+            </a:pPr>
+            <a:r>
+              <a:rPr lang="en-GB" sz="7000" b="0" dirty="0">
+                <a:latin typeface="Lexend"/>
+                <a:ea typeface="Lexend"/>
+                <a:cs typeface="Lexend"/>
+                <a:sym typeface="Lexend"/>
+              </a:rPr>
+              <a:t>Exploring the Learning by Teaching Paradigm with Social Robots</a:t>
+            </a:r>
+            <a:endParaRPr sz="7000" b="0" i="1" dirty="0">
+              <a:latin typeface="Lexend"/>
+              <a:ea typeface="Lexend"/>
+              <a:cs typeface="Lexend"/>
+              <a:sym typeface="Lexend"/>
+            </a:endParaRPr>
+          </a:p>
+          <a:p>
+            <a:pPr marL="0" lvl="0" indent="0" algn="l" rtl="0">
+              <a:spcBef>
+                <a:spcPts val="0"/>
+              </a:spcBef>
+              <a:spcAft>
+                <a:spcPts val="0"/>
+              </a:spcAft>
+              <a:buClr>
+                <a:schemeClr val="dk1"/>
+              </a:buClr>
+              <a:buSzPts val="1100"/>
+              <a:buFont typeface="Arial"/>
+              <a:buNone/>
+            </a:pPr>
+            <a:endParaRPr sz="800" b="0" i="1" dirty="0">
+              <a:latin typeface="Lexend"/>
+              <a:ea typeface="Lexend"/>
+              <a:cs typeface="Lexend"/>
+              <a:sym typeface="Lexend"/>
+            </a:endParaRPr>
+          </a:p>
+          <a:p>
+            <a:pPr marL="0" lvl="0" indent="0" algn="l" rtl="0">
+              <a:spcBef>
+                <a:spcPts val="0"/>
+              </a:spcBef>
+              <a:spcAft>
+                <a:spcPts val="0"/>
+              </a:spcAft>
+              <a:buClr>
+                <a:schemeClr val="dk1"/>
+              </a:buClr>
+              <a:buSzPts val="1100"/>
+              <a:buFont typeface="Arial"/>
+              <a:buNone/>
+            </a:pPr>
+            <a:r>
+              <a:rPr lang="en-GB" sz="2800" b="0" dirty="0">
+                <a:latin typeface="Lexend"/>
+                <a:ea typeface="Lexend"/>
+                <a:cs typeface="Lexend"/>
+                <a:sym typeface="Lexend"/>
+              </a:rPr>
+              <a:t>Exploratory Studies on Learning by Teaching with Social Robots using Wizard-of-Oz Control</a:t>
+            </a:r>
+            <a:endParaRPr sz="2800" b="0" dirty="0">
+              <a:latin typeface="Lexend"/>
+              <a:ea typeface="Lexend"/>
+              <a:cs typeface="Lexend"/>
+              <a:sym typeface="Lexend"/>
+            </a:endParaRPr>
+          </a:p>
+          <a:p>
+            <a:pPr marL="0" lvl="0" indent="0" algn="l" rtl="0">
+              <a:lnSpc>
+                <a:spcPct val="90000"/>
+              </a:lnSpc>
+              <a:spcBef>
+                <a:spcPts val="0"/>
+              </a:spcBef>
+              <a:spcAft>
+                <a:spcPts val="0"/>
+              </a:spcAft>
+              <a:buClr>
+                <a:schemeClr val="dk1"/>
+              </a:buClr>
+              <a:buSzPts val="6000"/>
+              <a:buFont typeface="Arial"/>
+              <a:buNone/>
+            </a:pPr>
+            <a:endParaRPr sz="2100" b="0" dirty="0">
+              <a:latin typeface="Lexend"/>
+              <a:ea typeface="Lexend"/>
+              <a:cs typeface="Lexend"/>
+              <a:sym typeface="Lexend"/>
+            </a:endParaRPr>
+          </a:p>
+        </p:txBody>
+      </p:sp>
+      <p:sp>
+        <p:nvSpPr>
+          <p:cNvPr id="2" name="TextBox 1">
+            <a:extLst>
+              <a:ext uri="{FF2B5EF4-FFF2-40B4-BE49-F238E27FC236}">
+                <a16:creationId xmlns:a16="http://schemas.microsoft.com/office/drawing/2014/main" id="{EF5C4895-BB66-9AA2-6499-03CE79F91BFE}"/>
+              </a:ext>
+            </a:extLst>
+          </p:cNvPr>
+          <p:cNvSpPr txBox="1"/>
+          <p:nvPr/>
+        </p:nvSpPr>
+        <p:spPr>
+          <a:xfrm>
+            <a:off x="16813161" y="1902542"/>
+            <a:ext cx="184731" cy="307777"/>
+          </a:xfrm>
+          <a:prstGeom prst="rect">
+            <a:avLst/>
+          </a:prstGeom>
+          <a:noFill/>
+        </p:spPr>
+        <p:txBody>
+          <a:bodyPr wrap="none" rtlCol="0">
+            <a:spAutoFit/>
+          </a:bodyPr>
+          <a:lstStyle/>
+          <a:p>
+            <a:endParaRPr lang="en-US" dirty="0"/>
+          </a:p>
+        </p:txBody>
+      </p:sp>
+      <p:pic>
+        <p:nvPicPr>
+          <p:cNvPr id="6" name="Picture 5" descr="A screenshot of a computer&#10;&#10;AI-generated content may be incorrect.">
+            <a:extLst>
+              <a:ext uri="{FF2B5EF4-FFF2-40B4-BE49-F238E27FC236}">
+                <a16:creationId xmlns:a16="http://schemas.microsoft.com/office/drawing/2014/main" id="{8A6C85C2-9C21-F6A7-4CAB-84398AD5512B}"/>
+              </a:ext>
+            </a:extLst>
+          </p:cNvPr>
+          <p:cNvPicPr>
+            <a:picLocks noChangeAspect="1"/>
+          </p:cNvPicPr>
+          <p:nvPr/>
+        </p:nvPicPr>
+        <p:blipFill>
+          <a:blip r:embed="rId3"/>
+          <a:stretch>
+            <a:fillRect/>
+          </a:stretch>
+        </p:blipFill>
+        <p:spPr>
+          <a:xfrm>
+            <a:off x="2318624" y="12546512"/>
+            <a:ext cx="11424982" cy="7237880"/>
+          </a:xfrm>
+          <a:prstGeom prst="rect">
+            <a:avLst/>
+          </a:prstGeom>
+        </p:spPr>
+      </p:pic>
+      <p:pic>
+        <p:nvPicPr>
+          <p:cNvPr id="7" name="Picture 6" descr="A screenshot of a computer&#10;&#10;AI-generated content may be incorrect.">
+            <a:extLst>
+              <a:ext uri="{FF2B5EF4-FFF2-40B4-BE49-F238E27FC236}">
+                <a16:creationId xmlns:a16="http://schemas.microsoft.com/office/drawing/2014/main" id="{B822BA98-B80D-538A-D5EA-F033CBE4BC23}"/>
+              </a:ext>
+            </a:extLst>
+          </p:cNvPr>
+          <p:cNvPicPr>
+            <a:picLocks noChangeAspect="1"/>
+          </p:cNvPicPr>
+          <p:nvPr/>
+        </p:nvPicPr>
+        <p:blipFill>
+          <a:blip r:embed="rId4"/>
+          <a:stretch>
+            <a:fillRect/>
+          </a:stretch>
+        </p:blipFill>
+        <p:spPr>
+          <a:xfrm>
+            <a:off x="16578237" y="20880758"/>
+            <a:ext cx="11424982" cy="7237880"/>
+          </a:xfrm>
+          <a:prstGeom prst="rect">
+            <a:avLst/>
+          </a:prstGeom>
+        </p:spPr>
+      </p:pic>
+      <p:pic>
+        <p:nvPicPr>
+          <p:cNvPr id="8" name="Picture 7" descr="A screenshot of a computer&#10;&#10;AI-generated content may be incorrect.">
+            <a:extLst>
+              <a:ext uri="{FF2B5EF4-FFF2-40B4-BE49-F238E27FC236}">
+                <a16:creationId xmlns:a16="http://schemas.microsoft.com/office/drawing/2014/main" id="{52B7AD56-4732-4E34-51C8-7C0E607B3188}"/>
+              </a:ext>
+            </a:extLst>
+          </p:cNvPr>
+          <p:cNvPicPr>
+            <a:picLocks noChangeAspect="1"/>
+          </p:cNvPicPr>
+          <p:nvPr/>
+        </p:nvPicPr>
+        <p:blipFill>
+          <a:blip r:embed="rId5"/>
+          <a:stretch>
+            <a:fillRect/>
+          </a:stretch>
+        </p:blipFill>
+        <p:spPr>
+          <a:xfrm>
+            <a:off x="2366750" y="29277306"/>
+            <a:ext cx="11424982" cy="7237880"/>
+          </a:xfrm>
+          <a:prstGeom prst="rect">
+            <a:avLst/>
+          </a:prstGeom>
+        </p:spPr>
+      </p:pic>
+      <p:sp>
+        <p:nvSpPr>
+          <p:cNvPr id="9" name="Google Shape;149;p26">
+            <a:extLst>
+              <a:ext uri="{FF2B5EF4-FFF2-40B4-BE49-F238E27FC236}">
+                <a16:creationId xmlns:a16="http://schemas.microsoft.com/office/drawing/2014/main" id="{57DE4FFA-F39E-92AD-3C1D-4C6F1215C002}"/>
+              </a:ext>
+            </a:extLst>
+          </p:cNvPr>
+          <p:cNvSpPr txBox="1"/>
+          <p:nvPr/>
+        </p:nvSpPr>
+        <p:spPr>
+          <a:xfrm>
+            <a:off x="1666850" y="6170813"/>
+            <a:ext cx="12916500" cy="5118841"/>
+          </a:xfrm>
+          <a:prstGeom prst="rect">
+            <a:avLst/>
+          </a:prstGeom>
+          <a:noFill/>
+          <a:ln>
+            <a:noFill/>
+          </a:ln>
+        </p:spPr>
+        <p:txBody>
+          <a:bodyPr spcFirstLastPara="1" wrap="square" lIns="91425" tIns="91425" rIns="91425" bIns="91425" anchor="t" anchorCtr="0">
+            <a:noAutofit/>
+          </a:bodyPr>
+          <a:lstStyle/>
+          <a:p>
+            <a:pPr marL="0" lvl="0" indent="0" algn="just" rtl="0">
+              <a:spcBef>
+                <a:spcPts val="0"/>
+              </a:spcBef>
+              <a:spcAft>
+                <a:spcPts val="0"/>
+              </a:spcAft>
+              <a:buNone/>
+            </a:pPr>
+            <a:r>
+              <a:rPr lang="en-GB" sz="4400" dirty="0">
+                <a:solidFill>
+                  <a:schemeClr val="dk1"/>
+                </a:solidFill>
+                <a:latin typeface="Frutiger" panose="020B0500000000000000" pitchFamily="34" charset="0"/>
+                <a:ea typeface="Roboto"/>
+                <a:cs typeface="Roboto"/>
+                <a:sym typeface="Roboto"/>
+              </a:rPr>
+              <a:t>This project explores how </a:t>
+            </a:r>
+            <a:r>
+              <a:rPr lang="en-GB" sz="4400" b="1" dirty="0">
+                <a:solidFill>
+                  <a:schemeClr val="dk1"/>
+                </a:solidFill>
+                <a:latin typeface="Frutiger" panose="020B0500000000000000" pitchFamily="34" charset="0"/>
+                <a:ea typeface="Roboto"/>
+                <a:cs typeface="Roboto"/>
+                <a:sym typeface="Roboto"/>
+              </a:rPr>
+              <a:t>children</a:t>
+            </a:r>
+            <a:r>
+              <a:rPr lang="en-GB" sz="4400" dirty="0">
+                <a:solidFill>
+                  <a:schemeClr val="dk1"/>
+                </a:solidFill>
+                <a:latin typeface="Frutiger" panose="020B0500000000000000" pitchFamily="34" charset="0"/>
+                <a:ea typeface="Roboto"/>
+                <a:cs typeface="Roboto"/>
+                <a:sym typeface="Roboto"/>
+              </a:rPr>
+              <a:t> develop social understanding by </a:t>
+            </a:r>
+            <a:r>
+              <a:rPr lang="en-GB" sz="4400" b="1" dirty="0">
+                <a:solidFill>
+                  <a:schemeClr val="dk1"/>
+                </a:solidFill>
+                <a:latin typeface="Frutiger" panose="020B0500000000000000" pitchFamily="34" charset="0"/>
+                <a:ea typeface="Roboto"/>
+                <a:cs typeface="Roboto"/>
+                <a:sym typeface="Roboto"/>
+              </a:rPr>
+              <a:t>teaching a robot</a:t>
+            </a:r>
+            <a:r>
+              <a:rPr lang="en-GB" sz="4400" dirty="0">
+                <a:solidFill>
+                  <a:schemeClr val="dk1"/>
+                </a:solidFill>
+                <a:latin typeface="Frutiger" panose="020B0500000000000000" pitchFamily="34" charset="0"/>
+                <a:ea typeface="Roboto"/>
+                <a:cs typeface="Roboto"/>
+                <a:sym typeface="Roboto"/>
+              </a:rPr>
+              <a:t> to behave appropriately in </a:t>
+            </a:r>
+            <a:r>
+              <a:rPr lang="en-GB" sz="4400" b="1" dirty="0">
+                <a:solidFill>
+                  <a:schemeClr val="dk1"/>
+                </a:solidFill>
+                <a:latin typeface="Frutiger" panose="020B0500000000000000" pitchFamily="34" charset="0"/>
+                <a:ea typeface="Roboto"/>
+                <a:cs typeface="Roboto"/>
+                <a:sym typeface="Roboto"/>
+              </a:rPr>
+              <a:t>shared activities</a:t>
+            </a:r>
+            <a:r>
+              <a:rPr lang="en-GB" sz="4400" dirty="0">
+                <a:solidFill>
+                  <a:schemeClr val="dk1"/>
+                </a:solidFill>
+                <a:latin typeface="Frutiger" panose="020B0500000000000000" pitchFamily="34" charset="0"/>
+                <a:ea typeface="Roboto"/>
+                <a:cs typeface="Roboto"/>
+                <a:sym typeface="Roboto"/>
+              </a:rPr>
+              <a:t>.</a:t>
+            </a:r>
+          </a:p>
+          <a:p>
+            <a:pPr marL="0" lvl="0" indent="0" algn="just" rtl="0">
+              <a:spcBef>
+                <a:spcPts val="0"/>
+              </a:spcBef>
+              <a:spcAft>
+                <a:spcPts val="0"/>
+              </a:spcAft>
+              <a:buNone/>
+            </a:pPr>
+            <a:r>
+              <a:rPr lang="en-GB" sz="4400" dirty="0">
+                <a:solidFill>
+                  <a:schemeClr val="dk1"/>
+                </a:solidFill>
+                <a:latin typeface="Frutiger" panose="020B0500000000000000" pitchFamily="34" charset="0"/>
+                <a:ea typeface="Roboto"/>
+                <a:cs typeface="Roboto"/>
+                <a:sym typeface="Roboto"/>
+              </a:rPr>
+              <a:t>Rather than programming or controlling the robot directly, children engage in a </a:t>
+            </a:r>
+            <a:r>
+              <a:rPr lang="en-GB" sz="4400" b="1" dirty="0">
+                <a:solidFill>
+                  <a:schemeClr val="dk1"/>
+                </a:solidFill>
+                <a:latin typeface="Frutiger" panose="020B0500000000000000" pitchFamily="34" charset="0"/>
+                <a:ea typeface="Roboto"/>
+                <a:cs typeface="Roboto"/>
+                <a:sym typeface="Roboto"/>
+              </a:rPr>
+              <a:t>Learning by Teaching</a:t>
+            </a:r>
+            <a:r>
+              <a:rPr lang="en-GB" sz="4400" dirty="0">
+                <a:solidFill>
+                  <a:schemeClr val="dk1"/>
+                </a:solidFill>
+                <a:latin typeface="Frutiger" panose="020B0500000000000000" pitchFamily="34" charset="0"/>
+                <a:ea typeface="Roboto"/>
+                <a:cs typeface="Roboto"/>
+                <a:sym typeface="Roboto"/>
+              </a:rPr>
+              <a:t> process, shaping the robot’s behaviour through interaction, correction, and feedback.</a:t>
+            </a:r>
+          </a:p>
+        </p:txBody>
+      </p:sp>
+      <p:sp>
+        <p:nvSpPr>
+          <p:cNvPr id="14" name="Google Shape;149;p26">
+            <a:extLst>
+              <a:ext uri="{FF2B5EF4-FFF2-40B4-BE49-F238E27FC236}">
+                <a16:creationId xmlns:a16="http://schemas.microsoft.com/office/drawing/2014/main" id="{71859019-E9DF-1036-2E8D-E83134A03B9A}"/>
+              </a:ext>
+            </a:extLst>
+          </p:cNvPr>
+          <p:cNvSpPr txBox="1"/>
+          <p:nvPr/>
+        </p:nvSpPr>
+        <p:spPr>
+          <a:xfrm>
+            <a:off x="1438250" y="5256094"/>
+            <a:ext cx="12916500" cy="920051"/>
+          </a:xfrm>
+          <a:prstGeom prst="rect">
+            <a:avLst/>
+          </a:prstGeom>
+          <a:noFill/>
+          <a:ln>
+            <a:noFill/>
+          </a:ln>
+        </p:spPr>
+        <p:txBody>
+          <a:bodyPr spcFirstLastPara="1" wrap="square" lIns="91425" tIns="91425" rIns="91425" bIns="91425" anchor="t" anchorCtr="0">
+            <a:noAutofit/>
+          </a:bodyPr>
+          <a:lstStyle/>
+          <a:p>
+            <a:pPr lvl="0" algn="just"/>
+            <a:r>
+              <a:rPr lang="en-US" sz="4800" b="1" dirty="0">
+                <a:solidFill>
+                  <a:schemeClr val="dk1"/>
+                </a:solidFill>
+                <a:latin typeface="Frutiger" panose="020B0500000000000000" pitchFamily="34" charset="0"/>
+                <a:ea typeface="Roboto"/>
+                <a:cs typeface="Roboto"/>
+                <a:sym typeface="Roboto"/>
+              </a:rPr>
+              <a:t>What happens when children teach a robot?</a:t>
+            </a:r>
+          </a:p>
+          <a:p>
+            <a:pPr lvl="0" algn="just"/>
+            <a:endParaRPr lang="en-US" sz="4800" b="1" dirty="0">
+              <a:solidFill>
+                <a:schemeClr val="dk1"/>
+              </a:solidFill>
+              <a:latin typeface="Roboto"/>
+              <a:ea typeface="Roboto"/>
+              <a:cs typeface="Roboto"/>
+              <a:sym typeface="Roboto"/>
+            </a:endParaRPr>
+          </a:p>
+        </p:txBody>
+      </p:sp>
+      <p:grpSp>
+        <p:nvGrpSpPr>
+          <p:cNvPr id="29" name="Group 28">
+            <a:extLst>
+              <a:ext uri="{FF2B5EF4-FFF2-40B4-BE49-F238E27FC236}">
+                <a16:creationId xmlns:a16="http://schemas.microsoft.com/office/drawing/2014/main" id="{64AE26A7-672B-3692-C87C-5E34188E9CC4}"/>
+              </a:ext>
+            </a:extLst>
+          </p:cNvPr>
+          <p:cNvGrpSpPr/>
+          <p:nvPr/>
+        </p:nvGrpSpPr>
+        <p:grpSpPr>
+          <a:xfrm>
+            <a:off x="16281967" y="12357872"/>
+            <a:ext cx="12651183" cy="7201445"/>
+            <a:chOff x="16607033" y="13246775"/>
+            <a:chExt cx="12651183" cy="7201445"/>
+          </a:xfrm>
+        </p:grpSpPr>
+        <p:grpSp>
+          <p:nvGrpSpPr>
+            <p:cNvPr id="19" name="Group 18">
+              <a:extLst>
+                <a:ext uri="{FF2B5EF4-FFF2-40B4-BE49-F238E27FC236}">
+                  <a16:creationId xmlns:a16="http://schemas.microsoft.com/office/drawing/2014/main" id="{5D374204-AB35-9E3A-8C6F-5ACFE1DA1CA3}"/>
+                </a:ext>
+              </a:extLst>
+            </p:cNvPr>
+            <p:cNvGrpSpPr/>
+            <p:nvPr/>
+          </p:nvGrpSpPr>
+          <p:grpSpPr>
+            <a:xfrm>
+              <a:off x="16607033" y="13246775"/>
+              <a:ext cx="12651183" cy="2349925"/>
+              <a:chOff x="16039438" y="13924272"/>
+              <a:chExt cx="12651183" cy="2349925"/>
+            </a:xfrm>
+          </p:grpSpPr>
+          <p:sp>
+            <p:nvSpPr>
+              <p:cNvPr id="11" name="Google Shape;155;p26">
+                <a:extLst>
+                  <a:ext uri="{FF2B5EF4-FFF2-40B4-BE49-F238E27FC236}">
+                    <a16:creationId xmlns:a16="http://schemas.microsoft.com/office/drawing/2014/main" id="{20512B0D-D6ED-A92C-2AC0-CF697FBD16A0}"/>
+                  </a:ext>
+                </a:extLst>
+              </p:cNvPr>
+              <p:cNvSpPr txBox="1"/>
+              <p:nvPr/>
+            </p:nvSpPr>
+            <p:spPr>
+              <a:xfrm>
+                <a:off x="16039438" y="13924272"/>
+                <a:ext cx="12405000" cy="1050389"/>
+              </a:xfrm>
+              <a:prstGeom prst="rect">
+                <a:avLst/>
+              </a:prstGeom>
+              <a:noFill/>
+              <a:ln>
+                <a:noFill/>
+              </a:ln>
+            </p:spPr>
+            <p:txBody>
+              <a:bodyPr spcFirstLastPara="1" wrap="square" lIns="91425" tIns="91425" rIns="91425" bIns="91425" anchor="t" anchorCtr="0">
+                <a:noAutofit/>
+              </a:bodyPr>
+              <a:lstStyle/>
+              <a:p>
+                <a:pPr lvl="0" algn="just" rtl="0">
+                  <a:spcBef>
+                    <a:spcPts val="0"/>
+                  </a:spcBef>
+                  <a:spcAft>
+                    <a:spcPts val="0"/>
+                  </a:spcAft>
+                </a:pPr>
+                <a:r>
+                  <a:rPr lang="en-GB" sz="4800" b="1" dirty="0">
+                    <a:solidFill>
+                      <a:schemeClr val="dk1"/>
+                    </a:solidFill>
+                    <a:latin typeface="Frutiger" panose="020B0500000000000000" pitchFamily="34" charset="0"/>
+                  </a:rPr>
+                  <a:t>Fixed positions didn’t work</a:t>
+                </a:r>
+              </a:p>
+              <a:p>
+                <a:pPr lvl="0" algn="just" rtl="0">
+                  <a:spcBef>
+                    <a:spcPts val="0"/>
+                  </a:spcBef>
+                  <a:spcAft>
+                    <a:spcPts val="0"/>
+                  </a:spcAft>
+                </a:pPr>
+                <a:endParaRPr lang="en-GB" sz="5400" dirty="0">
+                  <a:solidFill>
+                    <a:schemeClr val="dk1"/>
+                  </a:solidFill>
+                  <a:latin typeface="Frutiger" panose="020B0500000000000000" pitchFamily="34" charset="0"/>
+                </a:endParaRPr>
+              </a:p>
+            </p:txBody>
+          </p:sp>
+          <p:sp>
+            <p:nvSpPr>
+              <p:cNvPr id="18" name="Google Shape;155;p26">
+                <a:extLst>
+                  <a:ext uri="{FF2B5EF4-FFF2-40B4-BE49-F238E27FC236}">
+                    <a16:creationId xmlns:a16="http://schemas.microsoft.com/office/drawing/2014/main" id="{FF3D600A-58AE-D8B8-B58C-E3A543E5DCFE}"/>
+                  </a:ext>
+                </a:extLst>
+              </p:cNvPr>
+              <p:cNvSpPr txBox="1"/>
+              <p:nvPr/>
+            </p:nvSpPr>
+            <p:spPr>
+              <a:xfrm>
+                <a:off x="16285621" y="14709711"/>
+                <a:ext cx="12405000" cy="1564486"/>
+              </a:xfrm>
+              <a:prstGeom prst="rect">
+                <a:avLst/>
+              </a:prstGeom>
+              <a:noFill/>
+              <a:ln>
+                <a:noFill/>
+              </a:ln>
+            </p:spPr>
+            <p:txBody>
+              <a:bodyPr spcFirstLastPara="1" wrap="square" lIns="91425" tIns="91425" rIns="91425" bIns="91425" anchor="t" anchorCtr="0">
+                <a:noAutofit/>
+              </a:bodyPr>
+              <a:lstStyle/>
+              <a:p>
+                <a:pPr lvl="0" algn="just"/>
+                <a:r>
+                  <a:rPr lang="en-GB" sz="4400" dirty="0">
+                    <a:solidFill>
+                      <a:schemeClr val="dk1"/>
+                    </a:solidFill>
+                    <a:latin typeface="Frutiger" panose="020B0500000000000000" pitchFamily="34" charset="0"/>
+                  </a:rPr>
+                  <a:t>Children moved unpredictably during play,</a:t>
+                </a:r>
+              </a:p>
+              <a:p>
+                <a:pPr lvl="0" algn="just"/>
+                <a:r>
+                  <a:rPr lang="en-GB" sz="4400" dirty="0">
+                    <a:solidFill>
+                      <a:schemeClr val="dk1"/>
+                    </a:solidFill>
+                    <a:latin typeface="Frutiger" panose="020B0500000000000000" pitchFamily="34" charset="0"/>
+                  </a:rPr>
+                  <a:t>making joystick control a must.</a:t>
+                </a:r>
+              </a:p>
+            </p:txBody>
+          </p:sp>
+        </p:grpSp>
+        <p:grpSp>
+          <p:nvGrpSpPr>
+            <p:cNvPr id="20" name="Group 19">
+              <a:extLst>
+                <a:ext uri="{FF2B5EF4-FFF2-40B4-BE49-F238E27FC236}">
+                  <a16:creationId xmlns:a16="http://schemas.microsoft.com/office/drawing/2014/main" id="{916C18EC-4579-64D3-6990-9474D63261B9}"/>
+                </a:ext>
+              </a:extLst>
+            </p:cNvPr>
+            <p:cNvGrpSpPr/>
+            <p:nvPr/>
+          </p:nvGrpSpPr>
+          <p:grpSpPr>
+            <a:xfrm>
+              <a:off x="16607033" y="15637784"/>
+              <a:ext cx="12651183" cy="2349925"/>
+              <a:chOff x="16039438" y="13924272"/>
+              <a:chExt cx="12651183" cy="2349925"/>
+            </a:xfrm>
+          </p:grpSpPr>
+          <p:sp>
+            <p:nvSpPr>
+              <p:cNvPr id="21" name="Google Shape;155;p26">
+                <a:extLst>
+                  <a:ext uri="{FF2B5EF4-FFF2-40B4-BE49-F238E27FC236}">
+                    <a16:creationId xmlns:a16="http://schemas.microsoft.com/office/drawing/2014/main" id="{3A60638D-BC6C-F726-4ECF-092FD35EBE7F}"/>
+                  </a:ext>
+                </a:extLst>
+              </p:cNvPr>
+              <p:cNvSpPr txBox="1"/>
+              <p:nvPr/>
+            </p:nvSpPr>
+            <p:spPr>
+              <a:xfrm>
+                <a:off x="16039438" y="13924272"/>
+                <a:ext cx="12405000" cy="1050389"/>
+              </a:xfrm>
+              <a:prstGeom prst="rect">
+                <a:avLst/>
+              </a:prstGeom>
+              <a:noFill/>
+              <a:ln>
+                <a:noFill/>
+              </a:ln>
+            </p:spPr>
+            <p:txBody>
+              <a:bodyPr spcFirstLastPara="1" wrap="square" lIns="91425" tIns="91425" rIns="91425" bIns="91425" anchor="t" anchorCtr="0">
+                <a:noAutofit/>
+              </a:bodyPr>
+              <a:lstStyle/>
+              <a:p>
+                <a:pPr lvl="0" algn="just" rtl="0">
+                  <a:spcBef>
+                    <a:spcPts val="0"/>
+                  </a:spcBef>
+                  <a:spcAft>
+                    <a:spcPts val="0"/>
+                  </a:spcAft>
+                </a:pPr>
+                <a:r>
+                  <a:rPr lang="en-GB" sz="4800" b="1" dirty="0">
+                    <a:solidFill>
+                      <a:schemeClr val="dk1"/>
+                    </a:solidFill>
+                    <a:latin typeface="Frutiger" panose="020B0500000000000000" pitchFamily="34" charset="0"/>
+                  </a:rPr>
+                  <a:t>Negative Feedback Was Entertaining</a:t>
+                </a:r>
+              </a:p>
+              <a:p>
+                <a:pPr lvl="0" algn="just" rtl="0">
+                  <a:spcBef>
+                    <a:spcPts val="0"/>
+                  </a:spcBef>
+                  <a:spcAft>
+                    <a:spcPts val="0"/>
+                  </a:spcAft>
+                </a:pPr>
+                <a:endParaRPr lang="en-GB" sz="5400" dirty="0">
+                  <a:solidFill>
+                    <a:schemeClr val="dk1"/>
+                  </a:solidFill>
+                  <a:latin typeface="Frutiger" panose="020B0500000000000000" pitchFamily="34" charset="0"/>
+                </a:endParaRPr>
+              </a:p>
+            </p:txBody>
+          </p:sp>
+          <p:sp>
+            <p:nvSpPr>
+              <p:cNvPr id="22" name="Google Shape;155;p26">
+                <a:extLst>
+                  <a:ext uri="{FF2B5EF4-FFF2-40B4-BE49-F238E27FC236}">
+                    <a16:creationId xmlns:a16="http://schemas.microsoft.com/office/drawing/2014/main" id="{A3E5F0F5-E743-4B01-7D03-D0E857788CB5}"/>
+                  </a:ext>
+                </a:extLst>
+              </p:cNvPr>
+              <p:cNvSpPr txBox="1"/>
+              <p:nvPr/>
+            </p:nvSpPr>
+            <p:spPr>
+              <a:xfrm>
+                <a:off x="16285621" y="14709711"/>
+                <a:ext cx="12405000" cy="1564486"/>
+              </a:xfrm>
+              <a:prstGeom prst="rect">
+                <a:avLst/>
+              </a:prstGeom>
+              <a:noFill/>
+              <a:ln>
+                <a:noFill/>
+              </a:ln>
+            </p:spPr>
+            <p:txBody>
+              <a:bodyPr spcFirstLastPara="1" wrap="square" lIns="91425" tIns="91425" rIns="91425" bIns="91425" anchor="t" anchorCtr="0">
+                <a:noAutofit/>
+              </a:bodyPr>
+              <a:lstStyle/>
+              <a:p>
+                <a:pPr lvl="0" algn="just"/>
+                <a:r>
+                  <a:rPr lang="en-GB" sz="4400" dirty="0">
+                    <a:solidFill>
+                      <a:schemeClr val="dk1"/>
+                    </a:solidFill>
+                    <a:latin typeface="Frutiger" panose="020B0500000000000000" pitchFamily="34" charset="0"/>
+                  </a:rPr>
+                  <a:t>Spinning or dramatic motions were perceived as fun, potentially reinforcing misbehaviour.</a:t>
+                </a:r>
+              </a:p>
+            </p:txBody>
+          </p:sp>
+        </p:grpSp>
+        <p:grpSp>
+          <p:nvGrpSpPr>
+            <p:cNvPr id="23" name="Group 22">
+              <a:extLst>
+                <a:ext uri="{FF2B5EF4-FFF2-40B4-BE49-F238E27FC236}">
+                  <a16:creationId xmlns:a16="http://schemas.microsoft.com/office/drawing/2014/main" id="{3476CCAE-BE62-2E52-23C6-3BBAAE578D9F}"/>
+                </a:ext>
+              </a:extLst>
+            </p:cNvPr>
+            <p:cNvGrpSpPr/>
+            <p:nvPr/>
+          </p:nvGrpSpPr>
+          <p:grpSpPr>
+            <a:xfrm>
+              <a:off x="16607033" y="18098295"/>
+              <a:ext cx="12651183" cy="2349925"/>
+              <a:chOff x="16039438" y="13924272"/>
+              <a:chExt cx="12651183" cy="2349925"/>
+            </a:xfrm>
+          </p:grpSpPr>
+          <p:sp>
+            <p:nvSpPr>
+              <p:cNvPr id="24" name="Google Shape;155;p26">
+                <a:extLst>
+                  <a:ext uri="{FF2B5EF4-FFF2-40B4-BE49-F238E27FC236}">
+                    <a16:creationId xmlns:a16="http://schemas.microsoft.com/office/drawing/2014/main" id="{0BC6FEA6-DF91-9AF4-B51C-E921340C4C32}"/>
+                  </a:ext>
+                </a:extLst>
+              </p:cNvPr>
+              <p:cNvSpPr txBox="1"/>
+              <p:nvPr/>
+            </p:nvSpPr>
+            <p:spPr>
+              <a:xfrm>
+                <a:off x="16039438" y="13924272"/>
+                <a:ext cx="12405000" cy="1050389"/>
+              </a:xfrm>
+              <a:prstGeom prst="rect">
+                <a:avLst/>
+              </a:prstGeom>
+              <a:noFill/>
+              <a:ln>
+                <a:noFill/>
+              </a:ln>
+            </p:spPr>
+            <p:txBody>
+              <a:bodyPr spcFirstLastPara="1" wrap="square" lIns="91425" tIns="91425" rIns="91425" bIns="91425" anchor="t" anchorCtr="0">
+                <a:noAutofit/>
+              </a:bodyPr>
+              <a:lstStyle/>
+              <a:p>
+                <a:pPr lvl="0" algn="just" rtl="0">
+                  <a:spcBef>
+                    <a:spcPts val="0"/>
+                  </a:spcBef>
+                  <a:spcAft>
+                    <a:spcPts val="0"/>
+                  </a:spcAft>
+                </a:pPr>
+                <a:r>
+                  <a:rPr lang="en-GB" sz="4800" b="1" dirty="0">
+                    <a:solidFill>
+                      <a:schemeClr val="dk1"/>
+                    </a:solidFill>
+                    <a:latin typeface="Frutiger" panose="020B0500000000000000" pitchFamily="34" charset="0"/>
+                  </a:rPr>
+                  <a:t>Robot Seen as a Peer</a:t>
+                </a:r>
+              </a:p>
+              <a:p>
+                <a:pPr lvl="0" algn="just" rtl="0">
+                  <a:spcBef>
+                    <a:spcPts val="0"/>
+                  </a:spcBef>
+                  <a:spcAft>
+                    <a:spcPts val="0"/>
+                  </a:spcAft>
+                </a:pPr>
+                <a:endParaRPr lang="en-GB" sz="5400" dirty="0">
+                  <a:solidFill>
+                    <a:schemeClr val="dk1"/>
+                  </a:solidFill>
+                  <a:latin typeface="Frutiger" panose="020B0500000000000000" pitchFamily="34" charset="0"/>
+                </a:endParaRPr>
+              </a:p>
+            </p:txBody>
+          </p:sp>
+          <p:sp>
+            <p:nvSpPr>
+              <p:cNvPr id="25" name="Google Shape;155;p26">
+                <a:extLst>
+                  <a:ext uri="{FF2B5EF4-FFF2-40B4-BE49-F238E27FC236}">
+                    <a16:creationId xmlns:a16="http://schemas.microsoft.com/office/drawing/2014/main" id="{3FC2297F-8229-8269-F51F-81FD324435DE}"/>
+                  </a:ext>
+                </a:extLst>
+              </p:cNvPr>
+              <p:cNvSpPr txBox="1"/>
+              <p:nvPr/>
+            </p:nvSpPr>
+            <p:spPr>
+              <a:xfrm>
+                <a:off x="16285621" y="14709711"/>
+                <a:ext cx="12405000" cy="1564486"/>
+              </a:xfrm>
+              <a:prstGeom prst="rect">
+                <a:avLst/>
+              </a:prstGeom>
+              <a:noFill/>
+              <a:ln>
+                <a:noFill/>
+              </a:ln>
+            </p:spPr>
+            <p:txBody>
+              <a:bodyPr spcFirstLastPara="1" wrap="square" lIns="91425" tIns="91425" rIns="91425" bIns="91425" anchor="t" anchorCtr="0">
+                <a:noAutofit/>
+              </a:bodyPr>
+              <a:lstStyle/>
+              <a:p>
+                <a:pPr lvl="0" algn="just"/>
+                <a:r>
+                  <a:rPr lang="en-GB" sz="4400" dirty="0">
+                    <a:solidFill>
+                      <a:schemeClr val="dk1"/>
+                    </a:solidFill>
+                    <a:latin typeface="Frutiger" panose="020B0500000000000000" pitchFamily="34" charset="0"/>
+                  </a:rPr>
+                  <a:t>Participants related to the robot more like a peer or playful companion than an authority figure.</a:t>
+                </a:r>
+              </a:p>
+            </p:txBody>
+          </p:sp>
+        </p:grpSp>
+      </p:grpSp>
+      <p:grpSp>
+        <p:nvGrpSpPr>
+          <p:cNvPr id="30" name="Group 29">
+            <a:extLst>
+              <a:ext uri="{FF2B5EF4-FFF2-40B4-BE49-F238E27FC236}">
+                <a16:creationId xmlns:a16="http://schemas.microsoft.com/office/drawing/2014/main" id="{77689541-D68B-33A0-D49C-C99BBEE4E6A6}"/>
+              </a:ext>
+            </a:extLst>
+          </p:cNvPr>
+          <p:cNvGrpSpPr/>
+          <p:nvPr/>
+        </p:nvGrpSpPr>
+        <p:grpSpPr>
+          <a:xfrm>
+            <a:off x="1570908" y="21007651"/>
+            <a:ext cx="12651183" cy="7201445"/>
+            <a:chOff x="16607033" y="13246775"/>
+            <a:chExt cx="12651183" cy="7201445"/>
+          </a:xfrm>
+        </p:grpSpPr>
+        <p:grpSp>
+          <p:nvGrpSpPr>
+            <p:cNvPr id="31" name="Group 30">
+              <a:extLst>
+                <a:ext uri="{FF2B5EF4-FFF2-40B4-BE49-F238E27FC236}">
+                  <a16:creationId xmlns:a16="http://schemas.microsoft.com/office/drawing/2014/main" id="{7C93276B-9923-3793-1334-8186A38374C7}"/>
+                </a:ext>
+              </a:extLst>
+            </p:cNvPr>
+            <p:cNvGrpSpPr/>
+            <p:nvPr/>
+          </p:nvGrpSpPr>
+          <p:grpSpPr>
+            <a:xfrm>
+              <a:off x="16607033" y="13246775"/>
+              <a:ext cx="12651183" cy="2349925"/>
+              <a:chOff x="16039438" y="13924272"/>
+              <a:chExt cx="12651183" cy="2349925"/>
+            </a:xfrm>
+          </p:grpSpPr>
+          <p:sp>
+            <p:nvSpPr>
+              <p:cNvPr id="38" name="Google Shape;155;p26">
+                <a:extLst>
+                  <a:ext uri="{FF2B5EF4-FFF2-40B4-BE49-F238E27FC236}">
+                    <a16:creationId xmlns:a16="http://schemas.microsoft.com/office/drawing/2014/main" id="{0C479625-98C7-CBD2-3022-F4D324E0CCE6}"/>
+                  </a:ext>
+                </a:extLst>
+              </p:cNvPr>
+              <p:cNvSpPr txBox="1"/>
+              <p:nvPr/>
+            </p:nvSpPr>
+            <p:spPr>
+              <a:xfrm>
+                <a:off x="16039438" y="13924272"/>
+                <a:ext cx="12405000" cy="1050389"/>
+              </a:xfrm>
+              <a:prstGeom prst="rect">
+                <a:avLst/>
+              </a:prstGeom>
+              <a:noFill/>
+              <a:ln>
+                <a:noFill/>
+              </a:ln>
+            </p:spPr>
+            <p:txBody>
+              <a:bodyPr spcFirstLastPara="1" wrap="square" lIns="91425" tIns="91425" rIns="91425" bIns="91425" anchor="t" anchorCtr="0">
+                <a:noAutofit/>
+              </a:bodyPr>
+              <a:lstStyle/>
+              <a:p>
+                <a:pPr lvl="0" algn="just" rtl="0">
+                  <a:spcBef>
+                    <a:spcPts val="0"/>
+                  </a:spcBef>
+                  <a:spcAft>
+                    <a:spcPts val="0"/>
+                  </a:spcAft>
+                </a:pPr>
+                <a:r>
+                  <a:rPr lang="en-GB" sz="4800" b="1" dirty="0">
+                    <a:solidFill>
+                      <a:schemeClr val="dk1"/>
+                    </a:solidFill>
+                    <a:latin typeface="Frutiger" panose="020B0500000000000000" pitchFamily="34" charset="0"/>
+                  </a:rPr>
+                  <a:t>LEDs Were Ignored</a:t>
+                </a:r>
+              </a:p>
+              <a:p>
+                <a:pPr lvl="0" algn="just" rtl="0">
+                  <a:spcBef>
+                    <a:spcPts val="0"/>
+                  </a:spcBef>
+                  <a:spcAft>
+                    <a:spcPts val="0"/>
+                  </a:spcAft>
+                </a:pPr>
+                <a:endParaRPr lang="en-GB" sz="4800" dirty="0">
+                  <a:solidFill>
+                    <a:schemeClr val="dk1"/>
+                  </a:solidFill>
+                  <a:latin typeface="Frutiger" panose="020B0500000000000000" pitchFamily="34" charset="0"/>
+                </a:endParaRPr>
+              </a:p>
+            </p:txBody>
+          </p:sp>
+          <p:sp>
+            <p:nvSpPr>
+              <p:cNvPr id="39" name="Google Shape;155;p26">
+                <a:extLst>
+                  <a:ext uri="{FF2B5EF4-FFF2-40B4-BE49-F238E27FC236}">
+                    <a16:creationId xmlns:a16="http://schemas.microsoft.com/office/drawing/2014/main" id="{797CFCCD-6A56-3435-41A6-519B2284C7BF}"/>
+                  </a:ext>
+                </a:extLst>
+              </p:cNvPr>
+              <p:cNvSpPr txBox="1"/>
+              <p:nvPr/>
+            </p:nvSpPr>
+            <p:spPr>
+              <a:xfrm>
+                <a:off x="16285621" y="14709711"/>
+                <a:ext cx="12405000" cy="1564486"/>
+              </a:xfrm>
+              <a:prstGeom prst="rect">
+                <a:avLst/>
+              </a:prstGeom>
+              <a:noFill/>
+              <a:ln>
+                <a:noFill/>
+              </a:ln>
+            </p:spPr>
+            <p:txBody>
+              <a:bodyPr spcFirstLastPara="1" wrap="square" lIns="91425" tIns="91425" rIns="91425" bIns="91425" anchor="t" anchorCtr="0">
+                <a:noAutofit/>
+              </a:bodyPr>
+              <a:lstStyle/>
+              <a:p>
+                <a:pPr lvl="0" algn="just"/>
+                <a:r>
+                  <a:rPr lang="en-GB" sz="4400" dirty="0">
+                    <a:solidFill>
+                      <a:schemeClr val="dk1"/>
+                    </a:solidFill>
+                    <a:latin typeface="Frutiger" panose="020B0500000000000000" pitchFamily="34" charset="0"/>
+                  </a:rPr>
+                  <a:t>Red light alone wasn’t enough to attract attention during play, especially on the floor.</a:t>
+                </a:r>
+              </a:p>
+            </p:txBody>
+          </p:sp>
+        </p:grpSp>
+        <p:grpSp>
+          <p:nvGrpSpPr>
+            <p:cNvPr id="32" name="Group 31">
+              <a:extLst>
+                <a:ext uri="{FF2B5EF4-FFF2-40B4-BE49-F238E27FC236}">
+                  <a16:creationId xmlns:a16="http://schemas.microsoft.com/office/drawing/2014/main" id="{E98B6313-7AB9-C588-730B-6329B5EBF5DF}"/>
+                </a:ext>
+              </a:extLst>
+            </p:cNvPr>
+            <p:cNvGrpSpPr/>
+            <p:nvPr/>
+          </p:nvGrpSpPr>
+          <p:grpSpPr>
+            <a:xfrm>
+              <a:off x="16607033" y="15637784"/>
+              <a:ext cx="12651183" cy="2349925"/>
+              <a:chOff x="16039438" y="13924272"/>
+              <a:chExt cx="12651183" cy="2349925"/>
+            </a:xfrm>
+          </p:grpSpPr>
+          <p:sp>
+            <p:nvSpPr>
+              <p:cNvPr id="36" name="Google Shape;155;p26">
+                <a:extLst>
+                  <a:ext uri="{FF2B5EF4-FFF2-40B4-BE49-F238E27FC236}">
+                    <a16:creationId xmlns:a16="http://schemas.microsoft.com/office/drawing/2014/main" id="{FBD87C2F-A6DE-60A2-BD73-D8C307BAD735}"/>
+                  </a:ext>
+                </a:extLst>
+              </p:cNvPr>
+              <p:cNvSpPr txBox="1"/>
+              <p:nvPr/>
+            </p:nvSpPr>
+            <p:spPr>
+              <a:xfrm>
+                <a:off x="16039438" y="13924272"/>
+                <a:ext cx="12405000" cy="1050389"/>
+              </a:xfrm>
+              <a:prstGeom prst="rect">
+                <a:avLst/>
+              </a:prstGeom>
+              <a:noFill/>
+              <a:ln>
+                <a:noFill/>
+              </a:ln>
+            </p:spPr>
+            <p:txBody>
+              <a:bodyPr spcFirstLastPara="1" wrap="square" lIns="91425" tIns="91425" rIns="91425" bIns="91425" anchor="t" anchorCtr="0">
+                <a:noAutofit/>
+              </a:bodyPr>
+              <a:lstStyle/>
+              <a:p>
+                <a:pPr lvl="0" algn="just" rtl="0">
+                  <a:spcBef>
+                    <a:spcPts val="0"/>
+                  </a:spcBef>
+                  <a:spcAft>
+                    <a:spcPts val="0"/>
+                  </a:spcAft>
+                </a:pPr>
+                <a:r>
+                  <a:rPr lang="en-GB" sz="4800" b="1" dirty="0">
+                    <a:solidFill>
+                      <a:schemeClr val="dk1"/>
+                    </a:solidFill>
+                    <a:latin typeface="Frutiger" panose="020B0500000000000000" pitchFamily="34" charset="0"/>
+                  </a:rPr>
+                  <a:t>Movement Was Attention-Grabbing</a:t>
+                </a:r>
+              </a:p>
+              <a:p>
+                <a:pPr lvl="0" algn="just" rtl="0">
+                  <a:spcBef>
+                    <a:spcPts val="0"/>
+                  </a:spcBef>
+                  <a:spcAft>
+                    <a:spcPts val="0"/>
+                  </a:spcAft>
+                </a:pPr>
+                <a:endParaRPr lang="en-GB" sz="4800" dirty="0">
+                  <a:solidFill>
+                    <a:schemeClr val="dk1"/>
+                  </a:solidFill>
+                  <a:latin typeface="Frutiger" panose="020B0500000000000000" pitchFamily="34" charset="0"/>
+                </a:endParaRPr>
+              </a:p>
+            </p:txBody>
+          </p:sp>
+          <p:sp>
+            <p:nvSpPr>
+              <p:cNvPr id="37" name="Google Shape;155;p26">
+                <a:extLst>
+                  <a:ext uri="{FF2B5EF4-FFF2-40B4-BE49-F238E27FC236}">
+                    <a16:creationId xmlns:a16="http://schemas.microsoft.com/office/drawing/2014/main" id="{60863DC5-1AB3-9738-C43E-19866A1E14BE}"/>
+                  </a:ext>
+                </a:extLst>
+              </p:cNvPr>
+              <p:cNvSpPr txBox="1"/>
+              <p:nvPr/>
+            </p:nvSpPr>
+            <p:spPr>
+              <a:xfrm>
+                <a:off x="16285621" y="14709711"/>
+                <a:ext cx="12405000" cy="1564486"/>
+              </a:xfrm>
+              <a:prstGeom prst="rect">
+                <a:avLst/>
+              </a:prstGeom>
+              <a:noFill/>
+              <a:ln>
+                <a:noFill/>
+              </a:ln>
+            </p:spPr>
+            <p:txBody>
+              <a:bodyPr spcFirstLastPara="1" wrap="square" lIns="91425" tIns="91425" rIns="91425" bIns="91425" anchor="t" anchorCtr="0">
+                <a:noAutofit/>
+              </a:bodyPr>
+              <a:lstStyle/>
+              <a:p>
+                <a:pPr lvl="0" algn="just"/>
+                <a:r>
+                  <a:rPr lang="en-GB" sz="4400" dirty="0">
+                    <a:solidFill>
+                      <a:schemeClr val="dk1"/>
+                    </a:solidFill>
+                    <a:latin typeface="Frutiger" panose="020B0500000000000000" pitchFamily="34" charset="0"/>
+                  </a:rPr>
+                  <a:t>Quick approaches or changes in position effectively caught children’s focus.</a:t>
+                </a:r>
+              </a:p>
+            </p:txBody>
+          </p:sp>
+        </p:grpSp>
+        <p:grpSp>
+          <p:nvGrpSpPr>
+            <p:cNvPr id="33" name="Group 32">
+              <a:extLst>
+                <a:ext uri="{FF2B5EF4-FFF2-40B4-BE49-F238E27FC236}">
+                  <a16:creationId xmlns:a16="http://schemas.microsoft.com/office/drawing/2014/main" id="{526C7F57-37D2-76C2-21CC-1E86E39677B4}"/>
+                </a:ext>
+              </a:extLst>
+            </p:cNvPr>
+            <p:cNvGrpSpPr/>
+            <p:nvPr/>
+          </p:nvGrpSpPr>
+          <p:grpSpPr>
+            <a:xfrm>
+              <a:off x="16607033" y="18098295"/>
+              <a:ext cx="12651183" cy="2349925"/>
+              <a:chOff x="16039438" y="13924272"/>
+              <a:chExt cx="12651183" cy="2349925"/>
+            </a:xfrm>
+          </p:grpSpPr>
+          <p:sp>
+            <p:nvSpPr>
+              <p:cNvPr id="34" name="Google Shape;155;p26">
+                <a:extLst>
+                  <a:ext uri="{FF2B5EF4-FFF2-40B4-BE49-F238E27FC236}">
+                    <a16:creationId xmlns:a16="http://schemas.microsoft.com/office/drawing/2014/main" id="{A143084B-B224-F51F-E762-D5058D4C556E}"/>
+                  </a:ext>
+                </a:extLst>
+              </p:cNvPr>
+              <p:cNvSpPr txBox="1"/>
+              <p:nvPr/>
+            </p:nvSpPr>
+            <p:spPr>
+              <a:xfrm>
+                <a:off x="16039438" y="13924272"/>
+                <a:ext cx="12405000" cy="1050389"/>
+              </a:xfrm>
+              <a:prstGeom prst="rect">
+                <a:avLst/>
+              </a:prstGeom>
+              <a:noFill/>
+              <a:ln>
+                <a:noFill/>
+              </a:ln>
+            </p:spPr>
+            <p:txBody>
+              <a:bodyPr spcFirstLastPara="1" wrap="square" lIns="91425" tIns="91425" rIns="91425" bIns="91425" anchor="t" anchorCtr="0">
+                <a:noAutofit/>
+              </a:bodyPr>
+              <a:lstStyle/>
+              <a:p>
+                <a:pPr lvl="0" algn="just" rtl="0">
+                  <a:spcBef>
+                    <a:spcPts val="0"/>
+                  </a:spcBef>
+                  <a:spcAft>
+                    <a:spcPts val="0"/>
+                  </a:spcAft>
+                </a:pPr>
+                <a:r>
+                  <a:rPr lang="en-GB" sz="4800" b="1" dirty="0">
+                    <a:solidFill>
+                      <a:schemeClr val="dk1"/>
+                    </a:solidFill>
+                    <a:latin typeface="Frutiger" panose="020B0500000000000000" pitchFamily="34" charset="0"/>
+                  </a:rPr>
+                  <a:t>Naming Boosted the Engagement</a:t>
+                </a:r>
+              </a:p>
+              <a:p>
+                <a:pPr lvl="0" algn="just" rtl="0">
+                  <a:spcBef>
+                    <a:spcPts val="0"/>
+                  </a:spcBef>
+                  <a:spcAft>
+                    <a:spcPts val="0"/>
+                  </a:spcAft>
+                </a:pPr>
+                <a:endParaRPr lang="en-GB" sz="4800" dirty="0">
+                  <a:solidFill>
+                    <a:schemeClr val="dk1"/>
+                  </a:solidFill>
+                  <a:latin typeface="Frutiger" panose="020B0500000000000000" pitchFamily="34" charset="0"/>
+                </a:endParaRPr>
+              </a:p>
+            </p:txBody>
+          </p:sp>
+          <p:sp>
+            <p:nvSpPr>
+              <p:cNvPr id="35" name="Google Shape;155;p26">
+                <a:extLst>
+                  <a:ext uri="{FF2B5EF4-FFF2-40B4-BE49-F238E27FC236}">
+                    <a16:creationId xmlns:a16="http://schemas.microsoft.com/office/drawing/2014/main" id="{474D8682-60A6-8C3D-0CE4-4EED2D62BF91}"/>
+                  </a:ext>
+                </a:extLst>
+              </p:cNvPr>
+              <p:cNvSpPr txBox="1"/>
+              <p:nvPr/>
+            </p:nvSpPr>
+            <p:spPr>
+              <a:xfrm>
+                <a:off x="16285621" y="14709711"/>
+                <a:ext cx="12405000" cy="1564486"/>
+              </a:xfrm>
+              <a:prstGeom prst="rect">
+                <a:avLst/>
+              </a:prstGeom>
+              <a:noFill/>
+              <a:ln>
+                <a:noFill/>
+              </a:ln>
+            </p:spPr>
+            <p:txBody>
+              <a:bodyPr spcFirstLastPara="1" wrap="square" lIns="91425" tIns="91425" rIns="91425" bIns="91425" anchor="t" anchorCtr="0">
+                <a:noAutofit/>
+              </a:bodyPr>
+              <a:lstStyle/>
+              <a:p>
+                <a:pPr lvl="0" algn="just"/>
+                <a:r>
+                  <a:rPr lang="en-GB" sz="4400" dirty="0">
+                    <a:solidFill>
+                      <a:schemeClr val="dk1"/>
+                    </a:solidFill>
+                    <a:latin typeface="Frutiger" panose="020B0500000000000000" pitchFamily="34" charset="0"/>
+                  </a:rPr>
+                  <a:t>Letting children name the robot increased their sense of connection and interaction quality.</a:t>
+                </a:r>
+              </a:p>
+            </p:txBody>
+          </p:sp>
+        </p:grpSp>
+      </p:grpSp>
+      <p:grpSp>
+        <p:nvGrpSpPr>
+          <p:cNvPr id="40" name="Group 39">
+            <a:extLst>
+              <a:ext uri="{FF2B5EF4-FFF2-40B4-BE49-F238E27FC236}">
+                <a16:creationId xmlns:a16="http://schemas.microsoft.com/office/drawing/2014/main" id="{F17E638D-DE2F-523F-D264-9BD7681F748D}"/>
+              </a:ext>
+            </a:extLst>
+          </p:cNvPr>
+          <p:cNvGrpSpPr/>
+          <p:nvPr/>
+        </p:nvGrpSpPr>
+        <p:grpSpPr>
+          <a:xfrm>
+            <a:off x="15893853" y="29021903"/>
+            <a:ext cx="12651183" cy="8129225"/>
+            <a:chOff x="16607033" y="12831135"/>
+            <a:chExt cx="12651183" cy="8129225"/>
+          </a:xfrm>
+        </p:grpSpPr>
+        <p:grpSp>
+          <p:nvGrpSpPr>
+            <p:cNvPr id="41" name="Group 40">
+              <a:extLst>
+                <a:ext uri="{FF2B5EF4-FFF2-40B4-BE49-F238E27FC236}">
+                  <a16:creationId xmlns:a16="http://schemas.microsoft.com/office/drawing/2014/main" id="{CA5F6A40-45B9-DC61-6EBE-E1DFE06CB302}"/>
+                </a:ext>
+              </a:extLst>
+            </p:cNvPr>
+            <p:cNvGrpSpPr/>
+            <p:nvPr/>
+          </p:nvGrpSpPr>
+          <p:grpSpPr>
+            <a:xfrm>
+              <a:off x="16607033" y="12831135"/>
+              <a:ext cx="12651183" cy="2797133"/>
+              <a:chOff x="16039438" y="13508632"/>
+              <a:chExt cx="12651183" cy="2797133"/>
+            </a:xfrm>
+          </p:grpSpPr>
+          <p:sp>
+            <p:nvSpPr>
+              <p:cNvPr id="48" name="Google Shape;155;p26">
+                <a:extLst>
+                  <a:ext uri="{FF2B5EF4-FFF2-40B4-BE49-F238E27FC236}">
+                    <a16:creationId xmlns:a16="http://schemas.microsoft.com/office/drawing/2014/main" id="{E6A620C7-5819-44F2-7117-8C412BBC6DB7}"/>
+                  </a:ext>
+                </a:extLst>
+              </p:cNvPr>
+              <p:cNvSpPr txBox="1"/>
+              <p:nvPr/>
+            </p:nvSpPr>
+            <p:spPr>
+              <a:xfrm>
+                <a:off x="16039438" y="13508632"/>
+                <a:ext cx="12405000" cy="1050389"/>
+              </a:xfrm>
+              <a:prstGeom prst="rect">
+                <a:avLst/>
+              </a:prstGeom>
+              <a:noFill/>
+              <a:ln>
+                <a:noFill/>
+              </a:ln>
+            </p:spPr>
+            <p:txBody>
+              <a:bodyPr spcFirstLastPara="1" wrap="square" lIns="91425" tIns="91425" rIns="91425" bIns="91425" anchor="t" anchorCtr="0">
+                <a:noAutofit/>
+              </a:bodyPr>
+              <a:lstStyle/>
+              <a:p>
+                <a:pPr lvl="0" algn="just" rtl="0">
+                  <a:spcBef>
+                    <a:spcPts val="0"/>
+                  </a:spcBef>
+                  <a:spcAft>
+                    <a:spcPts val="0"/>
+                  </a:spcAft>
+                </a:pPr>
+                <a:r>
+                  <a:rPr lang="en-GB" sz="4800" b="1" dirty="0">
+                    <a:solidFill>
+                      <a:schemeClr val="dk1"/>
+                    </a:solidFill>
+                    <a:latin typeface="Frutiger" panose="020B0500000000000000" pitchFamily="34" charset="0"/>
+                  </a:rPr>
+                  <a:t>Robot Seen as a Pet</a:t>
+                </a:r>
+              </a:p>
+              <a:p>
+                <a:pPr lvl="0" algn="just" rtl="0">
+                  <a:spcBef>
+                    <a:spcPts val="0"/>
+                  </a:spcBef>
+                  <a:spcAft>
+                    <a:spcPts val="0"/>
+                  </a:spcAft>
+                </a:pPr>
+                <a:endParaRPr lang="en-GB" sz="4800" dirty="0">
+                  <a:solidFill>
+                    <a:schemeClr val="dk1"/>
+                  </a:solidFill>
+                  <a:latin typeface="Frutiger" panose="020B0500000000000000" pitchFamily="34" charset="0"/>
+                </a:endParaRPr>
+              </a:p>
+            </p:txBody>
+          </p:sp>
+          <p:sp>
+            <p:nvSpPr>
+              <p:cNvPr id="49" name="Google Shape;155;p26">
+                <a:extLst>
+                  <a:ext uri="{FF2B5EF4-FFF2-40B4-BE49-F238E27FC236}">
+                    <a16:creationId xmlns:a16="http://schemas.microsoft.com/office/drawing/2014/main" id="{AF6F0EBF-A6C0-55E6-B93A-7218EA0200C2}"/>
+                  </a:ext>
+                </a:extLst>
+              </p:cNvPr>
+              <p:cNvSpPr txBox="1"/>
+              <p:nvPr/>
+            </p:nvSpPr>
+            <p:spPr>
+              <a:xfrm>
+                <a:off x="16285621" y="14294070"/>
+                <a:ext cx="12405000" cy="2011695"/>
+              </a:xfrm>
+              <a:prstGeom prst="rect">
+                <a:avLst/>
+              </a:prstGeom>
+              <a:noFill/>
+              <a:ln>
+                <a:noFill/>
+              </a:ln>
+            </p:spPr>
+            <p:txBody>
+              <a:bodyPr spcFirstLastPara="1" wrap="square" lIns="91425" tIns="91425" rIns="91425" bIns="91425" anchor="t" anchorCtr="0">
+                <a:noAutofit/>
+              </a:bodyPr>
+              <a:lstStyle/>
+              <a:p>
+                <a:pPr lvl="0" algn="just"/>
+                <a:r>
+                  <a:rPr lang="en-GB" sz="4400" dirty="0">
+                    <a:solidFill>
+                      <a:schemeClr val="dk1"/>
+                    </a:solidFill>
+                    <a:latin typeface="Frutiger" panose="020B0500000000000000" pitchFamily="34" charset="0"/>
+                  </a:rPr>
+                  <a:t>Children treated the robot like a pet (e.g., decorating or petting it), reinforcing its peer-like framing.</a:t>
+                </a:r>
+              </a:p>
+            </p:txBody>
+          </p:sp>
+        </p:grpSp>
+        <p:grpSp>
+          <p:nvGrpSpPr>
+            <p:cNvPr id="42" name="Group 41">
+              <a:extLst>
+                <a:ext uri="{FF2B5EF4-FFF2-40B4-BE49-F238E27FC236}">
+                  <a16:creationId xmlns:a16="http://schemas.microsoft.com/office/drawing/2014/main" id="{4E592EC8-A3CE-5044-02F2-F05964B88F17}"/>
+                </a:ext>
+              </a:extLst>
+            </p:cNvPr>
+            <p:cNvGrpSpPr/>
+            <p:nvPr/>
+          </p:nvGrpSpPr>
+          <p:grpSpPr>
+            <a:xfrm>
+              <a:off x="16607033" y="15887168"/>
+              <a:ext cx="12651183" cy="2349925"/>
+              <a:chOff x="16039438" y="14173656"/>
+              <a:chExt cx="12651183" cy="2349925"/>
+            </a:xfrm>
+          </p:grpSpPr>
+          <p:sp>
+            <p:nvSpPr>
+              <p:cNvPr id="46" name="Google Shape;155;p26">
+                <a:extLst>
+                  <a:ext uri="{FF2B5EF4-FFF2-40B4-BE49-F238E27FC236}">
+                    <a16:creationId xmlns:a16="http://schemas.microsoft.com/office/drawing/2014/main" id="{1DB04373-14EF-D640-54E9-9179AD65750B}"/>
+                  </a:ext>
+                </a:extLst>
+              </p:cNvPr>
+              <p:cNvSpPr txBox="1"/>
+              <p:nvPr/>
+            </p:nvSpPr>
+            <p:spPr>
+              <a:xfrm>
+                <a:off x="16039438" y="14173656"/>
+                <a:ext cx="12405000" cy="1050389"/>
+              </a:xfrm>
+              <a:prstGeom prst="rect">
+                <a:avLst/>
+              </a:prstGeom>
+              <a:noFill/>
+              <a:ln>
+                <a:noFill/>
+              </a:ln>
+            </p:spPr>
+            <p:txBody>
+              <a:bodyPr spcFirstLastPara="1" wrap="square" lIns="91425" tIns="91425" rIns="91425" bIns="91425" anchor="t" anchorCtr="0">
+                <a:noAutofit/>
+              </a:bodyPr>
+              <a:lstStyle/>
+              <a:p>
+                <a:pPr lvl="0" algn="just" rtl="0">
+                  <a:spcBef>
+                    <a:spcPts val="0"/>
+                  </a:spcBef>
+                  <a:spcAft>
+                    <a:spcPts val="0"/>
+                  </a:spcAft>
+                </a:pPr>
+                <a:r>
+                  <a:rPr lang="en-GB" sz="4800" b="1" dirty="0">
+                    <a:solidFill>
+                      <a:schemeClr val="dk1"/>
+                    </a:solidFill>
+                    <a:latin typeface="Frutiger" panose="020B0500000000000000" pitchFamily="34" charset="0"/>
+                  </a:rPr>
+                  <a:t>Multimodal “Dances” Were Popular</a:t>
+                </a:r>
+              </a:p>
+              <a:p>
+                <a:pPr lvl="0" algn="just" rtl="0">
+                  <a:spcBef>
+                    <a:spcPts val="0"/>
+                  </a:spcBef>
+                  <a:spcAft>
+                    <a:spcPts val="0"/>
+                  </a:spcAft>
+                </a:pPr>
+                <a:endParaRPr lang="en-GB" sz="4800" dirty="0">
+                  <a:solidFill>
+                    <a:schemeClr val="dk1"/>
+                  </a:solidFill>
+                  <a:latin typeface="Frutiger" panose="020B0500000000000000" pitchFamily="34" charset="0"/>
+                </a:endParaRPr>
+              </a:p>
+            </p:txBody>
+          </p:sp>
+          <p:sp>
+            <p:nvSpPr>
+              <p:cNvPr id="47" name="Google Shape;155;p26">
+                <a:extLst>
+                  <a:ext uri="{FF2B5EF4-FFF2-40B4-BE49-F238E27FC236}">
+                    <a16:creationId xmlns:a16="http://schemas.microsoft.com/office/drawing/2014/main" id="{FE6B6FFA-41D6-2373-2552-C2D12FB9760D}"/>
+                  </a:ext>
+                </a:extLst>
+              </p:cNvPr>
+              <p:cNvSpPr txBox="1"/>
+              <p:nvPr/>
+            </p:nvSpPr>
+            <p:spPr>
+              <a:xfrm>
+                <a:off x="16285621" y="14959095"/>
+                <a:ext cx="12405000" cy="1564486"/>
+              </a:xfrm>
+              <a:prstGeom prst="rect">
+                <a:avLst/>
+              </a:prstGeom>
+              <a:noFill/>
+              <a:ln>
+                <a:noFill/>
+              </a:ln>
+            </p:spPr>
+            <p:txBody>
+              <a:bodyPr spcFirstLastPara="1" wrap="square" lIns="91425" tIns="91425" rIns="91425" bIns="91425" anchor="t" anchorCtr="0">
+                <a:noAutofit/>
+              </a:bodyPr>
+              <a:lstStyle/>
+              <a:p>
+                <a:pPr lvl="0" algn="just"/>
+                <a:r>
+                  <a:rPr lang="en-GB" sz="4400" dirty="0">
+                    <a:solidFill>
+                      <a:schemeClr val="dk1"/>
+                    </a:solidFill>
+                    <a:latin typeface="Frutiger" panose="020B0500000000000000" pitchFamily="34" charset="0"/>
+                  </a:rPr>
+                  <a:t>Children loved expressive combination of lights, sound, and movement for positive feedback.</a:t>
+                </a:r>
+              </a:p>
+            </p:txBody>
+          </p:sp>
+        </p:grpSp>
+        <p:grpSp>
+          <p:nvGrpSpPr>
+            <p:cNvPr id="43" name="Group 42">
+              <a:extLst>
+                <a:ext uri="{FF2B5EF4-FFF2-40B4-BE49-F238E27FC236}">
+                  <a16:creationId xmlns:a16="http://schemas.microsoft.com/office/drawing/2014/main" id="{D34EF07E-CF4B-0F7D-5172-1EAE13FC5DEB}"/>
+                </a:ext>
+              </a:extLst>
+            </p:cNvPr>
+            <p:cNvGrpSpPr/>
+            <p:nvPr/>
+          </p:nvGrpSpPr>
+          <p:grpSpPr>
+            <a:xfrm>
+              <a:off x="16607033" y="18222987"/>
+              <a:ext cx="12651183" cy="2737373"/>
+              <a:chOff x="16039438" y="14048964"/>
+              <a:chExt cx="12651183" cy="2737373"/>
+            </a:xfrm>
+          </p:grpSpPr>
+          <p:sp>
+            <p:nvSpPr>
+              <p:cNvPr id="44" name="Google Shape;155;p26">
+                <a:extLst>
+                  <a:ext uri="{FF2B5EF4-FFF2-40B4-BE49-F238E27FC236}">
+                    <a16:creationId xmlns:a16="http://schemas.microsoft.com/office/drawing/2014/main" id="{E443C450-69D8-45F6-6D2D-6C4D2C91718C}"/>
+                  </a:ext>
+                </a:extLst>
+              </p:cNvPr>
+              <p:cNvSpPr txBox="1"/>
+              <p:nvPr/>
+            </p:nvSpPr>
+            <p:spPr>
+              <a:xfrm>
+                <a:off x="16039438" y="14048964"/>
+                <a:ext cx="12405000" cy="1050389"/>
+              </a:xfrm>
+              <a:prstGeom prst="rect">
+                <a:avLst/>
+              </a:prstGeom>
+              <a:noFill/>
+              <a:ln>
+                <a:noFill/>
+              </a:ln>
+            </p:spPr>
+            <p:txBody>
+              <a:bodyPr spcFirstLastPara="1" wrap="square" lIns="91425" tIns="91425" rIns="91425" bIns="91425" anchor="t" anchorCtr="0">
+                <a:noAutofit/>
+              </a:bodyPr>
+              <a:lstStyle/>
+              <a:p>
+                <a:pPr lvl="0" algn="just" rtl="0">
+                  <a:spcBef>
+                    <a:spcPts val="0"/>
+                  </a:spcBef>
+                  <a:spcAft>
+                    <a:spcPts val="0"/>
+                  </a:spcAft>
+                </a:pPr>
+                <a:r>
+                  <a:rPr lang="en-GB" sz="4800" b="1" dirty="0">
+                    <a:solidFill>
+                      <a:schemeClr val="dk1"/>
+                    </a:solidFill>
+                    <a:latin typeface="Frutiger" panose="020B0500000000000000" pitchFamily="34" charset="0"/>
+                  </a:rPr>
+                  <a:t>Emotion and Politeness Teaching Emerged</a:t>
+                </a:r>
+              </a:p>
+              <a:p>
+                <a:pPr lvl="0" algn="just" rtl="0">
+                  <a:spcBef>
+                    <a:spcPts val="0"/>
+                  </a:spcBef>
+                  <a:spcAft>
+                    <a:spcPts val="0"/>
+                  </a:spcAft>
+                </a:pPr>
+                <a:endParaRPr lang="en-GB" sz="4800" dirty="0">
+                  <a:solidFill>
+                    <a:schemeClr val="dk1"/>
+                  </a:solidFill>
+                  <a:latin typeface="Frutiger" panose="020B0500000000000000" pitchFamily="34" charset="0"/>
+                </a:endParaRPr>
+              </a:p>
+            </p:txBody>
+          </p:sp>
+          <p:sp>
+            <p:nvSpPr>
+              <p:cNvPr id="45" name="Google Shape;155;p26">
+                <a:extLst>
+                  <a:ext uri="{FF2B5EF4-FFF2-40B4-BE49-F238E27FC236}">
+                    <a16:creationId xmlns:a16="http://schemas.microsoft.com/office/drawing/2014/main" id="{B00856E7-4D0E-E886-7BDE-CA081719FAE4}"/>
+                  </a:ext>
+                </a:extLst>
+              </p:cNvPr>
+              <p:cNvSpPr txBox="1"/>
+              <p:nvPr/>
+            </p:nvSpPr>
+            <p:spPr>
+              <a:xfrm>
+                <a:off x="16285621" y="14834402"/>
+                <a:ext cx="12405000" cy="1951935"/>
+              </a:xfrm>
+              <a:prstGeom prst="rect">
+                <a:avLst/>
+              </a:prstGeom>
+              <a:noFill/>
+              <a:ln>
+                <a:noFill/>
+              </a:ln>
+            </p:spPr>
+            <p:txBody>
+              <a:bodyPr spcFirstLastPara="1" wrap="square" lIns="91425" tIns="91425" rIns="91425" bIns="91425" anchor="t" anchorCtr="0">
+                <a:noAutofit/>
+              </a:bodyPr>
+              <a:lstStyle/>
+              <a:p>
+                <a:pPr lvl="0" algn="just"/>
+                <a:r>
+                  <a:rPr lang="en-GB" sz="4400" dirty="0">
+                    <a:solidFill>
+                      <a:schemeClr val="dk1"/>
+                    </a:solidFill>
+                    <a:latin typeface="Frutiger" panose="020B0500000000000000" pitchFamily="34" charset="0"/>
+                  </a:rPr>
+                  <a:t>Kids naturally started to teach the robot social behaviours like keeping distance or expressing emotion.</a:t>
+                </a:r>
+              </a:p>
+            </p:txBody>
+          </p:sp>
+        </p:grpSp>
+      </p:grpSp>
+      <p:cxnSp>
+        <p:nvCxnSpPr>
+          <p:cNvPr id="51" name="Straight Connector 50">
+            <a:extLst>
+              <a:ext uri="{FF2B5EF4-FFF2-40B4-BE49-F238E27FC236}">
+                <a16:creationId xmlns:a16="http://schemas.microsoft.com/office/drawing/2014/main" id="{7AB203C2-DFD7-C266-C3DB-975B228CB76C}"/>
+              </a:ext>
+            </a:extLst>
+          </p:cNvPr>
+          <p:cNvCxnSpPr>
+            <a:cxnSpLocks/>
+          </p:cNvCxnSpPr>
+          <p:nvPr/>
+        </p:nvCxnSpPr>
+        <p:spPr>
+          <a:xfrm>
+            <a:off x="5729960" y="37887495"/>
+            <a:ext cx="18780369" cy="0"/>
+          </a:xfrm>
+          <a:prstGeom prst="line">
+            <a:avLst/>
+          </a:prstGeom>
+          <a:ln w="38100">
+            <a:solidFill>
+              <a:schemeClr val="tx2"/>
+            </a:solidFill>
+          </a:ln>
+        </p:spPr>
+        <p:style>
+          <a:lnRef idx="1">
+            <a:schemeClr val="dk1"/>
+          </a:lnRef>
+          <a:fillRef idx="0">
+            <a:schemeClr val="dk1"/>
+          </a:fillRef>
+          <a:effectRef idx="0">
+            <a:schemeClr val="dk1"/>
+          </a:effectRef>
+          <a:fontRef idx="minor">
+            <a:schemeClr val="tx1"/>
+          </a:fontRef>
+        </p:style>
+      </p:cxnSp>
+      <p:cxnSp>
+        <p:nvCxnSpPr>
+          <p:cNvPr id="52" name="Straight Connector 51">
+            <a:extLst>
+              <a:ext uri="{FF2B5EF4-FFF2-40B4-BE49-F238E27FC236}">
+                <a16:creationId xmlns:a16="http://schemas.microsoft.com/office/drawing/2014/main" id="{9378551F-C23E-46B3-F4CD-C6DA894E211B}"/>
+              </a:ext>
+            </a:extLst>
+          </p:cNvPr>
+          <p:cNvCxnSpPr>
+            <a:cxnSpLocks/>
+          </p:cNvCxnSpPr>
+          <p:nvPr/>
+        </p:nvCxnSpPr>
+        <p:spPr>
+          <a:xfrm>
+            <a:off x="5729960" y="11835821"/>
+            <a:ext cx="18780369" cy="0"/>
+          </a:xfrm>
+          <a:prstGeom prst="line">
+            <a:avLst/>
+          </a:prstGeom>
+          <a:ln w="38100">
+            <a:solidFill>
+              <a:schemeClr val="tx2"/>
+            </a:solidFill>
+          </a:ln>
+        </p:spPr>
+        <p:style>
+          <a:lnRef idx="1">
+            <a:schemeClr val="dk1"/>
+          </a:lnRef>
+          <a:fillRef idx="0">
+            <a:schemeClr val="dk1"/>
+          </a:fillRef>
+          <a:effectRef idx="0">
+            <a:schemeClr val="dk1"/>
+          </a:effectRef>
+          <a:fontRef idx="minor">
+            <a:schemeClr val="tx1"/>
+          </a:fontRef>
+        </p:style>
+      </p:cxnSp>
+      <p:grpSp>
+        <p:nvGrpSpPr>
+          <p:cNvPr id="59" name="Group 58">
+            <a:extLst>
+              <a:ext uri="{FF2B5EF4-FFF2-40B4-BE49-F238E27FC236}">
+                <a16:creationId xmlns:a16="http://schemas.microsoft.com/office/drawing/2014/main" id="{EDABD677-D1F7-A0E3-B5D4-CA59ED96F157}"/>
+              </a:ext>
+            </a:extLst>
+          </p:cNvPr>
+          <p:cNvGrpSpPr/>
+          <p:nvPr/>
+        </p:nvGrpSpPr>
+        <p:grpSpPr>
+          <a:xfrm>
+            <a:off x="-3725083" y="13136064"/>
+            <a:ext cx="5729960" cy="6209875"/>
+            <a:chOff x="-3760469" y="13590986"/>
+            <a:chExt cx="5729960" cy="6209875"/>
+          </a:xfrm>
+        </p:grpSpPr>
+        <p:sp>
+          <p:nvSpPr>
+            <p:cNvPr id="54" name="Oval 53">
+              <a:extLst>
+                <a:ext uri="{FF2B5EF4-FFF2-40B4-BE49-F238E27FC236}">
+                  <a16:creationId xmlns:a16="http://schemas.microsoft.com/office/drawing/2014/main" id="{DEF0558C-AA2A-C661-AA3F-21FFD191252A}"/>
+                </a:ext>
+              </a:extLst>
+            </p:cNvPr>
+            <p:cNvSpPr/>
+            <p:nvPr/>
+          </p:nvSpPr>
+          <p:spPr>
+            <a:xfrm>
+              <a:off x="-3760469" y="13590986"/>
+              <a:ext cx="5729960" cy="6209875"/>
+            </a:xfrm>
+            <a:prstGeom prst="ellipse">
+              <a:avLst/>
+            </a:prstGeom>
+            <a:solidFill>
+              <a:schemeClr val="tx1">
+                <a:lumMod val="50000"/>
+                <a:lumOff val="50000"/>
+                <a:alpha val="10000"/>
+              </a:schemeClr>
+            </a:solidFill>
+            <a:ln>
+              <a:solidFill>
+                <a:schemeClr val="tx2"/>
+              </a:solidFill>
+            </a:ln>
+          </p:spPr>
+          <p:style>
+            <a:lnRef idx="2">
+              <a:schemeClr val="accent1">
+                <a:shade val="15000"/>
+              </a:schemeClr>
+            </a:lnRef>
+            <a:fillRef idx="1">
+              <a:schemeClr val="accent1"/>
+            </a:fillRef>
+            <a:effectRef idx="0">
+              <a:schemeClr val="accent1"/>
+            </a:effectRef>
+            <a:fontRef idx="minor">
+              <a:schemeClr val="lt1"/>
+            </a:fontRef>
+          </p:style>
+          <p:txBody>
+            <a:bodyPr rtlCol="0" anchor="ctr"/>
+            <a:lstStyle/>
+            <a:p>
+              <a:pPr algn="ctr"/>
+              <a:endParaRPr lang="en-US" dirty="0"/>
+            </a:p>
+          </p:txBody>
+        </p:sp>
+        <p:sp>
+          <p:nvSpPr>
+            <p:cNvPr id="55" name="TextBox 54">
+              <a:extLst>
+                <a:ext uri="{FF2B5EF4-FFF2-40B4-BE49-F238E27FC236}">
+                  <a16:creationId xmlns:a16="http://schemas.microsoft.com/office/drawing/2014/main" id="{324F58BB-5437-FF2F-B1A9-24C645EDF5E7}"/>
+                </a:ext>
+              </a:extLst>
+            </p:cNvPr>
+            <p:cNvSpPr txBox="1"/>
+            <p:nvPr/>
+          </p:nvSpPr>
+          <p:spPr>
+            <a:xfrm>
+              <a:off x="0" y="15112570"/>
+              <a:ext cx="1438250" cy="3154710"/>
+            </a:xfrm>
+            <a:prstGeom prst="rect">
+              <a:avLst/>
+            </a:prstGeom>
+            <a:noFill/>
+          </p:spPr>
+          <p:txBody>
+            <a:bodyPr wrap="square" rtlCol="0">
+              <a:spAutoFit/>
+            </a:bodyPr>
+            <a:lstStyle/>
+            <a:p>
+              <a:r>
+                <a:rPr lang="en-US" sz="19900" b="1" dirty="0">
+                  <a:latin typeface="Frutiger" panose="020B0500000000000000" pitchFamily="34" charset="0"/>
+                </a:rPr>
+                <a:t>1</a:t>
+              </a:r>
+            </a:p>
+          </p:txBody>
+        </p:sp>
+      </p:grpSp>
+      <p:grpSp>
+        <p:nvGrpSpPr>
+          <p:cNvPr id="58" name="Group 57">
+            <a:extLst>
+              <a:ext uri="{FF2B5EF4-FFF2-40B4-BE49-F238E27FC236}">
+                <a16:creationId xmlns:a16="http://schemas.microsoft.com/office/drawing/2014/main" id="{895F958C-57EA-0C69-D2E6-A30091C32EA3}"/>
+              </a:ext>
+            </a:extLst>
+          </p:cNvPr>
+          <p:cNvGrpSpPr/>
+          <p:nvPr/>
+        </p:nvGrpSpPr>
+        <p:grpSpPr>
+          <a:xfrm>
+            <a:off x="28423197" y="21394760"/>
+            <a:ext cx="5729960" cy="6209875"/>
+            <a:chOff x="28390983" y="22410895"/>
+            <a:chExt cx="5729960" cy="6209875"/>
+          </a:xfrm>
+        </p:grpSpPr>
+        <p:sp>
+          <p:nvSpPr>
+            <p:cNvPr id="56" name="Oval 55">
+              <a:extLst>
+                <a:ext uri="{FF2B5EF4-FFF2-40B4-BE49-F238E27FC236}">
+                  <a16:creationId xmlns:a16="http://schemas.microsoft.com/office/drawing/2014/main" id="{7EF84E5D-158E-3AB3-3399-68C539BDFD6C}"/>
+                </a:ext>
+              </a:extLst>
+            </p:cNvPr>
+            <p:cNvSpPr/>
+            <p:nvPr/>
+          </p:nvSpPr>
+          <p:spPr>
+            <a:xfrm>
+              <a:off x="28390983" y="22410895"/>
+              <a:ext cx="5729960" cy="6209875"/>
+            </a:xfrm>
+            <a:prstGeom prst="ellipse">
+              <a:avLst/>
+            </a:prstGeom>
+            <a:solidFill>
+              <a:schemeClr val="tx1">
+                <a:lumMod val="50000"/>
+                <a:lumOff val="50000"/>
+                <a:alpha val="10000"/>
+              </a:schemeClr>
+            </a:solidFill>
+            <a:ln>
+              <a:solidFill>
+                <a:schemeClr val="tx2"/>
+              </a:solidFill>
+            </a:ln>
+          </p:spPr>
+          <p:style>
+            <a:lnRef idx="2">
+              <a:schemeClr val="accent1">
+                <a:shade val="15000"/>
+              </a:schemeClr>
+            </a:lnRef>
+            <a:fillRef idx="1">
+              <a:schemeClr val="accent1"/>
+            </a:fillRef>
+            <a:effectRef idx="0">
+              <a:schemeClr val="accent1"/>
+            </a:effectRef>
+            <a:fontRef idx="minor">
+              <a:schemeClr val="lt1"/>
+            </a:fontRef>
+          </p:style>
+          <p:txBody>
+            <a:bodyPr rtlCol="0" anchor="ctr"/>
+            <a:lstStyle/>
+            <a:p>
+              <a:pPr algn="ctr"/>
+              <a:endParaRPr lang="en-US" dirty="0"/>
+            </a:p>
+          </p:txBody>
+        </p:sp>
+        <p:sp>
+          <p:nvSpPr>
+            <p:cNvPr id="57" name="TextBox 56">
+              <a:extLst>
+                <a:ext uri="{FF2B5EF4-FFF2-40B4-BE49-F238E27FC236}">
+                  <a16:creationId xmlns:a16="http://schemas.microsoft.com/office/drawing/2014/main" id="{A15B5739-318E-8CE0-7247-723170776A09}"/>
+                </a:ext>
+              </a:extLst>
+            </p:cNvPr>
+            <p:cNvSpPr txBox="1"/>
+            <p:nvPr/>
+          </p:nvSpPr>
+          <p:spPr>
+            <a:xfrm>
+              <a:off x="28689325" y="23932479"/>
+              <a:ext cx="1438250" cy="3154710"/>
+            </a:xfrm>
+            <a:prstGeom prst="rect">
+              <a:avLst/>
+            </a:prstGeom>
+            <a:noFill/>
+          </p:spPr>
+          <p:txBody>
+            <a:bodyPr wrap="square" rtlCol="0">
+              <a:spAutoFit/>
+            </a:bodyPr>
+            <a:lstStyle/>
+            <a:p>
+              <a:r>
+                <a:rPr lang="en-US" sz="19900" b="1" dirty="0">
+                  <a:latin typeface="Frutiger" panose="020B0500000000000000" pitchFamily="34" charset="0"/>
+                </a:rPr>
+                <a:t>2</a:t>
+              </a:r>
+            </a:p>
+          </p:txBody>
+        </p:sp>
+      </p:grpSp>
+      <p:grpSp>
+        <p:nvGrpSpPr>
+          <p:cNvPr id="60" name="Group 59">
+            <a:extLst>
+              <a:ext uri="{FF2B5EF4-FFF2-40B4-BE49-F238E27FC236}">
+                <a16:creationId xmlns:a16="http://schemas.microsoft.com/office/drawing/2014/main" id="{EE613164-84CA-257E-AC4C-24D5518D9D07}"/>
+              </a:ext>
+            </a:extLst>
+          </p:cNvPr>
+          <p:cNvGrpSpPr/>
+          <p:nvPr/>
+        </p:nvGrpSpPr>
+        <p:grpSpPr>
+          <a:xfrm>
+            <a:off x="-3725083" y="29758437"/>
+            <a:ext cx="5729960" cy="6209875"/>
+            <a:chOff x="-3912869" y="13590986"/>
+            <a:chExt cx="5729960" cy="6209875"/>
+          </a:xfrm>
+        </p:grpSpPr>
+        <p:sp>
+          <p:nvSpPr>
+            <p:cNvPr id="61" name="Oval 60">
+              <a:extLst>
+                <a:ext uri="{FF2B5EF4-FFF2-40B4-BE49-F238E27FC236}">
+                  <a16:creationId xmlns:a16="http://schemas.microsoft.com/office/drawing/2014/main" id="{41B9ABC7-B125-D1A6-41AB-2B699CF2F543}"/>
+                </a:ext>
+              </a:extLst>
+            </p:cNvPr>
+            <p:cNvSpPr/>
+            <p:nvPr/>
+          </p:nvSpPr>
+          <p:spPr>
+            <a:xfrm>
+              <a:off x="-3912869" y="13590986"/>
+              <a:ext cx="5729960" cy="6209875"/>
+            </a:xfrm>
+            <a:prstGeom prst="ellipse">
+              <a:avLst/>
+            </a:prstGeom>
+            <a:solidFill>
+              <a:schemeClr val="tx1">
+                <a:lumMod val="50000"/>
+                <a:lumOff val="50000"/>
+                <a:alpha val="10000"/>
+              </a:schemeClr>
+            </a:solidFill>
+            <a:ln>
+              <a:solidFill>
+                <a:schemeClr val="tx2"/>
+              </a:solidFill>
+            </a:ln>
+          </p:spPr>
+          <p:style>
+            <a:lnRef idx="2">
+              <a:schemeClr val="accent1">
+                <a:shade val="15000"/>
+              </a:schemeClr>
+            </a:lnRef>
+            <a:fillRef idx="1">
+              <a:schemeClr val="accent1"/>
+            </a:fillRef>
+            <a:effectRef idx="0">
+              <a:schemeClr val="accent1"/>
+            </a:effectRef>
+            <a:fontRef idx="minor">
+              <a:schemeClr val="lt1"/>
+            </a:fontRef>
+          </p:style>
+          <p:txBody>
+            <a:bodyPr rtlCol="0" anchor="ctr"/>
+            <a:lstStyle/>
+            <a:p>
+              <a:pPr algn="ctr"/>
+              <a:endParaRPr lang="en-US" dirty="0"/>
+            </a:p>
+          </p:txBody>
+        </p:sp>
+        <p:sp>
+          <p:nvSpPr>
+            <p:cNvPr id="62" name="TextBox 61">
+              <a:extLst>
+                <a:ext uri="{FF2B5EF4-FFF2-40B4-BE49-F238E27FC236}">
+                  <a16:creationId xmlns:a16="http://schemas.microsoft.com/office/drawing/2014/main" id="{E26A14DB-0283-79B0-C545-36C2DA0526E0}"/>
+                </a:ext>
+              </a:extLst>
+            </p:cNvPr>
+            <p:cNvSpPr txBox="1"/>
+            <p:nvPr/>
+          </p:nvSpPr>
+          <p:spPr>
+            <a:xfrm>
+              <a:off x="0" y="15112570"/>
+              <a:ext cx="1438250" cy="3154710"/>
+            </a:xfrm>
+            <a:prstGeom prst="rect">
+              <a:avLst/>
+            </a:prstGeom>
+            <a:noFill/>
+          </p:spPr>
+          <p:txBody>
+            <a:bodyPr wrap="square" rtlCol="0">
+              <a:spAutoFit/>
+            </a:bodyPr>
+            <a:lstStyle/>
+            <a:p>
+              <a:r>
+                <a:rPr lang="en-US" sz="19900" b="1" dirty="0">
+                  <a:latin typeface="Frutiger" panose="020B0500000000000000" pitchFamily="34" charset="0"/>
+                </a:rPr>
+                <a:t>3</a:t>
+              </a:r>
+            </a:p>
+          </p:txBody>
+        </p:sp>
+      </p:grpSp>
+      <p:grpSp>
+        <p:nvGrpSpPr>
+          <p:cNvPr id="130" name="Group 129">
+            <a:extLst>
+              <a:ext uri="{FF2B5EF4-FFF2-40B4-BE49-F238E27FC236}">
+                <a16:creationId xmlns:a16="http://schemas.microsoft.com/office/drawing/2014/main" id="{18BEE519-D9AC-18B8-7789-D104E0937781}"/>
+              </a:ext>
+            </a:extLst>
+          </p:cNvPr>
+          <p:cNvGrpSpPr/>
+          <p:nvPr/>
+        </p:nvGrpSpPr>
+        <p:grpSpPr>
+          <a:xfrm>
+            <a:off x="1473636" y="38227564"/>
+            <a:ext cx="12651183" cy="3585945"/>
+            <a:chOff x="1473636" y="38456167"/>
+            <a:chExt cx="12651183" cy="3585945"/>
+          </a:xfrm>
+        </p:grpSpPr>
+        <p:sp>
+          <p:nvSpPr>
+            <p:cNvPr id="128" name="Google Shape;155;p26">
+              <a:extLst>
+                <a:ext uri="{FF2B5EF4-FFF2-40B4-BE49-F238E27FC236}">
+                  <a16:creationId xmlns:a16="http://schemas.microsoft.com/office/drawing/2014/main" id="{96A800F2-A3EB-DA06-718B-27034FB11D01}"/>
+                </a:ext>
+              </a:extLst>
+            </p:cNvPr>
+            <p:cNvSpPr txBox="1"/>
+            <p:nvPr/>
+          </p:nvSpPr>
+          <p:spPr>
+            <a:xfrm>
+              <a:off x="1473636" y="38456167"/>
+              <a:ext cx="12405000" cy="1050389"/>
+            </a:xfrm>
+            <a:prstGeom prst="rect">
+              <a:avLst/>
+            </a:prstGeom>
+            <a:noFill/>
+            <a:ln>
+              <a:noFill/>
+            </a:ln>
+          </p:spPr>
+          <p:txBody>
+            <a:bodyPr spcFirstLastPara="1" wrap="square" lIns="91425" tIns="91425" rIns="91425" bIns="91425" anchor="t" anchorCtr="0">
+              <a:noAutofit/>
+            </a:bodyPr>
+            <a:lstStyle/>
+            <a:p>
+              <a:pPr lvl="0" algn="just" rtl="0">
+                <a:spcBef>
+                  <a:spcPts val="0"/>
+                </a:spcBef>
+                <a:spcAft>
+                  <a:spcPts val="0"/>
+                </a:spcAft>
+              </a:pPr>
+              <a:r>
+                <a:rPr lang="en-GB" sz="4800" b="1" dirty="0">
+                  <a:solidFill>
+                    <a:schemeClr val="dk1"/>
+                  </a:solidFill>
+                  <a:latin typeface="Frutiger" panose="020B0500000000000000" pitchFamily="34" charset="0"/>
+                </a:rPr>
+                <a:t>Conclusions</a:t>
+              </a:r>
+            </a:p>
+            <a:p>
+              <a:pPr lvl="0" algn="just" rtl="0">
+                <a:spcBef>
+                  <a:spcPts val="0"/>
+                </a:spcBef>
+                <a:spcAft>
+                  <a:spcPts val="0"/>
+                </a:spcAft>
+              </a:pPr>
+              <a:endParaRPr lang="en-GB" sz="4800" dirty="0">
+                <a:solidFill>
+                  <a:schemeClr val="dk1"/>
+                </a:solidFill>
+                <a:latin typeface="Frutiger" panose="020B0500000000000000" pitchFamily="34" charset="0"/>
+              </a:endParaRPr>
+            </a:p>
+          </p:txBody>
+        </p:sp>
+        <p:sp>
+          <p:nvSpPr>
+            <p:cNvPr id="129" name="Google Shape;155;p26">
+              <a:extLst>
+                <a:ext uri="{FF2B5EF4-FFF2-40B4-BE49-F238E27FC236}">
+                  <a16:creationId xmlns:a16="http://schemas.microsoft.com/office/drawing/2014/main" id="{A1CDC4E1-F8B3-5428-8CA1-B92460A9DA62}"/>
+                </a:ext>
+              </a:extLst>
+            </p:cNvPr>
+            <p:cNvSpPr txBox="1"/>
+            <p:nvPr/>
+          </p:nvSpPr>
+          <p:spPr>
+            <a:xfrm>
+              <a:off x="1719819" y="39241605"/>
+              <a:ext cx="12405000" cy="2800507"/>
+            </a:xfrm>
+            <a:prstGeom prst="rect">
+              <a:avLst/>
+            </a:prstGeom>
+            <a:noFill/>
+            <a:ln>
+              <a:noFill/>
+            </a:ln>
+          </p:spPr>
+          <p:txBody>
+            <a:bodyPr spcFirstLastPara="1" wrap="square" lIns="91425" tIns="91425" rIns="91425" bIns="91425" anchor="t" anchorCtr="0">
+              <a:noAutofit/>
+            </a:bodyPr>
+            <a:lstStyle/>
+            <a:p>
+              <a:pPr lvl="0" algn="just"/>
+              <a:r>
+                <a:rPr lang="en-GB" sz="4400" dirty="0">
+                  <a:solidFill>
+                    <a:schemeClr val="dk1"/>
+                  </a:solidFill>
+                  <a:latin typeface="Frutiger" panose="020B0500000000000000" pitchFamily="34" charset="0"/>
+                </a:rPr>
+                <a:t>Children engaged more with a robot framed as a peer. The co-design process helped shape both the interface and its expressive behaviours to align with this framing.</a:t>
+              </a:r>
+            </a:p>
+          </p:txBody>
+        </p:sp>
+      </p:grpSp>
+      <p:grpSp>
+        <p:nvGrpSpPr>
+          <p:cNvPr id="131" name="Group 130">
+            <a:extLst>
+              <a:ext uri="{FF2B5EF4-FFF2-40B4-BE49-F238E27FC236}">
+                <a16:creationId xmlns:a16="http://schemas.microsoft.com/office/drawing/2014/main" id="{611B7E6A-D38A-1889-9CE5-B6376CBD4988}"/>
+              </a:ext>
+            </a:extLst>
+          </p:cNvPr>
+          <p:cNvGrpSpPr/>
+          <p:nvPr/>
+        </p:nvGrpSpPr>
+        <p:grpSpPr>
+          <a:xfrm>
+            <a:off x="15770761" y="38259038"/>
+            <a:ext cx="12651183" cy="3585945"/>
+            <a:chOff x="1473636" y="38456167"/>
+            <a:chExt cx="12651183" cy="3585945"/>
+          </a:xfrm>
+        </p:grpSpPr>
+        <p:sp>
+          <p:nvSpPr>
+            <p:cNvPr id="132" name="Google Shape;155;p26">
+              <a:extLst>
+                <a:ext uri="{FF2B5EF4-FFF2-40B4-BE49-F238E27FC236}">
+                  <a16:creationId xmlns:a16="http://schemas.microsoft.com/office/drawing/2014/main" id="{DB06D94F-2D04-E021-F2D4-913C552AD9AA}"/>
+                </a:ext>
+              </a:extLst>
+            </p:cNvPr>
+            <p:cNvSpPr txBox="1"/>
+            <p:nvPr/>
+          </p:nvSpPr>
+          <p:spPr>
+            <a:xfrm>
+              <a:off x="1473636" y="38456167"/>
+              <a:ext cx="12405000" cy="1050389"/>
+            </a:xfrm>
+            <a:prstGeom prst="rect">
+              <a:avLst/>
+            </a:prstGeom>
+            <a:noFill/>
+            <a:ln>
+              <a:noFill/>
+            </a:ln>
+          </p:spPr>
+          <p:txBody>
+            <a:bodyPr spcFirstLastPara="1" wrap="square" lIns="91425" tIns="91425" rIns="91425" bIns="91425" anchor="t" anchorCtr="0">
+              <a:noAutofit/>
+            </a:bodyPr>
+            <a:lstStyle/>
+            <a:p>
+              <a:pPr lvl="0" algn="just" rtl="0">
+                <a:spcBef>
+                  <a:spcPts val="0"/>
+                </a:spcBef>
+                <a:spcAft>
+                  <a:spcPts val="0"/>
+                </a:spcAft>
+              </a:pPr>
+              <a:r>
+                <a:rPr lang="en-GB" sz="4800" b="1" dirty="0">
+                  <a:solidFill>
+                    <a:schemeClr val="dk1"/>
+                  </a:solidFill>
+                  <a:latin typeface="Frutiger" panose="020B0500000000000000" pitchFamily="34" charset="0"/>
+                </a:rPr>
+                <a:t>Future work</a:t>
+              </a:r>
+            </a:p>
+            <a:p>
+              <a:pPr lvl="0" algn="just" rtl="0">
+                <a:spcBef>
+                  <a:spcPts val="0"/>
+                </a:spcBef>
+                <a:spcAft>
+                  <a:spcPts val="0"/>
+                </a:spcAft>
+              </a:pPr>
+              <a:endParaRPr lang="en-GB" sz="4800" dirty="0">
+                <a:solidFill>
+                  <a:schemeClr val="dk1"/>
+                </a:solidFill>
+                <a:latin typeface="Frutiger" panose="020B0500000000000000" pitchFamily="34" charset="0"/>
+              </a:endParaRPr>
+            </a:p>
+          </p:txBody>
+        </p:sp>
+        <p:sp>
+          <p:nvSpPr>
+            <p:cNvPr id="133" name="Google Shape;155;p26">
+              <a:extLst>
+                <a:ext uri="{FF2B5EF4-FFF2-40B4-BE49-F238E27FC236}">
+                  <a16:creationId xmlns:a16="http://schemas.microsoft.com/office/drawing/2014/main" id="{70C51604-C16C-6C25-0448-BA7492B29049}"/>
+                </a:ext>
+              </a:extLst>
+            </p:cNvPr>
+            <p:cNvSpPr txBox="1"/>
+            <p:nvPr/>
+          </p:nvSpPr>
+          <p:spPr>
+            <a:xfrm>
+              <a:off x="1719819" y="39241605"/>
+              <a:ext cx="12405000" cy="2800507"/>
+            </a:xfrm>
+            <a:prstGeom prst="rect">
+              <a:avLst/>
+            </a:prstGeom>
+            <a:noFill/>
+            <a:ln>
+              <a:noFill/>
+            </a:ln>
+          </p:spPr>
+          <p:txBody>
+            <a:bodyPr spcFirstLastPara="1" wrap="square" lIns="91425" tIns="91425" rIns="91425" bIns="91425" anchor="t" anchorCtr="0">
+              <a:noAutofit/>
+            </a:bodyPr>
+            <a:lstStyle/>
+            <a:p>
+              <a:pPr lvl="0" algn="just"/>
+              <a:r>
+                <a:rPr lang="en-GB" sz="4400" dirty="0">
+                  <a:solidFill>
+                    <a:schemeClr val="dk1"/>
+                  </a:solidFill>
+                  <a:latin typeface="Frutiger" panose="020B0500000000000000" pitchFamily="34" charset="0"/>
+                </a:rPr>
+                <a:t>Next steps include enabling emotion-aware autonomy and expanding the approach to broader, more diverse child populations through longer-term studies.</a:t>
+              </a:r>
+            </a:p>
+          </p:txBody>
+        </p:sp>
+      </p:grpSp>
+      <p:sp>
+        <p:nvSpPr>
+          <p:cNvPr id="142" name="Google Shape;149;p26">
+            <a:extLst>
+              <a:ext uri="{FF2B5EF4-FFF2-40B4-BE49-F238E27FC236}">
+                <a16:creationId xmlns:a16="http://schemas.microsoft.com/office/drawing/2014/main" id="{2FAEBA61-7634-364F-A913-94F6368BA702}"/>
+              </a:ext>
+            </a:extLst>
+          </p:cNvPr>
+          <p:cNvSpPr txBox="1"/>
+          <p:nvPr/>
+        </p:nvSpPr>
+        <p:spPr>
+          <a:xfrm>
             <a:off x="16426955" y="6182317"/>
             <a:ext cx="12916500" cy="2178448"/>
           </a:xfrm>
@@ -19044,7 +25669,7 @@
           <p:cNvPr id="143" name="Google Shape;149;p26">
             <a:extLst>
               <a:ext uri="{FF2B5EF4-FFF2-40B4-BE49-F238E27FC236}">
-                <a16:creationId xmlns:a16="http://schemas.microsoft.com/office/drawing/2014/main" id="{7D882D05-0435-69EB-6B75-FB6EB4BEC624}"/>
+                <a16:creationId xmlns:a16="http://schemas.microsoft.com/office/drawing/2014/main" id="{1877E4FF-A6E5-31E1-D6EA-4BE2BF3DF276}"/>
               </a:ext>
             </a:extLst>
           </p:cNvPr>
@@ -19103,7 +25728,7 @@
           <p:cNvPr id="144" name="Google Shape;149;p26">
             <a:extLst>
               <a:ext uri="{FF2B5EF4-FFF2-40B4-BE49-F238E27FC236}">
-                <a16:creationId xmlns:a16="http://schemas.microsoft.com/office/drawing/2014/main" id="{3105C95D-4041-996F-5E8D-4F5F26C9D87D}"/>
+                <a16:creationId xmlns:a16="http://schemas.microsoft.com/office/drawing/2014/main" id="{8252EF1E-3A2B-4D35-86BF-E8A443851897}"/>
               </a:ext>
             </a:extLst>
           </p:cNvPr>
@@ -19154,7 +25779,7 @@
     </p:spTree>
     <p:extLst>
       <p:ext uri="{BB962C8B-B14F-4D97-AF65-F5344CB8AC3E}">
-        <p14:creationId xmlns:p14="http://schemas.microsoft.com/office/powerpoint/2010/main" val="1731874526"/>
+        <p14:creationId xmlns:p14="http://schemas.microsoft.com/office/powerpoint/2010/main" val="1617623930"/>
       </p:ext>
     </p:extLst>
   </p:cSld>
